--- a/SpaceInvaders_Wireframes.pptx
+++ b/SpaceInvaders_Wireframes.pptx
@@ -6,6 +6,7 @@
   </p:sldMasterIdLst>
   <p:sldIdLst>
     <p:sldId id="256" r:id="rId2"/>
+    <p:sldId id="258" r:id="rId3"/>
   </p:sldIdLst>
   <p:sldSz cx="12192000" cy="6858000"/>
   <p:notesSz cx="6858000" cy="9144000"/>
@@ -104,6 +105,11 @@
       </a:defRPr>
     </a:lvl9pPr>
   </p:defaultTextStyle>
+  <p:extLst>
+    <p:ext uri="{EFAFB233-063F-42B5-8137-9DF3F51BA10A}">
+      <p15:sldGuideLst xmlns:p15="http://schemas.microsoft.com/office/powerpoint/2012/main"/>
+    </p:ext>
+  </p:extLst>
 </p:presentation>
 </file>
 
@@ -238,7 +244,7 @@
           <a:p>
             <a:fld id="{C230B7F6-E507-43D9-A0CE-86424F31F8BE}" type="datetimeFigureOut">
               <a:rPr lang="en-US" smtClean="0"/>
-              <a:t>3/5/2015</a:t>
+              <a:t>3/11/2015</a:t>
             </a:fld>
             <a:endParaRPr lang="en-US"/>
           </a:p>
@@ -408,7 +414,7 @@
           <a:p>
             <a:fld id="{C230B7F6-E507-43D9-A0CE-86424F31F8BE}" type="datetimeFigureOut">
               <a:rPr lang="en-US" smtClean="0"/>
-              <a:t>3/5/2015</a:t>
+              <a:t>3/11/2015</a:t>
             </a:fld>
             <a:endParaRPr lang="en-US"/>
           </a:p>
@@ -588,7 +594,7 @@
           <a:p>
             <a:fld id="{C230B7F6-E507-43D9-A0CE-86424F31F8BE}" type="datetimeFigureOut">
               <a:rPr lang="en-US" smtClean="0"/>
-              <a:t>3/5/2015</a:t>
+              <a:t>3/11/2015</a:t>
             </a:fld>
             <a:endParaRPr lang="en-US"/>
           </a:p>
@@ -758,7 +764,7 @@
           <a:p>
             <a:fld id="{C230B7F6-E507-43D9-A0CE-86424F31F8BE}" type="datetimeFigureOut">
               <a:rPr lang="en-US" smtClean="0"/>
-              <a:t>3/5/2015</a:t>
+              <a:t>3/11/2015</a:t>
             </a:fld>
             <a:endParaRPr lang="en-US"/>
           </a:p>
@@ -1004,7 +1010,7 @@
           <a:p>
             <a:fld id="{C230B7F6-E507-43D9-A0CE-86424F31F8BE}" type="datetimeFigureOut">
               <a:rPr lang="en-US" smtClean="0"/>
-              <a:t>3/5/2015</a:t>
+              <a:t>3/11/2015</a:t>
             </a:fld>
             <a:endParaRPr lang="en-US"/>
           </a:p>
@@ -1236,7 +1242,7 @@
           <a:p>
             <a:fld id="{C230B7F6-E507-43D9-A0CE-86424F31F8BE}" type="datetimeFigureOut">
               <a:rPr lang="en-US" smtClean="0"/>
-              <a:t>3/5/2015</a:t>
+              <a:t>3/11/2015</a:t>
             </a:fld>
             <a:endParaRPr lang="en-US"/>
           </a:p>
@@ -1603,7 +1609,7 @@
           <a:p>
             <a:fld id="{C230B7F6-E507-43D9-A0CE-86424F31F8BE}" type="datetimeFigureOut">
               <a:rPr lang="en-US" smtClean="0"/>
-              <a:t>3/5/2015</a:t>
+              <a:t>3/11/2015</a:t>
             </a:fld>
             <a:endParaRPr lang="en-US"/>
           </a:p>
@@ -1721,7 +1727,7 @@
           <a:p>
             <a:fld id="{C230B7F6-E507-43D9-A0CE-86424F31F8BE}" type="datetimeFigureOut">
               <a:rPr lang="en-US" smtClean="0"/>
-              <a:t>3/5/2015</a:t>
+              <a:t>3/11/2015</a:t>
             </a:fld>
             <a:endParaRPr lang="en-US"/>
           </a:p>
@@ -1816,7 +1822,7 @@
           <a:p>
             <a:fld id="{C230B7F6-E507-43D9-A0CE-86424F31F8BE}" type="datetimeFigureOut">
               <a:rPr lang="en-US" smtClean="0"/>
-              <a:t>3/5/2015</a:t>
+              <a:t>3/11/2015</a:t>
             </a:fld>
             <a:endParaRPr lang="en-US"/>
           </a:p>
@@ -2093,7 +2099,7 @@
           <a:p>
             <a:fld id="{C230B7F6-E507-43D9-A0CE-86424F31F8BE}" type="datetimeFigureOut">
               <a:rPr lang="en-US" smtClean="0"/>
-              <a:t>3/5/2015</a:t>
+              <a:t>3/11/2015</a:t>
             </a:fld>
             <a:endParaRPr lang="en-US"/>
           </a:p>
@@ -2346,7 +2352,7 @@
           <a:p>
             <a:fld id="{C230B7F6-E507-43D9-A0CE-86424F31F8BE}" type="datetimeFigureOut">
               <a:rPr lang="en-US" smtClean="0"/>
-              <a:t>3/5/2015</a:t>
+              <a:t>3/11/2015</a:t>
             </a:fld>
             <a:endParaRPr lang="en-US"/>
           </a:p>
@@ -2559,7 +2565,7 @@
           <a:p>
             <a:fld id="{C230B7F6-E507-43D9-A0CE-86424F31F8BE}" type="datetimeFigureOut">
               <a:rPr lang="en-US" smtClean="0"/>
-              <a:t>3/5/2015</a:t>
+              <a:t>3/11/2015</a:t>
             </a:fld>
             <a:endParaRPr lang="en-US"/>
           </a:p>
@@ -2976,8 +2982,8 @@
         </p:nvGrpSpPr>
         <p:grpSpPr>
           <a:xfrm>
-            <a:off x="1257269" y="208344"/>
-            <a:ext cx="9248173" cy="6354502"/>
+            <a:off x="3048000" y="208344"/>
+            <a:ext cx="5334001" cy="6354502"/>
             <a:chOff x="508000" y="1416843"/>
             <a:chExt cx="6696744" cy="4405077"/>
           </a:xfrm>
@@ -3159,8 +3165,8 @@
           </p:nvSpPr>
           <p:spPr>
             <a:xfrm>
-              <a:off x="528480" y="1569224"/>
-              <a:ext cx="6655783" cy="4231566"/>
+              <a:off x="543511" y="1569224"/>
+              <a:ext cx="6625724" cy="4231566"/>
             </a:xfrm>
             <a:prstGeom prst="rect">
               <a:avLst/>
@@ -3309,10 +3315,10 @@
           </p:nvGrpSpPr>
           <p:grpSpPr>
             <a:xfrm>
-              <a:off x="6914421" y="1463943"/>
-              <a:ext cx="248502" cy="62816"/>
-              <a:chOff x="8705138" y="106462"/>
-              <a:chExt cx="292363" cy="73901"/>
+              <a:off x="6701378" y="1463943"/>
+              <a:ext cx="430813" cy="62816"/>
+              <a:chOff x="8454540" y="106462"/>
+              <a:chExt cx="506855" cy="73901"/>
             </a:xfrm>
           </p:grpSpPr>
           <p:sp>
@@ -3329,8 +3335,8 @@
             </p:nvSpPr>
             <p:spPr bwMode="auto">
               <a:xfrm>
-                <a:off x="8922264" y="108099"/>
-                <a:ext cx="75237" cy="72262"/>
+                <a:off x="8830948" y="108099"/>
+                <a:ext cx="130447" cy="72262"/>
               </a:xfrm>
               <a:custGeom>
                 <a:avLst/>
@@ -3637,8 +3643,8 @@
             </p:nvSpPr>
             <p:spPr bwMode="auto">
               <a:xfrm>
-                <a:off x="8811501" y="106462"/>
-                <a:ext cx="76458" cy="73900"/>
+                <a:off x="8638954" y="106462"/>
+                <a:ext cx="132567" cy="73900"/>
               </a:xfrm>
               <a:custGeom>
                 <a:avLst/>
@@ -4049,8 +4055,8 @@
             </p:nvSpPr>
             <p:spPr bwMode="auto">
               <a:xfrm>
-                <a:off x="8705138" y="162825"/>
-                <a:ext cx="72062" cy="17538"/>
+                <a:off x="8454540" y="162825"/>
+                <a:ext cx="124942" cy="17538"/>
               </a:xfrm>
               <a:custGeom>
                 <a:avLst/>
@@ -4441,7 +4447,7 @@
         </p:nvSpPr>
         <p:spPr bwMode="auto">
           <a:xfrm>
-            <a:off x="3143892" y="5549761"/>
+            <a:off x="4043841" y="5546785"/>
             <a:ext cx="1399607" cy="250505"/>
           </a:xfrm>
           <a:prstGeom prst="roundRect">
@@ -4607,7 +4613,7 @@
         </p:nvSpPr>
         <p:spPr bwMode="auto">
           <a:xfrm>
-            <a:off x="7239347" y="5549761"/>
+            <a:off x="5996940" y="5540526"/>
             <a:ext cx="1399607" cy="250505"/>
           </a:xfrm>
           <a:prstGeom prst="roundRect">
@@ -8263,6 +8269,521 @@
           </a:p>
         </p:txBody>
       </p:sp>
+      <p:sp>
+        <p:nvSpPr>
+          <p:cNvPr id="32" name="Menubar"/>
+          <p:cNvSpPr>
+            <a:spLocks/>
+          </p:cNvSpPr>
+          <p:nvPr/>
+        </p:nvSpPr>
+        <p:spPr bwMode="auto">
+          <a:xfrm>
+            <a:off x="3112789" y="464402"/>
+            <a:ext cx="1782191" cy="210953"/>
+          </a:xfrm>
+          <a:prstGeom prst="rect">
+            <a:avLst/>
+          </a:prstGeom>
+          <a:solidFill>
+            <a:schemeClr val="bg1"/>
+          </a:solidFill>
+          <a:ln w="6350" cap="flat" cmpd="sng" algn="ctr">
+            <a:solidFill>
+              <a:srgbClr val="333333"/>
+            </a:solidFill>
+            <a:prstDash val="solid"/>
+            <a:round/>
+            <a:headEnd type="none" w="med" len="med"/>
+            <a:tailEnd type="none" w="med" len="med"/>
+          </a:ln>
+          <a:effectLst/>
+        </p:spPr>
+        <p:style>
+          <a:lnRef idx="2">
+            <a:schemeClr val="accent1">
+              <a:shade val="50000"/>
+            </a:schemeClr>
+          </a:lnRef>
+          <a:fillRef idx="1">
+            <a:schemeClr val="accent1"/>
+          </a:fillRef>
+          <a:effectRef idx="0">
+            <a:schemeClr val="accent1"/>
+          </a:effectRef>
+          <a:fontRef idx="minor">
+            <a:schemeClr val="lt1"/>
+          </a:fontRef>
+        </p:style>
+        <p:txBody>
+          <a:bodyPr rtlCol="0" anchor="ctr"/>
+          <a:lstStyle>
+            <a:defPPr>
+              <a:defRPr lang="en-US"/>
+            </a:defPPr>
+            <a:lvl1pPr marL="0" algn="l" defTabSz="914400" rtl="0" eaLnBrk="1" latinLnBrk="0" hangingPunct="1">
+              <a:defRPr sz="1800" kern="1200">
+                <a:solidFill>
+                  <a:schemeClr val="lt1"/>
+                </a:solidFill>
+                <a:latin typeface="+mn-lt"/>
+                <a:ea typeface="+mn-ea"/>
+                <a:cs typeface="+mn-cs"/>
+              </a:defRPr>
+            </a:lvl1pPr>
+            <a:lvl2pPr marL="457200" algn="l" defTabSz="914400" rtl="0" eaLnBrk="1" latinLnBrk="0" hangingPunct="1">
+              <a:defRPr sz="1800" kern="1200">
+                <a:solidFill>
+                  <a:schemeClr val="lt1"/>
+                </a:solidFill>
+                <a:latin typeface="+mn-lt"/>
+                <a:ea typeface="+mn-ea"/>
+                <a:cs typeface="+mn-cs"/>
+              </a:defRPr>
+            </a:lvl2pPr>
+            <a:lvl3pPr marL="914400" algn="l" defTabSz="914400" rtl="0" eaLnBrk="1" latinLnBrk="0" hangingPunct="1">
+              <a:defRPr sz="1800" kern="1200">
+                <a:solidFill>
+                  <a:schemeClr val="lt1"/>
+                </a:solidFill>
+                <a:latin typeface="+mn-lt"/>
+                <a:ea typeface="+mn-ea"/>
+                <a:cs typeface="+mn-cs"/>
+              </a:defRPr>
+            </a:lvl3pPr>
+            <a:lvl4pPr marL="1371600" algn="l" defTabSz="914400" rtl="0" eaLnBrk="1" latinLnBrk="0" hangingPunct="1">
+              <a:defRPr sz="1800" kern="1200">
+                <a:solidFill>
+                  <a:schemeClr val="lt1"/>
+                </a:solidFill>
+                <a:latin typeface="+mn-lt"/>
+                <a:ea typeface="+mn-ea"/>
+                <a:cs typeface="+mn-cs"/>
+              </a:defRPr>
+            </a:lvl4pPr>
+            <a:lvl5pPr marL="1828800" algn="l" defTabSz="914400" rtl="0" eaLnBrk="1" latinLnBrk="0" hangingPunct="1">
+              <a:defRPr sz="1800" kern="1200">
+                <a:solidFill>
+                  <a:schemeClr val="lt1"/>
+                </a:solidFill>
+                <a:latin typeface="+mn-lt"/>
+                <a:ea typeface="+mn-ea"/>
+                <a:cs typeface="+mn-cs"/>
+              </a:defRPr>
+            </a:lvl5pPr>
+            <a:lvl6pPr marL="2286000" algn="l" defTabSz="914400" rtl="0" eaLnBrk="1" latinLnBrk="0" hangingPunct="1">
+              <a:defRPr sz="1800" kern="1200">
+                <a:solidFill>
+                  <a:schemeClr val="lt1"/>
+                </a:solidFill>
+                <a:latin typeface="+mn-lt"/>
+                <a:ea typeface="+mn-ea"/>
+                <a:cs typeface="+mn-cs"/>
+              </a:defRPr>
+            </a:lvl6pPr>
+            <a:lvl7pPr marL="2743200" algn="l" defTabSz="914400" rtl="0" eaLnBrk="1" latinLnBrk="0" hangingPunct="1">
+              <a:defRPr sz="1800" kern="1200">
+                <a:solidFill>
+                  <a:schemeClr val="lt1"/>
+                </a:solidFill>
+                <a:latin typeface="+mn-lt"/>
+                <a:ea typeface="+mn-ea"/>
+                <a:cs typeface="+mn-cs"/>
+              </a:defRPr>
+            </a:lvl7pPr>
+            <a:lvl8pPr marL="3200400" algn="l" defTabSz="914400" rtl="0" eaLnBrk="1" latinLnBrk="0" hangingPunct="1">
+              <a:defRPr sz="1800" kern="1200">
+                <a:solidFill>
+                  <a:schemeClr val="lt1"/>
+                </a:solidFill>
+                <a:latin typeface="+mn-lt"/>
+                <a:ea typeface="+mn-ea"/>
+                <a:cs typeface="+mn-cs"/>
+              </a:defRPr>
+            </a:lvl8pPr>
+            <a:lvl9pPr marL="3657600" algn="l" defTabSz="914400" rtl="0" eaLnBrk="1" latinLnBrk="0" hangingPunct="1">
+              <a:defRPr sz="1800" kern="1200">
+                <a:solidFill>
+                  <a:schemeClr val="lt1"/>
+                </a:solidFill>
+                <a:latin typeface="+mn-lt"/>
+                <a:ea typeface="+mn-ea"/>
+                <a:cs typeface="+mn-cs"/>
+              </a:defRPr>
+            </a:lvl9pPr>
+          </a:lstStyle>
+          <a:p>
+            <a:pPr defTabSz="360000"/>
+            <a:r>
+              <a:rPr lang="en-US" sz="900" dirty="0" smtClean="0">
+                <a:solidFill>
+                  <a:srgbClr val="262626"/>
+                </a:solidFill>
+                <a:effectLst/>
+                <a:latin typeface="Calibri"/>
+              </a:rPr>
+              <a:t>Help	About</a:t>
+            </a:r>
+            <a:endParaRPr lang="en-US" sz="900" dirty="0">
+              <a:solidFill>
+                <a:srgbClr val="262626"/>
+              </a:solidFill>
+              <a:effectLst/>
+              <a:latin typeface="Calibri"/>
+            </a:endParaRPr>
+          </a:p>
+        </p:txBody>
+      </p:sp>
+      <p:sp>
+        <p:nvSpPr>
+          <p:cNvPr id="33" name="Link Bar"/>
+          <p:cNvSpPr>
+            <a:spLocks/>
+          </p:cNvSpPr>
+          <p:nvPr/>
+        </p:nvSpPr>
+        <p:spPr bwMode="auto">
+          <a:xfrm>
+            <a:off x="3112789" y="691239"/>
+            <a:ext cx="700045" cy="203932"/>
+          </a:xfrm>
+          <a:prstGeom prst="rect">
+            <a:avLst/>
+          </a:prstGeom>
+          <a:noFill/>
+          <a:ln w="6350" cap="flat" cmpd="sng" algn="ctr">
+            <a:noFill/>
+            <a:prstDash val="solid"/>
+          </a:ln>
+          <a:effectLst/>
+          <a:extLst>
+            <a:ext uri="{909E8E84-426E-40DD-AFC4-6F175D3DCCD1}">
+              <a14:hiddenFill xmlns:a14="http://schemas.microsoft.com/office/drawing/2010/main">
+                <a:solidFill>
+                  <a:schemeClr val="bg1"/>
+                </a:solidFill>
+              </a14:hiddenFill>
+            </a:ext>
+            <a:ext uri="{91240B29-F687-4F45-9708-019B960494DF}">
+              <a14:hiddenLine xmlns:a14="http://schemas.microsoft.com/office/drawing/2010/main" w="6350" cap="flat" cmpd="sng" algn="ctr">
+                <a:solidFill>
+                  <a:srgbClr val="FFFFFF"/>
+                </a:solidFill>
+                <a:prstDash val="solid"/>
+              </a14:hiddenLine>
+            </a:ext>
+          </a:extLst>
+        </p:spPr>
+        <p:style>
+          <a:lnRef idx="2">
+            <a:schemeClr val="accent1">
+              <a:shade val="50000"/>
+            </a:schemeClr>
+          </a:lnRef>
+          <a:fillRef idx="1">
+            <a:schemeClr val="accent1"/>
+          </a:fillRef>
+          <a:effectRef idx="0">
+            <a:schemeClr val="accent1"/>
+          </a:effectRef>
+          <a:fontRef idx="minor">
+            <a:schemeClr val="lt1"/>
+          </a:fontRef>
+        </p:style>
+        <p:txBody>
+          <a:bodyPr wrap="none" lIns="72000" tIns="32400" rIns="72000" bIns="32400" rtlCol="0" anchor="t">
+            <a:spAutoFit/>
+          </a:bodyPr>
+          <a:lstStyle>
+            <a:defPPr>
+              <a:defRPr lang="en-US"/>
+            </a:defPPr>
+            <a:lvl1pPr marL="0" algn="l" defTabSz="914400" rtl="0" eaLnBrk="1" latinLnBrk="0" hangingPunct="1">
+              <a:defRPr sz="1800" kern="1200">
+                <a:solidFill>
+                  <a:schemeClr val="lt1"/>
+                </a:solidFill>
+                <a:latin typeface="+mn-lt"/>
+                <a:ea typeface="+mn-ea"/>
+                <a:cs typeface="+mn-cs"/>
+              </a:defRPr>
+            </a:lvl1pPr>
+            <a:lvl2pPr marL="457200" algn="l" defTabSz="914400" rtl="0" eaLnBrk="1" latinLnBrk="0" hangingPunct="1">
+              <a:defRPr sz="1800" kern="1200">
+                <a:solidFill>
+                  <a:schemeClr val="lt1"/>
+                </a:solidFill>
+                <a:latin typeface="+mn-lt"/>
+                <a:ea typeface="+mn-ea"/>
+                <a:cs typeface="+mn-cs"/>
+              </a:defRPr>
+            </a:lvl2pPr>
+            <a:lvl3pPr marL="914400" algn="l" defTabSz="914400" rtl="0" eaLnBrk="1" latinLnBrk="0" hangingPunct="1">
+              <a:defRPr sz="1800" kern="1200">
+                <a:solidFill>
+                  <a:schemeClr val="lt1"/>
+                </a:solidFill>
+                <a:latin typeface="+mn-lt"/>
+                <a:ea typeface="+mn-ea"/>
+                <a:cs typeface="+mn-cs"/>
+              </a:defRPr>
+            </a:lvl3pPr>
+            <a:lvl4pPr marL="1371600" algn="l" defTabSz="914400" rtl="0" eaLnBrk="1" latinLnBrk="0" hangingPunct="1">
+              <a:defRPr sz="1800" kern="1200">
+                <a:solidFill>
+                  <a:schemeClr val="lt1"/>
+                </a:solidFill>
+                <a:latin typeface="+mn-lt"/>
+                <a:ea typeface="+mn-ea"/>
+                <a:cs typeface="+mn-cs"/>
+              </a:defRPr>
+            </a:lvl4pPr>
+            <a:lvl5pPr marL="1828800" algn="l" defTabSz="914400" rtl="0" eaLnBrk="1" latinLnBrk="0" hangingPunct="1">
+              <a:defRPr sz="1800" kern="1200">
+                <a:solidFill>
+                  <a:schemeClr val="lt1"/>
+                </a:solidFill>
+                <a:latin typeface="+mn-lt"/>
+                <a:ea typeface="+mn-ea"/>
+                <a:cs typeface="+mn-cs"/>
+              </a:defRPr>
+            </a:lvl5pPr>
+            <a:lvl6pPr marL="2286000" algn="l" defTabSz="914400" rtl="0" eaLnBrk="1" latinLnBrk="0" hangingPunct="1">
+              <a:defRPr sz="1800" kern="1200">
+                <a:solidFill>
+                  <a:schemeClr val="lt1"/>
+                </a:solidFill>
+                <a:latin typeface="+mn-lt"/>
+                <a:ea typeface="+mn-ea"/>
+                <a:cs typeface="+mn-cs"/>
+              </a:defRPr>
+            </a:lvl6pPr>
+            <a:lvl7pPr marL="2743200" algn="l" defTabSz="914400" rtl="0" eaLnBrk="1" latinLnBrk="0" hangingPunct="1">
+              <a:defRPr sz="1800" kern="1200">
+                <a:solidFill>
+                  <a:schemeClr val="lt1"/>
+                </a:solidFill>
+                <a:latin typeface="+mn-lt"/>
+                <a:ea typeface="+mn-ea"/>
+                <a:cs typeface="+mn-cs"/>
+              </a:defRPr>
+            </a:lvl7pPr>
+            <a:lvl8pPr marL="3200400" algn="l" defTabSz="914400" rtl="0" eaLnBrk="1" latinLnBrk="0" hangingPunct="1">
+              <a:defRPr sz="1800" kern="1200">
+                <a:solidFill>
+                  <a:schemeClr val="lt1"/>
+                </a:solidFill>
+                <a:latin typeface="+mn-lt"/>
+                <a:ea typeface="+mn-ea"/>
+                <a:cs typeface="+mn-cs"/>
+              </a:defRPr>
+            </a:lvl8pPr>
+            <a:lvl9pPr marL="3657600" algn="l" defTabSz="914400" rtl="0" eaLnBrk="1" latinLnBrk="0" hangingPunct="1">
+              <a:defRPr sz="1800" kern="1200">
+                <a:solidFill>
+                  <a:schemeClr val="lt1"/>
+                </a:solidFill>
+                <a:latin typeface="+mn-lt"/>
+                <a:ea typeface="+mn-ea"/>
+                <a:cs typeface="+mn-cs"/>
+              </a:defRPr>
+            </a:lvl9pPr>
+          </a:lstStyle>
+          <a:p>
+            <a:r>
+              <a:rPr lang="en-US" sz="900" u="sng" dirty="0" smtClean="0">
+                <a:solidFill>
+                  <a:srgbClr val="204A87"/>
+                </a:solidFill>
+                <a:latin typeface="Calibri"/>
+              </a:rPr>
+              <a:t>Instructions</a:t>
+            </a:r>
+            <a:endParaRPr lang="en-US" sz="900" u="sng" dirty="0">
+              <a:solidFill>
+                <a:srgbClr val="204A87"/>
+              </a:solidFill>
+              <a:effectLst/>
+              <a:latin typeface="Calibri"/>
+            </a:endParaRPr>
+          </a:p>
+        </p:txBody>
+      </p:sp>
+      <p:sp>
+        <p:nvSpPr>
+          <p:cNvPr id="34" name="Link Bar"/>
+          <p:cNvSpPr>
+            <a:spLocks/>
+          </p:cNvSpPr>
+          <p:nvPr/>
+        </p:nvSpPr>
+        <p:spPr bwMode="auto">
+          <a:xfrm>
+            <a:off x="3568719" y="888634"/>
+            <a:ext cx="518906" cy="203932"/>
+          </a:xfrm>
+          <a:prstGeom prst="rect">
+            <a:avLst/>
+          </a:prstGeom>
+          <a:noFill/>
+          <a:ln w="6350" cap="flat" cmpd="sng" algn="ctr">
+            <a:noFill/>
+            <a:prstDash val="solid"/>
+          </a:ln>
+          <a:effectLst/>
+          <a:extLst>
+            <a:ext uri="{909E8E84-426E-40DD-AFC4-6F175D3DCCD1}">
+              <a14:hiddenFill xmlns:a14="http://schemas.microsoft.com/office/drawing/2010/main">
+                <a:solidFill>
+                  <a:schemeClr val="bg1"/>
+                </a:solidFill>
+              </a14:hiddenFill>
+            </a:ext>
+            <a:ext uri="{91240B29-F687-4F45-9708-019B960494DF}">
+              <a14:hiddenLine xmlns:a14="http://schemas.microsoft.com/office/drawing/2010/main" w="6350" cap="flat" cmpd="sng" algn="ctr">
+                <a:solidFill>
+                  <a:srgbClr val="FFFFFF"/>
+                </a:solidFill>
+                <a:prstDash val="solid"/>
+              </a14:hiddenLine>
+            </a:ext>
+          </a:extLst>
+        </p:spPr>
+        <p:style>
+          <a:lnRef idx="2">
+            <a:schemeClr val="accent1">
+              <a:shade val="50000"/>
+            </a:schemeClr>
+          </a:lnRef>
+          <a:fillRef idx="1">
+            <a:schemeClr val="accent1"/>
+          </a:fillRef>
+          <a:effectRef idx="0">
+            <a:schemeClr val="accent1"/>
+          </a:effectRef>
+          <a:fontRef idx="minor">
+            <a:schemeClr val="lt1"/>
+          </a:fontRef>
+        </p:style>
+        <p:txBody>
+          <a:bodyPr wrap="none" lIns="72000" tIns="32400" rIns="72000" bIns="32400" rtlCol="0" anchor="t">
+            <a:spAutoFit/>
+          </a:bodyPr>
+          <a:lstStyle>
+            <a:defPPr>
+              <a:defRPr lang="en-US"/>
+            </a:defPPr>
+            <a:lvl1pPr marL="0" algn="l" defTabSz="914400" rtl="0" eaLnBrk="1" latinLnBrk="0" hangingPunct="1">
+              <a:defRPr sz="1800" kern="1200">
+                <a:solidFill>
+                  <a:schemeClr val="lt1"/>
+                </a:solidFill>
+                <a:latin typeface="+mn-lt"/>
+                <a:ea typeface="+mn-ea"/>
+                <a:cs typeface="+mn-cs"/>
+              </a:defRPr>
+            </a:lvl1pPr>
+            <a:lvl2pPr marL="457200" algn="l" defTabSz="914400" rtl="0" eaLnBrk="1" latinLnBrk="0" hangingPunct="1">
+              <a:defRPr sz="1800" kern="1200">
+                <a:solidFill>
+                  <a:schemeClr val="lt1"/>
+                </a:solidFill>
+                <a:latin typeface="+mn-lt"/>
+                <a:ea typeface="+mn-ea"/>
+                <a:cs typeface="+mn-cs"/>
+              </a:defRPr>
+            </a:lvl2pPr>
+            <a:lvl3pPr marL="914400" algn="l" defTabSz="914400" rtl="0" eaLnBrk="1" latinLnBrk="0" hangingPunct="1">
+              <a:defRPr sz="1800" kern="1200">
+                <a:solidFill>
+                  <a:schemeClr val="lt1"/>
+                </a:solidFill>
+                <a:latin typeface="+mn-lt"/>
+                <a:ea typeface="+mn-ea"/>
+                <a:cs typeface="+mn-cs"/>
+              </a:defRPr>
+            </a:lvl3pPr>
+            <a:lvl4pPr marL="1371600" algn="l" defTabSz="914400" rtl="0" eaLnBrk="1" latinLnBrk="0" hangingPunct="1">
+              <a:defRPr sz="1800" kern="1200">
+                <a:solidFill>
+                  <a:schemeClr val="lt1"/>
+                </a:solidFill>
+                <a:latin typeface="+mn-lt"/>
+                <a:ea typeface="+mn-ea"/>
+                <a:cs typeface="+mn-cs"/>
+              </a:defRPr>
+            </a:lvl4pPr>
+            <a:lvl5pPr marL="1828800" algn="l" defTabSz="914400" rtl="0" eaLnBrk="1" latinLnBrk="0" hangingPunct="1">
+              <a:defRPr sz="1800" kern="1200">
+                <a:solidFill>
+                  <a:schemeClr val="lt1"/>
+                </a:solidFill>
+                <a:latin typeface="+mn-lt"/>
+                <a:ea typeface="+mn-ea"/>
+                <a:cs typeface="+mn-cs"/>
+              </a:defRPr>
+            </a:lvl5pPr>
+            <a:lvl6pPr marL="2286000" algn="l" defTabSz="914400" rtl="0" eaLnBrk="1" latinLnBrk="0" hangingPunct="1">
+              <a:defRPr sz="1800" kern="1200">
+                <a:solidFill>
+                  <a:schemeClr val="lt1"/>
+                </a:solidFill>
+                <a:latin typeface="+mn-lt"/>
+                <a:ea typeface="+mn-ea"/>
+                <a:cs typeface="+mn-cs"/>
+              </a:defRPr>
+            </a:lvl6pPr>
+            <a:lvl7pPr marL="2743200" algn="l" defTabSz="914400" rtl="0" eaLnBrk="1" latinLnBrk="0" hangingPunct="1">
+              <a:defRPr sz="1800" kern="1200">
+                <a:solidFill>
+                  <a:schemeClr val="lt1"/>
+                </a:solidFill>
+                <a:latin typeface="+mn-lt"/>
+                <a:ea typeface="+mn-ea"/>
+                <a:cs typeface="+mn-cs"/>
+              </a:defRPr>
+            </a:lvl7pPr>
+            <a:lvl8pPr marL="3200400" algn="l" defTabSz="914400" rtl="0" eaLnBrk="1" latinLnBrk="0" hangingPunct="1">
+              <a:defRPr sz="1800" kern="1200">
+                <a:solidFill>
+                  <a:schemeClr val="lt1"/>
+                </a:solidFill>
+                <a:latin typeface="+mn-lt"/>
+                <a:ea typeface="+mn-ea"/>
+                <a:cs typeface="+mn-cs"/>
+              </a:defRPr>
+            </a:lvl8pPr>
+            <a:lvl9pPr marL="3657600" algn="l" defTabSz="914400" rtl="0" eaLnBrk="1" latinLnBrk="0" hangingPunct="1">
+              <a:defRPr sz="1800" kern="1200">
+                <a:solidFill>
+                  <a:schemeClr val="lt1"/>
+                </a:solidFill>
+                <a:latin typeface="+mn-lt"/>
+                <a:ea typeface="+mn-ea"/>
+                <a:cs typeface="+mn-cs"/>
+              </a:defRPr>
+            </a:lvl9pPr>
+          </a:lstStyle>
+          <a:p>
+            <a:r>
+              <a:rPr lang="en-US" sz="900" u="sng" dirty="0" smtClean="0">
+                <a:solidFill>
+                  <a:srgbClr val="204A87"/>
+                </a:solidFill>
+                <a:latin typeface="Calibri"/>
+              </a:rPr>
+              <a:t>Authors</a:t>
+            </a:r>
+            <a:endParaRPr lang="en-US" sz="900" u="sng" dirty="0">
+              <a:solidFill>
+                <a:srgbClr val="204A87"/>
+              </a:solidFill>
+              <a:effectLst/>
+              <a:latin typeface="Calibri"/>
+            </a:endParaRPr>
+          </a:p>
+        </p:txBody>
+      </p:sp>
     </p:spTree>
     <p:extLst>
       <p:ext uri="{BB962C8B-B14F-4D97-AF65-F5344CB8AC3E}">
@@ -8276,6 +8797,6925 @@
 </p:sld>
 </file>
 
+<file path=ppt/slides/slide2.xml><?xml version="1.0" encoding="utf-8"?>
+<p:sld xmlns:a="http://schemas.openxmlformats.org/drawingml/2006/main" xmlns:r="http://schemas.openxmlformats.org/officeDocument/2006/relationships" xmlns:p="http://schemas.openxmlformats.org/presentationml/2006/main">
+  <p:cSld>
+    <p:spTree>
+      <p:nvGrpSpPr>
+        <p:cNvPr id="1" name=""/>
+        <p:cNvGrpSpPr/>
+        <p:nvPr/>
+      </p:nvGrpSpPr>
+      <p:grpSpPr>
+        <a:xfrm>
+          <a:off x="0" y="0"/>
+          <a:ext cx="0" cy="0"/>
+          <a:chOff x="0" y="0"/>
+          <a:chExt cx="0" cy="0"/>
+        </a:xfrm>
+      </p:grpSpPr>
+      <p:grpSp>
+        <p:nvGrpSpPr>
+          <p:cNvPr id="2" name="Message Box"/>
+          <p:cNvGrpSpPr/>
+          <p:nvPr>
+            <p:custDataLst>
+              <p:tags r:id="rId1"/>
+            </p:custDataLst>
+          </p:nvPr>
+        </p:nvGrpSpPr>
+        <p:grpSpPr>
+          <a:xfrm>
+            <a:off x="1047871" y="999322"/>
+            <a:ext cx="3178141" cy="3130717"/>
+            <a:chOff x="1343946" y="928639"/>
+            <a:chExt cx="2917456" cy="1337672"/>
+          </a:xfrm>
+        </p:grpSpPr>
+        <p:sp>
+          <p:nvSpPr>
+            <p:cNvPr id="3" name="Dialog Outer"/>
+            <p:cNvSpPr/>
+            <p:nvPr>
+              <p:custDataLst>
+                <p:tags r:id="rId13"/>
+              </p:custDataLst>
+            </p:nvPr>
+          </p:nvSpPr>
+          <p:spPr>
+            <a:xfrm>
+              <a:off x="1343946" y="928639"/>
+              <a:ext cx="2917456" cy="1337672"/>
+            </a:xfrm>
+            <a:prstGeom prst="roundRect">
+              <a:avLst>
+                <a:gd name="adj" fmla="val 1508"/>
+              </a:avLst>
+            </a:prstGeom>
+            <a:solidFill>
+              <a:schemeClr val="bg1">
+                <a:lumMod val="50000"/>
+              </a:schemeClr>
+            </a:solidFill>
+            <a:ln w="6350">
+              <a:solidFill>
+                <a:srgbClr val="333333"/>
+              </a:solidFill>
+            </a:ln>
+          </p:spPr>
+          <p:style>
+            <a:lnRef idx="2">
+              <a:schemeClr val="accent1">
+                <a:shade val="50000"/>
+              </a:schemeClr>
+            </a:lnRef>
+            <a:fillRef idx="1">
+              <a:schemeClr val="accent1"/>
+            </a:fillRef>
+            <a:effectRef idx="0">
+              <a:schemeClr val="accent1"/>
+            </a:effectRef>
+            <a:fontRef idx="minor">
+              <a:schemeClr val="lt1"/>
+            </a:fontRef>
+          </p:style>
+          <p:txBody>
+            <a:bodyPr lIns="72000" tIns="28800" rIns="72000" bIns="28800" rtlCol="0" anchor="t" anchorCtr="0"/>
+            <a:lstStyle>
+              <a:defPPr>
+                <a:defRPr lang="en-US"/>
+              </a:defPPr>
+              <a:lvl1pPr marL="0" algn="l" defTabSz="914400" rtl="0" eaLnBrk="1" latinLnBrk="0" hangingPunct="1">
+                <a:defRPr sz="1800" kern="1200">
+                  <a:solidFill>
+                    <a:schemeClr val="lt1"/>
+                  </a:solidFill>
+                  <a:latin typeface="+mn-lt"/>
+                  <a:ea typeface="+mn-ea"/>
+                  <a:cs typeface="+mn-cs"/>
+                </a:defRPr>
+              </a:lvl1pPr>
+              <a:lvl2pPr marL="457200" algn="l" defTabSz="914400" rtl="0" eaLnBrk="1" latinLnBrk="0" hangingPunct="1">
+                <a:defRPr sz="1800" kern="1200">
+                  <a:solidFill>
+                    <a:schemeClr val="lt1"/>
+                  </a:solidFill>
+                  <a:latin typeface="+mn-lt"/>
+                  <a:ea typeface="+mn-ea"/>
+                  <a:cs typeface="+mn-cs"/>
+                </a:defRPr>
+              </a:lvl2pPr>
+              <a:lvl3pPr marL="914400" algn="l" defTabSz="914400" rtl="0" eaLnBrk="1" latinLnBrk="0" hangingPunct="1">
+                <a:defRPr sz="1800" kern="1200">
+                  <a:solidFill>
+                    <a:schemeClr val="lt1"/>
+                  </a:solidFill>
+                  <a:latin typeface="+mn-lt"/>
+                  <a:ea typeface="+mn-ea"/>
+                  <a:cs typeface="+mn-cs"/>
+                </a:defRPr>
+              </a:lvl3pPr>
+              <a:lvl4pPr marL="1371600" algn="l" defTabSz="914400" rtl="0" eaLnBrk="1" latinLnBrk="0" hangingPunct="1">
+                <a:defRPr sz="1800" kern="1200">
+                  <a:solidFill>
+                    <a:schemeClr val="lt1"/>
+                  </a:solidFill>
+                  <a:latin typeface="+mn-lt"/>
+                  <a:ea typeface="+mn-ea"/>
+                  <a:cs typeface="+mn-cs"/>
+                </a:defRPr>
+              </a:lvl4pPr>
+              <a:lvl5pPr marL="1828800" algn="l" defTabSz="914400" rtl="0" eaLnBrk="1" latinLnBrk="0" hangingPunct="1">
+                <a:defRPr sz="1800" kern="1200">
+                  <a:solidFill>
+                    <a:schemeClr val="lt1"/>
+                  </a:solidFill>
+                  <a:latin typeface="+mn-lt"/>
+                  <a:ea typeface="+mn-ea"/>
+                  <a:cs typeface="+mn-cs"/>
+                </a:defRPr>
+              </a:lvl5pPr>
+              <a:lvl6pPr marL="2286000" algn="l" defTabSz="914400" rtl="0" eaLnBrk="1" latinLnBrk="0" hangingPunct="1">
+                <a:defRPr sz="1800" kern="1200">
+                  <a:solidFill>
+                    <a:schemeClr val="lt1"/>
+                  </a:solidFill>
+                  <a:latin typeface="+mn-lt"/>
+                  <a:ea typeface="+mn-ea"/>
+                  <a:cs typeface="+mn-cs"/>
+                </a:defRPr>
+              </a:lvl6pPr>
+              <a:lvl7pPr marL="2743200" algn="l" defTabSz="914400" rtl="0" eaLnBrk="1" latinLnBrk="0" hangingPunct="1">
+                <a:defRPr sz="1800" kern="1200">
+                  <a:solidFill>
+                    <a:schemeClr val="lt1"/>
+                  </a:solidFill>
+                  <a:latin typeface="+mn-lt"/>
+                  <a:ea typeface="+mn-ea"/>
+                  <a:cs typeface="+mn-cs"/>
+                </a:defRPr>
+              </a:lvl7pPr>
+              <a:lvl8pPr marL="3200400" algn="l" defTabSz="914400" rtl="0" eaLnBrk="1" latinLnBrk="0" hangingPunct="1">
+                <a:defRPr sz="1800" kern="1200">
+                  <a:solidFill>
+                    <a:schemeClr val="lt1"/>
+                  </a:solidFill>
+                  <a:latin typeface="+mn-lt"/>
+                  <a:ea typeface="+mn-ea"/>
+                  <a:cs typeface="+mn-cs"/>
+                </a:defRPr>
+              </a:lvl8pPr>
+              <a:lvl9pPr marL="3657600" algn="l" defTabSz="914400" rtl="0" eaLnBrk="1" latinLnBrk="0" hangingPunct="1">
+                <a:defRPr sz="1800" kern="1200">
+                  <a:solidFill>
+                    <a:schemeClr val="lt1"/>
+                  </a:solidFill>
+                  <a:latin typeface="+mn-lt"/>
+                  <a:ea typeface="+mn-ea"/>
+                  <a:cs typeface="+mn-cs"/>
+                </a:defRPr>
+              </a:lvl9pPr>
+            </a:lstStyle>
+            <a:p>
+              <a:r>
+                <a:rPr lang="en-US" sz="1000" b="1" dirty="0" smtClean="0">
+                  <a:solidFill>
+                    <a:schemeClr val="bg1"/>
+                  </a:solidFill>
+                  <a:latin typeface="Calibri" pitchFamily="34" charset="0"/>
+                  <a:cs typeface="Calibri" pitchFamily="34" charset="0"/>
+                </a:rPr>
+                <a:t>INSTRUCTIONS</a:t>
+              </a:r>
+              <a:endParaRPr lang="en-US" sz="1000" b="1" dirty="0">
+                <a:solidFill>
+                  <a:schemeClr val="bg1"/>
+                </a:solidFill>
+                <a:latin typeface="Calibri" pitchFamily="34" charset="0"/>
+                <a:cs typeface="Calibri" pitchFamily="34" charset="0"/>
+              </a:endParaRPr>
+            </a:p>
+          </p:txBody>
+        </p:sp>
+        <p:sp>
+          <p:nvSpPr>
+            <p:cNvPr id="4" name="Dialog Inner"/>
+            <p:cNvSpPr/>
+            <p:nvPr>
+              <p:custDataLst>
+                <p:tags r:id="rId14"/>
+              </p:custDataLst>
+            </p:nvPr>
+          </p:nvSpPr>
+          <p:spPr>
+            <a:xfrm>
+              <a:off x="1369908" y="1022561"/>
+              <a:ext cx="2865530" cy="1230727"/>
+            </a:xfrm>
+            <a:prstGeom prst="rect">
+              <a:avLst/>
+            </a:prstGeom>
+            <a:solidFill>
+              <a:schemeClr val="bg1"/>
+            </a:solidFill>
+            <a:ln w="6350">
+              <a:solidFill>
+                <a:srgbClr val="333333"/>
+              </a:solidFill>
+            </a:ln>
+          </p:spPr>
+          <p:style>
+            <a:lnRef idx="2">
+              <a:schemeClr val="accent1">
+                <a:shade val="50000"/>
+              </a:schemeClr>
+            </a:lnRef>
+            <a:fillRef idx="1">
+              <a:schemeClr val="accent1"/>
+            </a:fillRef>
+            <a:effectRef idx="0">
+              <a:schemeClr val="accent1"/>
+            </a:effectRef>
+            <a:fontRef idx="minor">
+              <a:schemeClr val="lt1"/>
+            </a:fontRef>
+          </p:style>
+          <p:txBody>
+            <a:bodyPr rtlCol="0" anchor="ctr"/>
+            <a:lstStyle>
+              <a:defPPr>
+                <a:defRPr lang="en-US"/>
+              </a:defPPr>
+              <a:lvl1pPr marL="0" algn="l" defTabSz="914400" rtl="0" eaLnBrk="1" latinLnBrk="0" hangingPunct="1">
+                <a:defRPr sz="1800" kern="1200">
+                  <a:solidFill>
+                    <a:schemeClr val="lt1"/>
+                  </a:solidFill>
+                  <a:latin typeface="+mn-lt"/>
+                  <a:ea typeface="+mn-ea"/>
+                  <a:cs typeface="+mn-cs"/>
+                </a:defRPr>
+              </a:lvl1pPr>
+              <a:lvl2pPr marL="457200" algn="l" defTabSz="914400" rtl="0" eaLnBrk="1" latinLnBrk="0" hangingPunct="1">
+                <a:defRPr sz="1800" kern="1200">
+                  <a:solidFill>
+                    <a:schemeClr val="lt1"/>
+                  </a:solidFill>
+                  <a:latin typeface="+mn-lt"/>
+                  <a:ea typeface="+mn-ea"/>
+                  <a:cs typeface="+mn-cs"/>
+                </a:defRPr>
+              </a:lvl2pPr>
+              <a:lvl3pPr marL="914400" algn="l" defTabSz="914400" rtl="0" eaLnBrk="1" latinLnBrk="0" hangingPunct="1">
+                <a:defRPr sz="1800" kern="1200">
+                  <a:solidFill>
+                    <a:schemeClr val="lt1"/>
+                  </a:solidFill>
+                  <a:latin typeface="+mn-lt"/>
+                  <a:ea typeface="+mn-ea"/>
+                  <a:cs typeface="+mn-cs"/>
+                </a:defRPr>
+              </a:lvl3pPr>
+              <a:lvl4pPr marL="1371600" algn="l" defTabSz="914400" rtl="0" eaLnBrk="1" latinLnBrk="0" hangingPunct="1">
+                <a:defRPr sz="1800" kern="1200">
+                  <a:solidFill>
+                    <a:schemeClr val="lt1"/>
+                  </a:solidFill>
+                  <a:latin typeface="+mn-lt"/>
+                  <a:ea typeface="+mn-ea"/>
+                  <a:cs typeface="+mn-cs"/>
+                </a:defRPr>
+              </a:lvl4pPr>
+              <a:lvl5pPr marL="1828800" algn="l" defTabSz="914400" rtl="0" eaLnBrk="1" latinLnBrk="0" hangingPunct="1">
+                <a:defRPr sz="1800" kern="1200">
+                  <a:solidFill>
+                    <a:schemeClr val="lt1"/>
+                  </a:solidFill>
+                  <a:latin typeface="+mn-lt"/>
+                  <a:ea typeface="+mn-ea"/>
+                  <a:cs typeface="+mn-cs"/>
+                </a:defRPr>
+              </a:lvl5pPr>
+              <a:lvl6pPr marL="2286000" algn="l" defTabSz="914400" rtl="0" eaLnBrk="1" latinLnBrk="0" hangingPunct="1">
+                <a:defRPr sz="1800" kern="1200">
+                  <a:solidFill>
+                    <a:schemeClr val="lt1"/>
+                  </a:solidFill>
+                  <a:latin typeface="+mn-lt"/>
+                  <a:ea typeface="+mn-ea"/>
+                  <a:cs typeface="+mn-cs"/>
+                </a:defRPr>
+              </a:lvl6pPr>
+              <a:lvl7pPr marL="2743200" algn="l" defTabSz="914400" rtl="0" eaLnBrk="1" latinLnBrk="0" hangingPunct="1">
+                <a:defRPr sz="1800" kern="1200">
+                  <a:solidFill>
+                    <a:schemeClr val="lt1"/>
+                  </a:solidFill>
+                  <a:latin typeface="+mn-lt"/>
+                  <a:ea typeface="+mn-ea"/>
+                  <a:cs typeface="+mn-cs"/>
+                </a:defRPr>
+              </a:lvl7pPr>
+              <a:lvl8pPr marL="3200400" algn="l" defTabSz="914400" rtl="0" eaLnBrk="1" latinLnBrk="0" hangingPunct="1">
+                <a:defRPr sz="1800" kern="1200">
+                  <a:solidFill>
+                    <a:schemeClr val="lt1"/>
+                  </a:solidFill>
+                  <a:latin typeface="+mn-lt"/>
+                  <a:ea typeface="+mn-ea"/>
+                  <a:cs typeface="+mn-cs"/>
+                </a:defRPr>
+              </a:lvl8pPr>
+              <a:lvl9pPr marL="3657600" algn="l" defTabSz="914400" rtl="0" eaLnBrk="1" latinLnBrk="0" hangingPunct="1">
+                <a:defRPr sz="1800" kern="1200">
+                  <a:solidFill>
+                    <a:schemeClr val="lt1"/>
+                  </a:solidFill>
+                  <a:latin typeface="+mn-lt"/>
+                  <a:ea typeface="+mn-ea"/>
+                  <a:cs typeface="+mn-cs"/>
+                </a:defRPr>
+              </a:lvl9pPr>
+            </a:lstStyle>
+            <a:p>
+              <a:pPr algn="ctr"/>
+              <a:endParaRPr lang="en-US" sz="900" dirty="0">
+                <a:solidFill>
+                  <a:srgbClr val="262626"/>
+                </a:solidFill>
+                <a:latin typeface="Calibri" pitchFamily="34" charset="0"/>
+                <a:cs typeface="Calibri" pitchFamily="34" charset="0"/>
+              </a:endParaRPr>
+            </a:p>
+          </p:txBody>
+        </p:sp>
+        <p:sp>
+          <p:nvSpPr>
+            <p:cNvPr id="5" name="Close Button"/>
+            <p:cNvSpPr>
+              <a:spLocks noChangeAspect="1"/>
+            </p:cNvSpPr>
+            <p:nvPr>
+              <p:custDataLst>
+                <p:tags r:id="rId15"/>
+              </p:custDataLst>
+            </p:nvPr>
+          </p:nvSpPr>
+          <p:spPr bwMode="auto">
+            <a:xfrm>
+              <a:off x="4127297" y="958525"/>
+              <a:ext cx="81070" cy="37858"/>
+            </a:xfrm>
+            <a:custGeom>
+              <a:avLst/>
+              <a:gdLst>
+                <a:gd name="T0" fmla="*/ 12 w 246"/>
+                <a:gd name="T1" fmla="*/ 15 h 241"/>
+                <a:gd name="T2" fmla="*/ 12 w 246"/>
+                <a:gd name="T3" fmla="*/ 56 h 241"/>
+                <a:gd name="T4" fmla="*/ 80 w 246"/>
+                <a:gd name="T5" fmla="*/ 122 h 241"/>
+                <a:gd name="T6" fmla="*/ 12 w 246"/>
+                <a:gd name="T7" fmla="*/ 188 h 241"/>
+                <a:gd name="T8" fmla="*/ 12 w 246"/>
+                <a:gd name="T9" fmla="*/ 229 h 241"/>
+                <a:gd name="T10" fmla="*/ 56 w 246"/>
+                <a:gd name="T11" fmla="*/ 229 h 241"/>
+                <a:gd name="T12" fmla="*/ 123 w 246"/>
+                <a:gd name="T13" fmla="*/ 165 h 241"/>
+                <a:gd name="T14" fmla="*/ 190 w 246"/>
+                <a:gd name="T15" fmla="*/ 229 h 241"/>
+                <a:gd name="T16" fmla="*/ 234 w 246"/>
+                <a:gd name="T17" fmla="*/ 229 h 241"/>
+                <a:gd name="T18" fmla="*/ 234 w 246"/>
+                <a:gd name="T19" fmla="*/ 188 h 241"/>
+                <a:gd name="T20" fmla="*/ 167 w 246"/>
+                <a:gd name="T21" fmla="*/ 122 h 241"/>
+                <a:gd name="T22" fmla="*/ 234 w 246"/>
+                <a:gd name="T23" fmla="*/ 56 h 241"/>
+                <a:gd name="T24" fmla="*/ 234 w 246"/>
+                <a:gd name="T25" fmla="*/ 15 h 241"/>
+                <a:gd name="T26" fmla="*/ 190 w 246"/>
+                <a:gd name="T27" fmla="*/ 15 h 241"/>
+                <a:gd name="T28" fmla="*/ 123 w 246"/>
+                <a:gd name="T29" fmla="*/ 79 h 241"/>
+                <a:gd name="T30" fmla="*/ 56 w 246"/>
+                <a:gd name="T31" fmla="*/ 15 h 241"/>
+                <a:gd name="T32" fmla="*/ 12 w 246"/>
+                <a:gd name="T33" fmla="*/ 15 h 241"/>
+              </a:gdLst>
+              <a:ahLst/>
+              <a:cxnLst>
+                <a:cxn ang="0">
+                  <a:pos x="T0" y="T1"/>
+                </a:cxn>
+                <a:cxn ang="0">
+                  <a:pos x="T2" y="T3"/>
+                </a:cxn>
+                <a:cxn ang="0">
+                  <a:pos x="T4" y="T5"/>
+                </a:cxn>
+                <a:cxn ang="0">
+                  <a:pos x="T6" y="T7"/>
+                </a:cxn>
+                <a:cxn ang="0">
+                  <a:pos x="T8" y="T9"/>
+                </a:cxn>
+                <a:cxn ang="0">
+                  <a:pos x="T10" y="T11"/>
+                </a:cxn>
+                <a:cxn ang="0">
+                  <a:pos x="T12" y="T13"/>
+                </a:cxn>
+                <a:cxn ang="0">
+                  <a:pos x="T14" y="T15"/>
+                </a:cxn>
+                <a:cxn ang="0">
+                  <a:pos x="T16" y="T17"/>
+                </a:cxn>
+                <a:cxn ang="0">
+                  <a:pos x="T18" y="T19"/>
+                </a:cxn>
+                <a:cxn ang="0">
+                  <a:pos x="T20" y="T21"/>
+                </a:cxn>
+                <a:cxn ang="0">
+                  <a:pos x="T22" y="T23"/>
+                </a:cxn>
+                <a:cxn ang="0">
+                  <a:pos x="T24" y="T25"/>
+                </a:cxn>
+                <a:cxn ang="0">
+                  <a:pos x="T26" y="T27"/>
+                </a:cxn>
+                <a:cxn ang="0">
+                  <a:pos x="T28" y="T29"/>
+                </a:cxn>
+                <a:cxn ang="0">
+                  <a:pos x="T30" y="T31"/>
+                </a:cxn>
+                <a:cxn ang="0">
+                  <a:pos x="T32" y="T33"/>
+                </a:cxn>
+              </a:cxnLst>
+              <a:rect l="0" t="0" r="r" b="b"/>
+              <a:pathLst>
+                <a:path w="246" h="241">
+                  <a:moveTo>
+                    <a:pt x="12" y="15"/>
+                  </a:moveTo>
+                  <a:cubicBezTo>
+                    <a:pt x="0" y="26"/>
+                    <a:pt x="0" y="45"/>
+                    <a:pt x="12" y="56"/>
+                  </a:cubicBezTo>
+                  <a:lnTo>
+                    <a:pt x="80" y="122"/>
+                  </a:lnTo>
+                  <a:lnTo>
+                    <a:pt x="12" y="188"/>
+                  </a:lnTo>
+                  <a:cubicBezTo>
+                    <a:pt x="0" y="199"/>
+                    <a:pt x="0" y="218"/>
+                    <a:pt x="12" y="229"/>
+                  </a:cubicBezTo>
+                  <a:cubicBezTo>
+                    <a:pt x="24" y="241"/>
+                    <a:pt x="44" y="241"/>
+                    <a:pt x="56" y="229"/>
+                  </a:cubicBezTo>
+                  <a:lnTo>
+                    <a:pt x="123" y="165"/>
+                  </a:lnTo>
+                  <a:lnTo>
+                    <a:pt x="190" y="229"/>
+                  </a:lnTo>
+                  <a:cubicBezTo>
+                    <a:pt x="202" y="241"/>
+                    <a:pt x="222" y="241"/>
+                    <a:pt x="234" y="229"/>
+                  </a:cubicBezTo>
+                  <a:cubicBezTo>
+                    <a:pt x="246" y="218"/>
+                    <a:pt x="246" y="199"/>
+                    <a:pt x="234" y="188"/>
+                  </a:cubicBezTo>
+                  <a:lnTo>
+                    <a:pt x="167" y="122"/>
+                  </a:lnTo>
+                  <a:lnTo>
+                    <a:pt x="234" y="56"/>
+                  </a:lnTo>
+                  <a:cubicBezTo>
+                    <a:pt x="246" y="45"/>
+                    <a:pt x="246" y="26"/>
+                    <a:pt x="234" y="15"/>
+                  </a:cubicBezTo>
+                  <a:cubicBezTo>
+                    <a:pt x="222" y="3"/>
+                    <a:pt x="202" y="3"/>
+                    <a:pt x="190" y="15"/>
+                  </a:cubicBezTo>
+                  <a:lnTo>
+                    <a:pt x="123" y="79"/>
+                  </a:lnTo>
+                  <a:lnTo>
+                    <a:pt x="56" y="15"/>
+                  </a:lnTo>
+                  <a:cubicBezTo>
+                    <a:pt x="41" y="0"/>
+                    <a:pt x="26" y="3"/>
+                    <a:pt x="12" y="15"/>
+                  </a:cubicBezTo>
+                  <a:close/>
+                </a:path>
+              </a:pathLst>
+            </a:custGeom>
+            <a:solidFill>
+              <a:schemeClr val="bg1"/>
+            </a:solidFill>
+            <a:ln w="6350">
+              <a:solidFill>
+                <a:srgbClr val="333333"/>
+              </a:solidFill>
+              <a:prstDash val="solid"/>
+              <a:round/>
+              <a:headEnd/>
+              <a:tailEnd/>
+            </a:ln>
+          </p:spPr>
+          <p:txBody>
+            <a:bodyPr vert="horz" wrap="square" lIns="91440" tIns="45720" rIns="91440" bIns="45720" numCol="1" anchor="t" anchorCtr="0" compatLnSpc="1">
+              <a:prstTxWarp prst="textNoShape">
+                <a:avLst/>
+              </a:prstTxWarp>
+            </a:bodyPr>
+            <a:lstStyle>
+              <a:defPPr>
+                <a:defRPr lang="en-US"/>
+              </a:defPPr>
+              <a:lvl1pPr marL="0" algn="l" defTabSz="914400" rtl="0" eaLnBrk="1" latinLnBrk="0" hangingPunct="1">
+                <a:defRPr sz="1800" kern="1200">
+                  <a:solidFill>
+                    <a:schemeClr val="tx1"/>
+                  </a:solidFill>
+                  <a:latin typeface="+mn-lt"/>
+                  <a:ea typeface="+mn-ea"/>
+                  <a:cs typeface="+mn-cs"/>
+                </a:defRPr>
+              </a:lvl1pPr>
+              <a:lvl2pPr marL="457200" algn="l" defTabSz="914400" rtl="0" eaLnBrk="1" latinLnBrk="0" hangingPunct="1">
+                <a:defRPr sz="1800" kern="1200">
+                  <a:solidFill>
+                    <a:schemeClr val="tx1"/>
+                  </a:solidFill>
+                  <a:latin typeface="+mn-lt"/>
+                  <a:ea typeface="+mn-ea"/>
+                  <a:cs typeface="+mn-cs"/>
+                </a:defRPr>
+              </a:lvl2pPr>
+              <a:lvl3pPr marL="914400" algn="l" defTabSz="914400" rtl="0" eaLnBrk="1" latinLnBrk="0" hangingPunct="1">
+                <a:defRPr sz="1800" kern="1200">
+                  <a:solidFill>
+                    <a:schemeClr val="tx1"/>
+                  </a:solidFill>
+                  <a:latin typeface="+mn-lt"/>
+                  <a:ea typeface="+mn-ea"/>
+                  <a:cs typeface="+mn-cs"/>
+                </a:defRPr>
+              </a:lvl3pPr>
+              <a:lvl4pPr marL="1371600" algn="l" defTabSz="914400" rtl="0" eaLnBrk="1" latinLnBrk="0" hangingPunct="1">
+                <a:defRPr sz="1800" kern="1200">
+                  <a:solidFill>
+                    <a:schemeClr val="tx1"/>
+                  </a:solidFill>
+                  <a:latin typeface="+mn-lt"/>
+                  <a:ea typeface="+mn-ea"/>
+                  <a:cs typeface="+mn-cs"/>
+                </a:defRPr>
+              </a:lvl4pPr>
+              <a:lvl5pPr marL="1828800" algn="l" defTabSz="914400" rtl="0" eaLnBrk="1" latinLnBrk="0" hangingPunct="1">
+                <a:defRPr sz="1800" kern="1200">
+                  <a:solidFill>
+                    <a:schemeClr val="tx1"/>
+                  </a:solidFill>
+                  <a:latin typeface="+mn-lt"/>
+                  <a:ea typeface="+mn-ea"/>
+                  <a:cs typeface="+mn-cs"/>
+                </a:defRPr>
+              </a:lvl5pPr>
+              <a:lvl6pPr marL="2286000" algn="l" defTabSz="914400" rtl="0" eaLnBrk="1" latinLnBrk="0" hangingPunct="1">
+                <a:defRPr sz="1800" kern="1200">
+                  <a:solidFill>
+                    <a:schemeClr val="tx1"/>
+                  </a:solidFill>
+                  <a:latin typeface="+mn-lt"/>
+                  <a:ea typeface="+mn-ea"/>
+                  <a:cs typeface="+mn-cs"/>
+                </a:defRPr>
+              </a:lvl6pPr>
+              <a:lvl7pPr marL="2743200" algn="l" defTabSz="914400" rtl="0" eaLnBrk="1" latinLnBrk="0" hangingPunct="1">
+                <a:defRPr sz="1800" kern="1200">
+                  <a:solidFill>
+                    <a:schemeClr val="tx1"/>
+                  </a:solidFill>
+                  <a:latin typeface="+mn-lt"/>
+                  <a:ea typeface="+mn-ea"/>
+                  <a:cs typeface="+mn-cs"/>
+                </a:defRPr>
+              </a:lvl7pPr>
+              <a:lvl8pPr marL="3200400" algn="l" defTabSz="914400" rtl="0" eaLnBrk="1" latinLnBrk="0" hangingPunct="1">
+                <a:defRPr sz="1800" kern="1200">
+                  <a:solidFill>
+                    <a:schemeClr val="tx1"/>
+                  </a:solidFill>
+                  <a:latin typeface="+mn-lt"/>
+                  <a:ea typeface="+mn-ea"/>
+                  <a:cs typeface="+mn-cs"/>
+                </a:defRPr>
+              </a:lvl8pPr>
+              <a:lvl9pPr marL="3657600" algn="l" defTabSz="914400" rtl="0" eaLnBrk="1" latinLnBrk="0" hangingPunct="1">
+                <a:defRPr sz="1800" kern="1200">
+                  <a:solidFill>
+                    <a:schemeClr val="tx1"/>
+                  </a:solidFill>
+                  <a:latin typeface="+mn-lt"/>
+                  <a:ea typeface="+mn-ea"/>
+                  <a:cs typeface="+mn-cs"/>
+                </a:defRPr>
+              </a:lvl9pPr>
+            </a:lstStyle>
+            <a:p>
+              <a:endParaRPr lang="en-US" sz="900">
+                <a:solidFill>
+                  <a:srgbClr val="262626"/>
+                </a:solidFill>
+                <a:latin typeface="Calibri" pitchFamily="34" charset="0"/>
+                <a:cs typeface="Calibri" pitchFamily="34" charset="0"/>
+              </a:endParaRPr>
+            </a:p>
+          </p:txBody>
+        </p:sp>
+        <p:sp>
+          <p:nvSpPr>
+            <p:cNvPr id="6" name="Dialog Text"/>
+            <p:cNvSpPr>
+              <a:spLocks/>
+            </p:cNvSpPr>
+            <p:nvPr>
+              <p:custDataLst>
+                <p:tags r:id="rId16"/>
+              </p:custDataLst>
+            </p:nvPr>
+          </p:nvSpPr>
+          <p:spPr bwMode="auto">
+            <a:xfrm>
+              <a:off x="1833064" y="1090471"/>
+              <a:ext cx="2334773" cy="1004146"/>
+            </a:xfrm>
+            <a:prstGeom prst="rect">
+              <a:avLst/>
+            </a:prstGeom>
+            <a:noFill/>
+            <a:ln>
+              <a:noFill/>
+            </a:ln>
+            <a:effectLst/>
+          </p:spPr>
+          <p:style>
+            <a:lnRef idx="2">
+              <a:schemeClr val="accent1">
+                <a:shade val="50000"/>
+              </a:schemeClr>
+            </a:lnRef>
+            <a:fillRef idx="1">
+              <a:schemeClr val="accent1"/>
+            </a:fillRef>
+            <a:effectRef idx="0">
+              <a:schemeClr val="accent1"/>
+            </a:effectRef>
+            <a:fontRef idx="minor">
+              <a:schemeClr val="lt1"/>
+            </a:fontRef>
+          </p:style>
+          <p:txBody>
+            <a:bodyPr vert="horz" wrap="square" lIns="72000" tIns="32399" rIns="72000" bIns="32399" rtlCol="0" anchor="t" anchorCtr="0">
+              <a:noAutofit/>
+            </a:bodyPr>
+            <a:lstStyle>
+              <a:defPPr>
+                <a:defRPr lang="en-US"/>
+              </a:defPPr>
+              <a:lvl1pPr marL="0" algn="l" defTabSz="914400" rtl="0" eaLnBrk="1" latinLnBrk="0" hangingPunct="1">
+                <a:defRPr sz="1800" kern="1200">
+                  <a:solidFill>
+                    <a:schemeClr val="lt1"/>
+                  </a:solidFill>
+                  <a:latin typeface="+mn-lt"/>
+                  <a:ea typeface="+mn-ea"/>
+                  <a:cs typeface="+mn-cs"/>
+                </a:defRPr>
+              </a:lvl1pPr>
+              <a:lvl2pPr marL="457200" algn="l" defTabSz="914400" rtl="0" eaLnBrk="1" latinLnBrk="0" hangingPunct="1">
+                <a:defRPr sz="1800" kern="1200">
+                  <a:solidFill>
+                    <a:schemeClr val="lt1"/>
+                  </a:solidFill>
+                  <a:latin typeface="+mn-lt"/>
+                  <a:ea typeface="+mn-ea"/>
+                  <a:cs typeface="+mn-cs"/>
+                </a:defRPr>
+              </a:lvl2pPr>
+              <a:lvl3pPr marL="914400" algn="l" defTabSz="914400" rtl="0" eaLnBrk="1" latinLnBrk="0" hangingPunct="1">
+                <a:defRPr sz="1800" kern="1200">
+                  <a:solidFill>
+                    <a:schemeClr val="lt1"/>
+                  </a:solidFill>
+                  <a:latin typeface="+mn-lt"/>
+                  <a:ea typeface="+mn-ea"/>
+                  <a:cs typeface="+mn-cs"/>
+                </a:defRPr>
+              </a:lvl3pPr>
+              <a:lvl4pPr marL="1371600" algn="l" defTabSz="914400" rtl="0" eaLnBrk="1" latinLnBrk="0" hangingPunct="1">
+                <a:defRPr sz="1800" kern="1200">
+                  <a:solidFill>
+                    <a:schemeClr val="lt1"/>
+                  </a:solidFill>
+                  <a:latin typeface="+mn-lt"/>
+                  <a:ea typeface="+mn-ea"/>
+                  <a:cs typeface="+mn-cs"/>
+                </a:defRPr>
+              </a:lvl4pPr>
+              <a:lvl5pPr marL="1828800" algn="l" defTabSz="914400" rtl="0" eaLnBrk="1" latinLnBrk="0" hangingPunct="1">
+                <a:defRPr sz="1800" kern="1200">
+                  <a:solidFill>
+                    <a:schemeClr val="lt1"/>
+                  </a:solidFill>
+                  <a:latin typeface="+mn-lt"/>
+                  <a:ea typeface="+mn-ea"/>
+                  <a:cs typeface="+mn-cs"/>
+                </a:defRPr>
+              </a:lvl5pPr>
+              <a:lvl6pPr marL="2286000" algn="l" defTabSz="914400" rtl="0" eaLnBrk="1" latinLnBrk="0" hangingPunct="1">
+                <a:defRPr sz="1800" kern="1200">
+                  <a:solidFill>
+                    <a:schemeClr val="lt1"/>
+                  </a:solidFill>
+                  <a:latin typeface="+mn-lt"/>
+                  <a:ea typeface="+mn-ea"/>
+                  <a:cs typeface="+mn-cs"/>
+                </a:defRPr>
+              </a:lvl6pPr>
+              <a:lvl7pPr marL="2743200" algn="l" defTabSz="914400" rtl="0" eaLnBrk="1" latinLnBrk="0" hangingPunct="1">
+                <a:defRPr sz="1800" kern="1200">
+                  <a:solidFill>
+                    <a:schemeClr val="lt1"/>
+                  </a:solidFill>
+                  <a:latin typeface="+mn-lt"/>
+                  <a:ea typeface="+mn-ea"/>
+                  <a:cs typeface="+mn-cs"/>
+                </a:defRPr>
+              </a:lvl7pPr>
+              <a:lvl8pPr marL="3200400" algn="l" defTabSz="914400" rtl="0" eaLnBrk="1" latinLnBrk="0" hangingPunct="1">
+                <a:defRPr sz="1800" kern="1200">
+                  <a:solidFill>
+                    <a:schemeClr val="lt1"/>
+                  </a:solidFill>
+                  <a:latin typeface="+mn-lt"/>
+                  <a:ea typeface="+mn-ea"/>
+                  <a:cs typeface="+mn-cs"/>
+                </a:defRPr>
+              </a:lvl8pPr>
+              <a:lvl9pPr marL="3657600" algn="l" defTabSz="914400" rtl="0" eaLnBrk="1" latinLnBrk="0" hangingPunct="1">
+                <a:defRPr sz="1800" kern="1200">
+                  <a:solidFill>
+                    <a:schemeClr val="lt1"/>
+                  </a:solidFill>
+                  <a:latin typeface="+mn-lt"/>
+                  <a:ea typeface="+mn-ea"/>
+                  <a:cs typeface="+mn-cs"/>
+                </a:defRPr>
+              </a:lvl9pPr>
+            </a:lstStyle>
+            <a:p>
+              <a:r>
+                <a:rPr lang="de-DE" sz="900" dirty="0" smtClean="0">
+                  <a:solidFill>
+                    <a:srgbClr val="262626"/>
+                  </a:solidFill>
+                  <a:latin typeface="Calibri" pitchFamily="34" charset="0"/>
+                  <a:cs typeface="Calibri" pitchFamily="34" charset="0"/>
+                </a:rPr>
+                <a:t>Scoring:</a:t>
+              </a:r>
+            </a:p>
+            <a:p>
+              <a:endParaRPr lang="de-DE" sz="900" dirty="0">
+                <a:solidFill>
+                  <a:srgbClr val="262626"/>
+                </a:solidFill>
+                <a:latin typeface="Calibri" pitchFamily="34" charset="0"/>
+                <a:cs typeface="Calibri" pitchFamily="34" charset="0"/>
+              </a:endParaRPr>
+            </a:p>
+            <a:p>
+              <a:pPr marL="228600" indent="-228600">
+                <a:buAutoNum type="arabicPlain" startAt="10"/>
+              </a:pPr>
+              <a:r>
+                <a:rPr lang="de-DE" sz="900" dirty="0" smtClean="0">
+                  <a:solidFill>
+                    <a:srgbClr val="262626"/>
+                  </a:solidFill>
+                  <a:latin typeface="Calibri" pitchFamily="34" charset="0"/>
+                  <a:cs typeface="Calibri" pitchFamily="34" charset="0"/>
+                </a:rPr>
+                <a:t>First Row</a:t>
+              </a:r>
+            </a:p>
+            <a:p>
+              <a:pPr marL="228600" indent="-228600">
+                <a:buAutoNum type="arabicPlain" startAt="20"/>
+              </a:pPr>
+              <a:r>
+                <a:rPr lang="de-DE" sz="900" dirty="0" smtClean="0">
+                  <a:solidFill>
+                    <a:srgbClr val="262626"/>
+                  </a:solidFill>
+                  <a:latin typeface="Calibri" pitchFamily="34" charset="0"/>
+                  <a:cs typeface="Calibri" pitchFamily="34" charset="0"/>
+                </a:rPr>
+                <a:t>Second row</a:t>
+              </a:r>
+            </a:p>
+            <a:p>
+              <a:pPr marL="228600" indent="-228600">
+                <a:buAutoNum type="arabicPlain" startAt="30"/>
+              </a:pPr>
+              <a:r>
+                <a:rPr lang="de-DE" sz="900" dirty="0" smtClean="0">
+                  <a:solidFill>
+                    <a:srgbClr val="262626"/>
+                  </a:solidFill>
+                  <a:latin typeface="Calibri" pitchFamily="34" charset="0"/>
+                  <a:cs typeface="Calibri" pitchFamily="34" charset="0"/>
+                </a:rPr>
+                <a:t>Third Row</a:t>
+              </a:r>
+            </a:p>
+            <a:p>
+              <a:pPr marL="228600" indent="-228600">
+                <a:buAutoNum type="arabicPlain" startAt="40"/>
+              </a:pPr>
+              <a:r>
+                <a:rPr lang="de-DE" sz="900" dirty="0" smtClean="0">
+                  <a:solidFill>
+                    <a:srgbClr val="262626"/>
+                  </a:solidFill>
+                  <a:latin typeface="Calibri" pitchFamily="34" charset="0"/>
+                  <a:cs typeface="Calibri" pitchFamily="34" charset="0"/>
+                </a:rPr>
+                <a:t>Fourth Row</a:t>
+              </a:r>
+            </a:p>
+            <a:p>
+              <a:endParaRPr lang="de-DE" sz="900" dirty="0">
+                <a:solidFill>
+                  <a:srgbClr val="262626"/>
+                </a:solidFill>
+                <a:latin typeface="Calibri" pitchFamily="34" charset="0"/>
+                <a:cs typeface="Calibri" pitchFamily="34" charset="0"/>
+              </a:endParaRPr>
+            </a:p>
+            <a:p>
+              <a:r>
+                <a:rPr lang="de-DE" sz="900" dirty="0" smtClean="0">
+                  <a:solidFill>
+                    <a:srgbClr val="262626"/>
+                  </a:solidFill>
+                  <a:latin typeface="Calibri" pitchFamily="34" charset="0"/>
+                  <a:cs typeface="Calibri" pitchFamily="34" charset="0"/>
+                </a:rPr>
+                <a:t>Space Ship ?????</a:t>
+              </a:r>
+            </a:p>
+            <a:p>
+              <a:endParaRPr lang="de-DE" sz="900" dirty="0">
+                <a:solidFill>
+                  <a:srgbClr val="262626"/>
+                </a:solidFill>
+                <a:latin typeface="Calibri" pitchFamily="34" charset="0"/>
+                <a:cs typeface="Calibri" pitchFamily="34" charset="0"/>
+              </a:endParaRPr>
+            </a:p>
+            <a:p>
+              <a:r>
+                <a:rPr lang="de-DE" sz="900" dirty="0" smtClean="0">
+                  <a:solidFill>
+                    <a:srgbClr val="262626"/>
+                  </a:solidFill>
+                  <a:latin typeface="Calibri" pitchFamily="34" charset="0"/>
+                  <a:cs typeface="Calibri" pitchFamily="34" charset="0"/>
+                </a:rPr>
+                <a:t>Object of the game is to hit all aliens before you </a:t>
+              </a:r>
+            </a:p>
+            <a:p>
+              <a:r>
+                <a:rPr lang="de-DE" sz="900" dirty="0" smtClean="0">
+                  <a:solidFill>
+                    <a:srgbClr val="262626"/>
+                  </a:solidFill>
+                  <a:latin typeface="Calibri" pitchFamily="34" charset="0"/>
+                  <a:cs typeface="Calibri" pitchFamily="34" charset="0"/>
+                </a:rPr>
+                <a:t>Run out of lives.  Play as long as possible to get the high score.</a:t>
+              </a:r>
+              <a:endParaRPr lang="de-DE" sz="900" dirty="0" smtClean="0">
+                <a:solidFill>
+                  <a:srgbClr val="262626"/>
+                </a:solidFill>
+                <a:latin typeface="Calibri" pitchFamily="34" charset="0"/>
+                <a:cs typeface="Calibri" pitchFamily="34" charset="0"/>
+              </a:endParaRPr>
+            </a:p>
+            <a:p>
+              <a:endParaRPr lang="de-DE" sz="900" dirty="0">
+                <a:solidFill>
+                  <a:srgbClr val="262626"/>
+                </a:solidFill>
+                <a:latin typeface="Calibri" pitchFamily="34" charset="0"/>
+                <a:cs typeface="Calibri" pitchFamily="34" charset="0"/>
+              </a:endParaRPr>
+            </a:p>
+            <a:p>
+              <a:endParaRPr lang="de-DE" sz="900" dirty="0">
+                <a:solidFill>
+                  <a:srgbClr val="262626"/>
+                </a:solidFill>
+                <a:effectLst/>
+                <a:latin typeface="Calibri" pitchFamily="34" charset="0"/>
+                <a:cs typeface="Calibri" pitchFamily="34" charset="0"/>
+              </a:endParaRPr>
+            </a:p>
+          </p:txBody>
+        </p:sp>
+        <p:grpSp>
+          <p:nvGrpSpPr>
+            <p:cNvPr id="7" name="Dialog Buttons"/>
+            <p:cNvGrpSpPr/>
+            <p:nvPr/>
+          </p:nvGrpSpPr>
+          <p:grpSpPr>
+            <a:xfrm>
+              <a:off x="2166866" y="1950957"/>
+              <a:ext cx="1315449" cy="256298"/>
+              <a:chOff x="2166866" y="1950957"/>
+              <a:chExt cx="1315449" cy="256298"/>
+            </a:xfrm>
+          </p:grpSpPr>
+          <p:sp>
+            <p:nvSpPr>
+              <p:cNvPr id="12" name="Dialog Button 3" hidden="1"/>
+              <p:cNvSpPr>
+                <a:spLocks/>
+              </p:cNvSpPr>
+              <p:nvPr>
+                <p:custDataLst>
+                  <p:tags r:id="rId20"/>
+                </p:custDataLst>
+              </p:nvPr>
+            </p:nvSpPr>
+            <p:spPr bwMode="auto">
+              <a:xfrm>
+                <a:off x="2166866" y="2119579"/>
+                <a:ext cx="638677" cy="87676"/>
+              </a:xfrm>
+              <a:prstGeom prst="roundRect">
+                <a:avLst>
+                  <a:gd name="adj" fmla="val 8776"/>
+                </a:avLst>
+              </a:prstGeom>
+              <a:solidFill>
+                <a:srgbClr val="F2F2F2"/>
+              </a:solidFill>
+              <a:ln w="6350" cap="flat" cmpd="sng" algn="ctr">
+                <a:solidFill>
+                  <a:srgbClr val="333333"/>
+                </a:solidFill>
+                <a:prstDash val="solid"/>
+                <a:round/>
+                <a:headEnd type="none" w="med" len="med"/>
+                <a:tailEnd type="none" w="med" len="med"/>
+              </a:ln>
+              <a:effectLst/>
+            </p:spPr>
+            <p:style>
+              <a:lnRef idx="2">
+                <a:schemeClr val="accent1">
+                  <a:shade val="50000"/>
+                </a:schemeClr>
+              </a:lnRef>
+              <a:fillRef idx="1">
+                <a:schemeClr val="accent1"/>
+              </a:fillRef>
+              <a:effectRef idx="0">
+                <a:schemeClr val="accent1"/>
+              </a:effectRef>
+              <a:fontRef idx="minor">
+                <a:schemeClr val="lt1"/>
+              </a:fontRef>
+            </p:style>
+            <p:txBody>
+              <a:bodyPr rtlCol="0" anchor="ctr"/>
+              <a:lstStyle>
+                <a:defPPr>
+                  <a:defRPr lang="en-US"/>
+                </a:defPPr>
+                <a:lvl1pPr marL="0" algn="l" defTabSz="914400" rtl="0" eaLnBrk="1" latinLnBrk="0" hangingPunct="1">
+                  <a:defRPr sz="1800" kern="1200">
+                    <a:solidFill>
+                      <a:schemeClr val="lt1"/>
+                    </a:solidFill>
+                    <a:latin typeface="+mn-lt"/>
+                    <a:ea typeface="+mn-ea"/>
+                    <a:cs typeface="+mn-cs"/>
+                  </a:defRPr>
+                </a:lvl1pPr>
+                <a:lvl2pPr marL="457200" algn="l" defTabSz="914400" rtl="0" eaLnBrk="1" latinLnBrk="0" hangingPunct="1">
+                  <a:defRPr sz="1800" kern="1200">
+                    <a:solidFill>
+                      <a:schemeClr val="lt1"/>
+                    </a:solidFill>
+                    <a:latin typeface="+mn-lt"/>
+                    <a:ea typeface="+mn-ea"/>
+                    <a:cs typeface="+mn-cs"/>
+                  </a:defRPr>
+                </a:lvl2pPr>
+                <a:lvl3pPr marL="914400" algn="l" defTabSz="914400" rtl="0" eaLnBrk="1" latinLnBrk="0" hangingPunct="1">
+                  <a:defRPr sz="1800" kern="1200">
+                    <a:solidFill>
+                      <a:schemeClr val="lt1"/>
+                    </a:solidFill>
+                    <a:latin typeface="+mn-lt"/>
+                    <a:ea typeface="+mn-ea"/>
+                    <a:cs typeface="+mn-cs"/>
+                  </a:defRPr>
+                </a:lvl3pPr>
+                <a:lvl4pPr marL="1371600" algn="l" defTabSz="914400" rtl="0" eaLnBrk="1" latinLnBrk="0" hangingPunct="1">
+                  <a:defRPr sz="1800" kern="1200">
+                    <a:solidFill>
+                      <a:schemeClr val="lt1"/>
+                    </a:solidFill>
+                    <a:latin typeface="+mn-lt"/>
+                    <a:ea typeface="+mn-ea"/>
+                    <a:cs typeface="+mn-cs"/>
+                  </a:defRPr>
+                </a:lvl4pPr>
+                <a:lvl5pPr marL="1828800" algn="l" defTabSz="914400" rtl="0" eaLnBrk="1" latinLnBrk="0" hangingPunct="1">
+                  <a:defRPr sz="1800" kern="1200">
+                    <a:solidFill>
+                      <a:schemeClr val="lt1"/>
+                    </a:solidFill>
+                    <a:latin typeface="+mn-lt"/>
+                    <a:ea typeface="+mn-ea"/>
+                    <a:cs typeface="+mn-cs"/>
+                  </a:defRPr>
+                </a:lvl5pPr>
+                <a:lvl6pPr marL="2286000" algn="l" defTabSz="914400" rtl="0" eaLnBrk="1" latinLnBrk="0" hangingPunct="1">
+                  <a:defRPr sz="1800" kern="1200">
+                    <a:solidFill>
+                      <a:schemeClr val="lt1"/>
+                    </a:solidFill>
+                    <a:latin typeface="+mn-lt"/>
+                    <a:ea typeface="+mn-ea"/>
+                    <a:cs typeface="+mn-cs"/>
+                  </a:defRPr>
+                </a:lvl6pPr>
+                <a:lvl7pPr marL="2743200" algn="l" defTabSz="914400" rtl="0" eaLnBrk="1" latinLnBrk="0" hangingPunct="1">
+                  <a:defRPr sz="1800" kern="1200">
+                    <a:solidFill>
+                      <a:schemeClr val="lt1"/>
+                    </a:solidFill>
+                    <a:latin typeface="+mn-lt"/>
+                    <a:ea typeface="+mn-ea"/>
+                    <a:cs typeface="+mn-cs"/>
+                  </a:defRPr>
+                </a:lvl7pPr>
+                <a:lvl8pPr marL="3200400" algn="l" defTabSz="914400" rtl="0" eaLnBrk="1" latinLnBrk="0" hangingPunct="1">
+                  <a:defRPr sz="1800" kern="1200">
+                    <a:solidFill>
+                      <a:schemeClr val="lt1"/>
+                    </a:solidFill>
+                    <a:latin typeface="+mn-lt"/>
+                    <a:ea typeface="+mn-ea"/>
+                    <a:cs typeface="+mn-cs"/>
+                  </a:defRPr>
+                </a:lvl8pPr>
+                <a:lvl9pPr marL="3657600" algn="l" defTabSz="914400" rtl="0" eaLnBrk="1" latinLnBrk="0" hangingPunct="1">
+                  <a:defRPr sz="1800" kern="1200">
+                    <a:solidFill>
+                      <a:schemeClr val="lt1"/>
+                    </a:solidFill>
+                    <a:latin typeface="+mn-lt"/>
+                    <a:ea typeface="+mn-ea"/>
+                    <a:cs typeface="+mn-cs"/>
+                  </a:defRPr>
+                </a:lvl9pPr>
+              </a:lstStyle>
+              <a:p>
+                <a:pPr algn="ctr"/>
+                <a:r>
+                  <a:rPr lang="de-DE" sz="900" dirty="0" smtClean="0">
+                    <a:solidFill>
+                      <a:srgbClr val="262626"/>
+                    </a:solidFill>
+                    <a:effectLst/>
+                    <a:latin typeface="Calibri" pitchFamily="34" charset="0"/>
+                    <a:cs typeface="Calibri" pitchFamily="34" charset="0"/>
+                  </a:rPr>
+                  <a:t>Abort</a:t>
+                </a:r>
+                <a:endParaRPr lang="en-US" sz="900" dirty="0">
+                  <a:solidFill>
+                    <a:srgbClr val="262626"/>
+                  </a:solidFill>
+                  <a:effectLst/>
+                  <a:latin typeface="Calibri" pitchFamily="34" charset="0"/>
+                  <a:cs typeface="Calibri" pitchFamily="34" charset="0"/>
+                </a:endParaRPr>
+              </a:p>
+            </p:txBody>
+          </p:sp>
+          <p:sp>
+            <p:nvSpPr>
+              <p:cNvPr id="13" name="Dialog Button 2" hidden="1"/>
+              <p:cNvSpPr>
+                <a:spLocks/>
+              </p:cNvSpPr>
+              <p:nvPr>
+                <p:custDataLst>
+                  <p:tags r:id="rId21"/>
+                </p:custDataLst>
+              </p:nvPr>
+            </p:nvSpPr>
+            <p:spPr bwMode="auto">
+              <a:xfrm>
+                <a:off x="2843638" y="2119578"/>
+                <a:ext cx="638677" cy="87676"/>
+              </a:xfrm>
+              <a:prstGeom prst="roundRect">
+                <a:avLst>
+                  <a:gd name="adj" fmla="val 8776"/>
+                </a:avLst>
+              </a:prstGeom>
+              <a:solidFill>
+                <a:srgbClr val="F2F2F2"/>
+              </a:solidFill>
+              <a:ln w="6350" cap="flat" cmpd="sng" algn="ctr">
+                <a:solidFill>
+                  <a:srgbClr val="333333"/>
+                </a:solidFill>
+                <a:prstDash val="solid"/>
+                <a:round/>
+                <a:headEnd type="none" w="med" len="med"/>
+                <a:tailEnd type="none" w="med" len="med"/>
+              </a:ln>
+              <a:effectLst/>
+            </p:spPr>
+            <p:style>
+              <a:lnRef idx="2">
+                <a:schemeClr val="accent1">
+                  <a:shade val="50000"/>
+                </a:schemeClr>
+              </a:lnRef>
+              <a:fillRef idx="1">
+                <a:schemeClr val="accent1"/>
+              </a:fillRef>
+              <a:effectRef idx="0">
+                <a:schemeClr val="accent1"/>
+              </a:effectRef>
+              <a:fontRef idx="minor">
+                <a:schemeClr val="lt1"/>
+              </a:fontRef>
+            </p:style>
+            <p:txBody>
+              <a:bodyPr rtlCol="0" anchor="ctr"/>
+              <a:lstStyle>
+                <a:defPPr>
+                  <a:defRPr lang="en-US"/>
+                </a:defPPr>
+                <a:lvl1pPr marL="0" algn="l" defTabSz="914400" rtl="0" eaLnBrk="1" latinLnBrk="0" hangingPunct="1">
+                  <a:defRPr sz="1800" kern="1200">
+                    <a:solidFill>
+                      <a:schemeClr val="lt1"/>
+                    </a:solidFill>
+                    <a:latin typeface="+mn-lt"/>
+                    <a:ea typeface="+mn-ea"/>
+                    <a:cs typeface="+mn-cs"/>
+                  </a:defRPr>
+                </a:lvl1pPr>
+                <a:lvl2pPr marL="457200" algn="l" defTabSz="914400" rtl="0" eaLnBrk="1" latinLnBrk="0" hangingPunct="1">
+                  <a:defRPr sz="1800" kern="1200">
+                    <a:solidFill>
+                      <a:schemeClr val="lt1"/>
+                    </a:solidFill>
+                    <a:latin typeface="+mn-lt"/>
+                    <a:ea typeface="+mn-ea"/>
+                    <a:cs typeface="+mn-cs"/>
+                  </a:defRPr>
+                </a:lvl2pPr>
+                <a:lvl3pPr marL="914400" algn="l" defTabSz="914400" rtl="0" eaLnBrk="1" latinLnBrk="0" hangingPunct="1">
+                  <a:defRPr sz="1800" kern="1200">
+                    <a:solidFill>
+                      <a:schemeClr val="lt1"/>
+                    </a:solidFill>
+                    <a:latin typeface="+mn-lt"/>
+                    <a:ea typeface="+mn-ea"/>
+                    <a:cs typeface="+mn-cs"/>
+                  </a:defRPr>
+                </a:lvl3pPr>
+                <a:lvl4pPr marL="1371600" algn="l" defTabSz="914400" rtl="0" eaLnBrk="1" latinLnBrk="0" hangingPunct="1">
+                  <a:defRPr sz="1800" kern="1200">
+                    <a:solidFill>
+                      <a:schemeClr val="lt1"/>
+                    </a:solidFill>
+                    <a:latin typeface="+mn-lt"/>
+                    <a:ea typeface="+mn-ea"/>
+                    <a:cs typeface="+mn-cs"/>
+                  </a:defRPr>
+                </a:lvl4pPr>
+                <a:lvl5pPr marL="1828800" algn="l" defTabSz="914400" rtl="0" eaLnBrk="1" latinLnBrk="0" hangingPunct="1">
+                  <a:defRPr sz="1800" kern="1200">
+                    <a:solidFill>
+                      <a:schemeClr val="lt1"/>
+                    </a:solidFill>
+                    <a:latin typeface="+mn-lt"/>
+                    <a:ea typeface="+mn-ea"/>
+                    <a:cs typeface="+mn-cs"/>
+                  </a:defRPr>
+                </a:lvl5pPr>
+                <a:lvl6pPr marL="2286000" algn="l" defTabSz="914400" rtl="0" eaLnBrk="1" latinLnBrk="0" hangingPunct="1">
+                  <a:defRPr sz="1800" kern="1200">
+                    <a:solidFill>
+                      <a:schemeClr val="lt1"/>
+                    </a:solidFill>
+                    <a:latin typeface="+mn-lt"/>
+                    <a:ea typeface="+mn-ea"/>
+                    <a:cs typeface="+mn-cs"/>
+                  </a:defRPr>
+                </a:lvl6pPr>
+                <a:lvl7pPr marL="2743200" algn="l" defTabSz="914400" rtl="0" eaLnBrk="1" latinLnBrk="0" hangingPunct="1">
+                  <a:defRPr sz="1800" kern="1200">
+                    <a:solidFill>
+                      <a:schemeClr val="lt1"/>
+                    </a:solidFill>
+                    <a:latin typeface="+mn-lt"/>
+                    <a:ea typeface="+mn-ea"/>
+                    <a:cs typeface="+mn-cs"/>
+                  </a:defRPr>
+                </a:lvl7pPr>
+                <a:lvl8pPr marL="3200400" algn="l" defTabSz="914400" rtl="0" eaLnBrk="1" latinLnBrk="0" hangingPunct="1">
+                  <a:defRPr sz="1800" kern="1200">
+                    <a:solidFill>
+                      <a:schemeClr val="lt1"/>
+                    </a:solidFill>
+                    <a:latin typeface="+mn-lt"/>
+                    <a:ea typeface="+mn-ea"/>
+                    <a:cs typeface="+mn-cs"/>
+                  </a:defRPr>
+                </a:lvl8pPr>
+                <a:lvl9pPr marL="3657600" algn="l" defTabSz="914400" rtl="0" eaLnBrk="1" latinLnBrk="0" hangingPunct="1">
+                  <a:defRPr sz="1800" kern="1200">
+                    <a:solidFill>
+                      <a:schemeClr val="lt1"/>
+                    </a:solidFill>
+                    <a:latin typeface="+mn-lt"/>
+                    <a:ea typeface="+mn-ea"/>
+                    <a:cs typeface="+mn-cs"/>
+                  </a:defRPr>
+                </a:lvl9pPr>
+              </a:lstStyle>
+              <a:p>
+                <a:pPr algn="ctr"/>
+                <a:r>
+                  <a:rPr lang="de-DE" sz="900" dirty="0" smtClean="0">
+                    <a:solidFill>
+                      <a:srgbClr val="262626"/>
+                    </a:solidFill>
+                    <a:effectLst/>
+                    <a:latin typeface="Calibri" pitchFamily="34" charset="0"/>
+                    <a:cs typeface="Calibri" pitchFamily="34" charset="0"/>
+                  </a:rPr>
+                  <a:t>Cancel</a:t>
+                </a:r>
+                <a:endParaRPr lang="en-US" sz="900" dirty="0">
+                  <a:solidFill>
+                    <a:srgbClr val="262626"/>
+                  </a:solidFill>
+                  <a:effectLst/>
+                  <a:latin typeface="Calibri" pitchFamily="34" charset="0"/>
+                  <a:cs typeface="Calibri" pitchFamily="34" charset="0"/>
+                </a:endParaRPr>
+              </a:p>
+            </p:txBody>
+          </p:sp>
+          <p:sp>
+            <p:nvSpPr>
+              <p:cNvPr id="14" name="Dialog Button 1"/>
+              <p:cNvSpPr>
+                <a:spLocks/>
+              </p:cNvSpPr>
+              <p:nvPr>
+                <p:custDataLst>
+                  <p:tags r:id="rId22"/>
+                </p:custDataLst>
+              </p:nvPr>
+            </p:nvSpPr>
+            <p:spPr bwMode="auto">
+              <a:xfrm>
+                <a:off x="2483334" y="1950957"/>
+                <a:ext cx="638677" cy="87676"/>
+              </a:xfrm>
+              <a:prstGeom prst="roundRect">
+                <a:avLst>
+                  <a:gd name="adj" fmla="val 8776"/>
+                </a:avLst>
+              </a:prstGeom>
+              <a:solidFill>
+                <a:srgbClr val="F2F2F2"/>
+              </a:solidFill>
+              <a:ln w="6350" cap="flat" cmpd="sng" algn="ctr">
+                <a:solidFill>
+                  <a:srgbClr val="333333"/>
+                </a:solidFill>
+                <a:prstDash val="solid"/>
+                <a:round/>
+                <a:headEnd type="none" w="med" len="med"/>
+                <a:tailEnd type="none" w="med" len="med"/>
+              </a:ln>
+              <a:effectLst/>
+            </p:spPr>
+            <p:style>
+              <a:lnRef idx="2">
+                <a:schemeClr val="accent1">
+                  <a:shade val="50000"/>
+                </a:schemeClr>
+              </a:lnRef>
+              <a:fillRef idx="1">
+                <a:schemeClr val="accent1"/>
+              </a:fillRef>
+              <a:effectRef idx="0">
+                <a:schemeClr val="accent1"/>
+              </a:effectRef>
+              <a:fontRef idx="minor">
+                <a:schemeClr val="lt1"/>
+              </a:fontRef>
+            </p:style>
+            <p:txBody>
+              <a:bodyPr rtlCol="0" anchor="ctr"/>
+              <a:lstStyle>
+                <a:defPPr>
+                  <a:defRPr lang="en-US"/>
+                </a:defPPr>
+                <a:lvl1pPr marL="0" algn="l" defTabSz="914400" rtl="0" eaLnBrk="1" latinLnBrk="0" hangingPunct="1">
+                  <a:defRPr sz="1800" kern="1200">
+                    <a:solidFill>
+                      <a:schemeClr val="lt1"/>
+                    </a:solidFill>
+                    <a:latin typeface="+mn-lt"/>
+                    <a:ea typeface="+mn-ea"/>
+                    <a:cs typeface="+mn-cs"/>
+                  </a:defRPr>
+                </a:lvl1pPr>
+                <a:lvl2pPr marL="457200" algn="l" defTabSz="914400" rtl="0" eaLnBrk="1" latinLnBrk="0" hangingPunct="1">
+                  <a:defRPr sz="1800" kern="1200">
+                    <a:solidFill>
+                      <a:schemeClr val="lt1"/>
+                    </a:solidFill>
+                    <a:latin typeface="+mn-lt"/>
+                    <a:ea typeface="+mn-ea"/>
+                    <a:cs typeface="+mn-cs"/>
+                  </a:defRPr>
+                </a:lvl2pPr>
+                <a:lvl3pPr marL="914400" algn="l" defTabSz="914400" rtl="0" eaLnBrk="1" latinLnBrk="0" hangingPunct="1">
+                  <a:defRPr sz="1800" kern="1200">
+                    <a:solidFill>
+                      <a:schemeClr val="lt1"/>
+                    </a:solidFill>
+                    <a:latin typeface="+mn-lt"/>
+                    <a:ea typeface="+mn-ea"/>
+                    <a:cs typeface="+mn-cs"/>
+                  </a:defRPr>
+                </a:lvl3pPr>
+                <a:lvl4pPr marL="1371600" algn="l" defTabSz="914400" rtl="0" eaLnBrk="1" latinLnBrk="0" hangingPunct="1">
+                  <a:defRPr sz="1800" kern="1200">
+                    <a:solidFill>
+                      <a:schemeClr val="lt1"/>
+                    </a:solidFill>
+                    <a:latin typeface="+mn-lt"/>
+                    <a:ea typeface="+mn-ea"/>
+                    <a:cs typeface="+mn-cs"/>
+                  </a:defRPr>
+                </a:lvl4pPr>
+                <a:lvl5pPr marL="1828800" algn="l" defTabSz="914400" rtl="0" eaLnBrk="1" latinLnBrk="0" hangingPunct="1">
+                  <a:defRPr sz="1800" kern="1200">
+                    <a:solidFill>
+                      <a:schemeClr val="lt1"/>
+                    </a:solidFill>
+                    <a:latin typeface="+mn-lt"/>
+                    <a:ea typeface="+mn-ea"/>
+                    <a:cs typeface="+mn-cs"/>
+                  </a:defRPr>
+                </a:lvl5pPr>
+                <a:lvl6pPr marL="2286000" algn="l" defTabSz="914400" rtl="0" eaLnBrk="1" latinLnBrk="0" hangingPunct="1">
+                  <a:defRPr sz="1800" kern="1200">
+                    <a:solidFill>
+                      <a:schemeClr val="lt1"/>
+                    </a:solidFill>
+                    <a:latin typeface="+mn-lt"/>
+                    <a:ea typeface="+mn-ea"/>
+                    <a:cs typeface="+mn-cs"/>
+                  </a:defRPr>
+                </a:lvl6pPr>
+                <a:lvl7pPr marL="2743200" algn="l" defTabSz="914400" rtl="0" eaLnBrk="1" latinLnBrk="0" hangingPunct="1">
+                  <a:defRPr sz="1800" kern="1200">
+                    <a:solidFill>
+                      <a:schemeClr val="lt1"/>
+                    </a:solidFill>
+                    <a:latin typeface="+mn-lt"/>
+                    <a:ea typeface="+mn-ea"/>
+                    <a:cs typeface="+mn-cs"/>
+                  </a:defRPr>
+                </a:lvl7pPr>
+                <a:lvl8pPr marL="3200400" algn="l" defTabSz="914400" rtl="0" eaLnBrk="1" latinLnBrk="0" hangingPunct="1">
+                  <a:defRPr sz="1800" kern="1200">
+                    <a:solidFill>
+                      <a:schemeClr val="lt1"/>
+                    </a:solidFill>
+                    <a:latin typeface="+mn-lt"/>
+                    <a:ea typeface="+mn-ea"/>
+                    <a:cs typeface="+mn-cs"/>
+                  </a:defRPr>
+                </a:lvl8pPr>
+                <a:lvl9pPr marL="3657600" algn="l" defTabSz="914400" rtl="0" eaLnBrk="1" latinLnBrk="0" hangingPunct="1">
+                  <a:defRPr sz="1800" kern="1200">
+                    <a:solidFill>
+                      <a:schemeClr val="lt1"/>
+                    </a:solidFill>
+                    <a:latin typeface="+mn-lt"/>
+                    <a:ea typeface="+mn-ea"/>
+                    <a:cs typeface="+mn-cs"/>
+                  </a:defRPr>
+                </a:lvl9pPr>
+              </a:lstStyle>
+              <a:p>
+                <a:pPr algn="ctr"/>
+                <a:r>
+                  <a:rPr lang="en-US" sz="900" dirty="0" smtClean="0">
+                    <a:solidFill>
+                      <a:srgbClr val="262626"/>
+                    </a:solidFill>
+                    <a:effectLst/>
+                    <a:latin typeface="Calibri" pitchFamily="34" charset="0"/>
+                    <a:cs typeface="Calibri" pitchFamily="34" charset="0"/>
+                  </a:rPr>
+                  <a:t>OK</a:t>
+                </a:r>
+                <a:endParaRPr lang="en-US" sz="900" dirty="0">
+                  <a:solidFill>
+                    <a:srgbClr val="262626"/>
+                  </a:solidFill>
+                  <a:effectLst/>
+                  <a:latin typeface="Calibri" pitchFamily="34" charset="0"/>
+                  <a:cs typeface="Calibri" pitchFamily="34" charset="0"/>
+                </a:endParaRPr>
+              </a:p>
+            </p:txBody>
+          </p:sp>
+        </p:grpSp>
+        <p:grpSp>
+          <p:nvGrpSpPr>
+            <p:cNvPr id="8" name="Dialog Icons"/>
+            <p:cNvGrpSpPr/>
+            <p:nvPr/>
+          </p:nvGrpSpPr>
+          <p:grpSpPr>
+            <a:xfrm>
+              <a:off x="1504382" y="1109279"/>
+              <a:ext cx="227337" cy="105137"/>
+              <a:chOff x="668437" y="1597483"/>
+              <a:chExt cx="227337" cy="105137"/>
+            </a:xfrm>
+          </p:grpSpPr>
+          <p:sp>
+            <p:nvSpPr>
+              <p:cNvPr id="9" name="Error Icon" hidden="1"/>
+              <p:cNvSpPr>
+                <a:spLocks noChangeAspect="1" noEditPoints="1"/>
+              </p:cNvSpPr>
+              <p:nvPr>
+                <p:custDataLst>
+                  <p:tags r:id="rId17"/>
+                </p:custDataLst>
+              </p:nvPr>
+            </p:nvSpPr>
+            <p:spPr bwMode="auto">
+              <a:xfrm>
+                <a:off x="669166" y="1597483"/>
+                <a:ext cx="225879" cy="105137"/>
+              </a:xfrm>
+              <a:custGeom>
+                <a:avLst/>
+                <a:gdLst>
+                  <a:gd name="T0" fmla="*/ 114 w 395"/>
+                  <a:gd name="T1" fmla="*/ 3 h 395"/>
+                  <a:gd name="T2" fmla="*/ 0 w 395"/>
+                  <a:gd name="T3" fmla="*/ 120 h 395"/>
+                  <a:gd name="T4" fmla="*/ 3 w 395"/>
+                  <a:gd name="T5" fmla="*/ 282 h 395"/>
+                  <a:gd name="T6" fmla="*/ 120 w 395"/>
+                  <a:gd name="T7" fmla="*/ 395 h 395"/>
+                  <a:gd name="T8" fmla="*/ 282 w 395"/>
+                  <a:gd name="T9" fmla="*/ 393 h 395"/>
+                  <a:gd name="T10" fmla="*/ 395 w 395"/>
+                  <a:gd name="T11" fmla="*/ 276 h 395"/>
+                  <a:gd name="T12" fmla="*/ 393 w 395"/>
+                  <a:gd name="T13" fmla="*/ 114 h 395"/>
+                  <a:gd name="T14" fmla="*/ 276 w 395"/>
+                  <a:gd name="T15" fmla="*/ 0 h 395"/>
+                  <a:gd name="T16" fmla="*/ 123 w 395"/>
+                  <a:gd name="T17" fmla="*/ 17 h 395"/>
+                  <a:gd name="T18" fmla="*/ 378 w 395"/>
+                  <a:gd name="T19" fmla="*/ 123 h 395"/>
+                  <a:gd name="T20" fmla="*/ 272 w 395"/>
+                  <a:gd name="T21" fmla="*/ 378 h 395"/>
+                  <a:gd name="T22" fmla="*/ 17 w 395"/>
+                  <a:gd name="T23" fmla="*/ 272 h 395"/>
+                  <a:gd name="T24" fmla="*/ 123 w 395"/>
+                  <a:gd name="T25" fmla="*/ 17 h 395"/>
+                  <a:gd name="T26" fmla="*/ 112 w 395"/>
+                  <a:gd name="T27" fmla="*/ 89 h 395"/>
+                  <a:gd name="T28" fmla="*/ 88 w 395"/>
+                  <a:gd name="T29" fmla="*/ 112 h 395"/>
+                  <a:gd name="T30" fmla="*/ 89 w 395"/>
+                  <a:gd name="T31" fmla="*/ 140 h 395"/>
+                  <a:gd name="T32" fmla="*/ 89 w 395"/>
+                  <a:gd name="T33" fmla="*/ 256 h 395"/>
+                  <a:gd name="T34" fmla="*/ 112 w 395"/>
+                  <a:gd name="T35" fmla="*/ 307 h 395"/>
+                  <a:gd name="T36" fmla="*/ 198 w 395"/>
+                  <a:gd name="T37" fmla="*/ 248 h 395"/>
+                  <a:gd name="T38" fmla="*/ 284 w 395"/>
+                  <a:gd name="T39" fmla="*/ 307 h 395"/>
+                  <a:gd name="T40" fmla="*/ 306 w 395"/>
+                  <a:gd name="T41" fmla="*/ 256 h 395"/>
+                  <a:gd name="T42" fmla="*/ 306 w 395"/>
+                  <a:gd name="T43" fmla="*/ 140 h 395"/>
+                  <a:gd name="T44" fmla="*/ 306 w 395"/>
+                  <a:gd name="T45" fmla="*/ 111 h 395"/>
+                  <a:gd name="T46" fmla="*/ 270 w 395"/>
+                  <a:gd name="T47" fmla="*/ 83 h 395"/>
+                  <a:gd name="T48" fmla="*/ 198 w 395"/>
+                  <a:gd name="T49" fmla="*/ 147 h 395"/>
+                  <a:gd name="T50" fmla="*/ 125 w 395"/>
+                  <a:gd name="T51" fmla="*/ 83 h 395"/>
+                  <a:gd name="T52" fmla="*/ 272 w 395"/>
+                  <a:gd name="T53" fmla="*/ 102 h 395"/>
+                  <a:gd name="T54" fmla="*/ 294 w 395"/>
+                  <a:gd name="T55" fmla="*/ 127 h 395"/>
+                  <a:gd name="T56" fmla="*/ 294 w 395"/>
+                  <a:gd name="T57" fmla="*/ 269 h 395"/>
+                  <a:gd name="T58" fmla="*/ 272 w 395"/>
+                  <a:gd name="T59" fmla="*/ 294 h 395"/>
+                  <a:gd name="T60" fmla="*/ 198 w 395"/>
+                  <a:gd name="T61" fmla="*/ 223 h 395"/>
+                  <a:gd name="T62" fmla="*/ 124 w 395"/>
+                  <a:gd name="T63" fmla="*/ 294 h 395"/>
+                  <a:gd name="T64" fmla="*/ 101 w 395"/>
+                  <a:gd name="T65" fmla="*/ 269 h 395"/>
+                  <a:gd name="T66" fmla="*/ 102 w 395"/>
+                  <a:gd name="T67" fmla="*/ 128 h 395"/>
+                  <a:gd name="T68" fmla="*/ 124 w 395"/>
+                  <a:gd name="T69" fmla="*/ 102 h 395"/>
+                  <a:gd name="T70" fmla="*/ 198 w 395"/>
+                  <a:gd name="T71" fmla="*/ 172 h 395"/>
+                  <a:gd name="T72" fmla="*/ 270 w 395"/>
+                  <a:gd name="T73" fmla="*/ 101 h 395"/>
+                </a:gdLst>
+                <a:ahLst/>
+                <a:cxnLst>
+                  <a:cxn ang="0">
+                    <a:pos x="T0" y="T1"/>
+                  </a:cxn>
+                  <a:cxn ang="0">
+                    <a:pos x="T2" y="T3"/>
+                  </a:cxn>
+                  <a:cxn ang="0">
+                    <a:pos x="T4" y="T5"/>
+                  </a:cxn>
+                  <a:cxn ang="0">
+                    <a:pos x="T6" y="T7"/>
+                  </a:cxn>
+                  <a:cxn ang="0">
+                    <a:pos x="T8" y="T9"/>
+                  </a:cxn>
+                  <a:cxn ang="0">
+                    <a:pos x="T10" y="T11"/>
+                  </a:cxn>
+                  <a:cxn ang="0">
+                    <a:pos x="T12" y="T13"/>
+                  </a:cxn>
+                  <a:cxn ang="0">
+                    <a:pos x="T14" y="T15"/>
+                  </a:cxn>
+                  <a:cxn ang="0">
+                    <a:pos x="T16" y="T17"/>
+                  </a:cxn>
+                  <a:cxn ang="0">
+                    <a:pos x="T18" y="T19"/>
+                  </a:cxn>
+                  <a:cxn ang="0">
+                    <a:pos x="T20" y="T21"/>
+                  </a:cxn>
+                  <a:cxn ang="0">
+                    <a:pos x="T22" y="T23"/>
+                  </a:cxn>
+                  <a:cxn ang="0">
+                    <a:pos x="T24" y="T25"/>
+                  </a:cxn>
+                  <a:cxn ang="0">
+                    <a:pos x="T26" y="T27"/>
+                  </a:cxn>
+                  <a:cxn ang="0">
+                    <a:pos x="T28" y="T29"/>
+                  </a:cxn>
+                  <a:cxn ang="0">
+                    <a:pos x="T30" y="T31"/>
+                  </a:cxn>
+                  <a:cxn ang="0">
+                    <a:pos x="T32" y="T33"/>
+                  </a:cxn>
+                  <a:cxn ang="0">
+                    <a:pos x="T34" y="T35"/>
+                  </a:cxn>
+                  <a:cxn ang="0">
+                    <a:pos x="T36" y="T37"/>
+                  </a:cxn>
+                  <a:cxn ang="0">
+                    <a:pos x="T38" y="T39"/>
+                  </a:cxn>
+                  <a:cxn ang="0">
+                    <a:pos x="T40" y="T41"/>
+                  </a:cxn>
+                  <a:cxn ang="0">
+                    <a:pos x="T42" y="T43"/>
+                  </a:cxn>
+                  <a:cxn ang="0">
+                    <a:pos x="T44" y="T45"/>
+                  </a:cxn>
+                  <a:cxn ang="0">
+                    <a:pos x="T46" y="T47"/>
+                  </a:cxn>
+                  <a:cxn ang="0">
+                    <a:pos x="T48" y="T49"/>
+                  </a:cxn>
+                  <a:cxn ang="0">
+                    <a:pos x="T50" y="T51"/>
+                  </a:cxn>
+                  <a:cxn ang="0">
+                    <a:pos x="T52" y="T53"/>
+                  </a:cxn>
+                  <a:cxn ang="0">
+                    <a:pos x="T54" y="T55"/>
+                  </a:cxn>
+                  <a:cxn ang="0">
+                    <a:pos x="T56" y="T57"/>
+                  </a:cxn>
+                  <a:cxn ang="0">
+                    <a:pos x="T58" y="T59"/>
+                  </a:cxn>
+                  <a:cxn ang="0">
+                    <a:pos x="T60" y="T61"/>
+                  </a:cxn>
+                  <a:cxn ang="0">
+                    <a:pos x="T62" y="T63"/>
+                  </a:cxn>
+                  <a:cxn ang="0">
+                    <a:pos x="T64" y="T65"/>
+                  </a:cxn>
+                  <a:cxn ang="0">
+                    <a:pos x="T66" y="T67"/>
+                  </a:cxn>
+                  <a:cxn ang="0">
+                    <a:pos x="T68" y="T69"/>
+                  </a:cxn>
+                  <a:cxn ang="0">
+                    <a:pos x="T70" y="T71"/>
+                  </a:cxn>
+                  <a:cxn ang="0">
+                    <a:pos x="T72" y="T73"/>
+                  </a:cxn>
+                </a:cxnLst>
+                <a:rect l="0" t="0" r="r" b="b"/>
+                <a:pathLst>
+                  <a:path w="395" h="395">
+                    <a:moveTo>
+                      <a:pt x="120" y="0"/>
+                    </a:moveTo>
+                    <a:cubicBezTo>
+                      <a:pt x="118" y="0"/>
+                      <a:pt x="115" y="1"/>
+                      <a:pt x="114" y="3"/>
+                    </a:cubicBezTo>
+                    <a:lnTo>
+                      <a:pt x="3" y="114"/>
+                    </a:lnTo>
+                    <a:cubicBezTo>
+                      <a:pt x="1" y="115"/>
+                      <a:pt x="0" y="118"/>
+                      <a:pt x="0" y="120"/>
+                    </a:cubicBezTo>
+                    <a:lnTo>
+                      <a:pt x="0" y="276"/>
+                    </a:lnTo>
+                    <a:cubicBezTo>
+                      <a:pt x="0" y="278"/>
+                      <a:pt x="1" y="280"/>
+                      <a:pt x="3" y="282"/>
+                    </a:cubicBezTo>
+                    <a:lnTo>
+                      <a:pt x="114" y="393"/>
+                    </a:lnTo>
+                    <a:cubicBezTo>
+                      <a:pt x="115" y="394"/>
+                      <a:pt x="118" y="395"/>
+                      <a:pt x="120" y="395"/>
+                    </a:cubicBezTo>
+                    <a:lnTo>
+                      <a:pt x="276" y="395"/>
+                    </a:lnTo>
+                    <a:cubicBezTo>
+                      <a:pt x="278" y="395"/>
+                      <a:pt x="280" y="394"/>
+                      <a:pt x="282" y="393"/>
+                    </a:cubicBezTo>
+                    <a:lnTo>
+                      <a:pt x="393" y="282"/>
+                    </a:lnTo>
+                    <a:cubicBezTo>
+                      <a:pt x="394" y="280"/>
+                      <a:pt x="395" y="278"/>
+                      <a:pt x="395" y="276"/>
+                    </a:cubicBezTo>
+                    <a:lnTo>
+                      <a:pt x="395" y="120"/>
+                    </a:lnTo>
+                    <a:cubicBezTo>
+                      <a:pt x="395" y="118"/>
+                      <a:pt x="394" y="115"/>
+                      <a:pt x="393" y="114"/>
+                    </a:cubicBezTo>
+                    <a:lnTo>
+                      <a:pt x="282" y="3"/>
+                    </a:lnTo>
+                    <a:cubicBezTo>
+                      <a:pt x="280" y="1"/>
+                      <a:pt x="278" y="0"/>
+                      <a:pt x="276" y="0"/>
+                    </a:cubicBezTo>
+                    <a:lnTo>
+                      <a:pt x="120" y="0"/>
+                    </a:lnTo>
+                    <a:close/>
+                    <a:moveTo>
+                      <a:pt x="123" y="17"/>
+                    </a:moveTo>
+                    <a:lnTo>
+                      <a:pt x="272" y="17"/>
+                    </a:lnTo>
+                    <a:lnTo>
+                      <a:pt x="378" y="123"/>
+                    </a:lnTo>
+                    <a:lnTo>
+                      <a:pt x="378" y="272"/>
+                    </a:lnTo>
+                    <a:lnTo>
+                      <a:pt x="272" y="378"/>
+                    </a:lnTo>
+                    <a:lnTo>
+                      <a:pt x="123" y="378"/>
+                    </a:lnTo>
+                    <a:lnTo>
+                      <a:pt x="17" y="272"/>
+                    </a:lnTo>
+                    <a:lnTo>
+                      <a:pt x="17" y="123"/>
+                    </a:lnTo>
+                    <a:lnTo>
+                      <a:pt x="123" y="17"/>
+                    </a:lnTo>
+                    <a:close/>
+                    <a:moveTo>
+                      <a:pt x="125" y="83"/>
+                    </a:moveTo>
+                    <a:cubicBezTo>
+                      <a:pt x="120" y="83"/>
+                      <a:pt x="116" y="85"/>
+                      <a:pt x="112" y="89"/>
+                    </a:cubicBezTo>
+                    <a:lnTo>
+                      <a:pt x="89" y="111"/>
+                    </a:lnTo>
+                    <a:lnTo>
+                      <a:pt x="88" y="112"/>
+                    </a:lnTo>
+                    <a:cubicBezTo>
+                      <a:pt x="82" y="120"/>
+                      <a:pt x="82" y="131"/>
+                      <a:pt x="88" y="139"/>
+                    </a:cubicBezTo>
+                    <a:lnTo>
+                      <a:pt x="89" y="140"/>
+                    </a:lnTo>
+                    <a:lnTo>
+                      <a:pt x="147" y="198"/>
+                    </a:lnTo>
+                    <a:lnTo>
+                      <a:pt x="89" y="256"/>
+                    </a:lnTo>
+                    <a:cubicBezTo>
+                      <a:pt x="81" y="264"/>
+                      <a:pt x="81" y="276"/>
+                      <a:pt x="89" y="284"/>
+                    </a:cubicBezTo>
+                    <a:lnTo>
+                      <a:pt x="112" y="307"/>
+                    </a:lnTo>
+                    <a:cubicBezTo>
+                      <a:pt x="119" y="314"/>
+                      <a:pt x="132" y="314"/>
+                      <a:pt x="139" y="307"/>
+                    </a:cubicBezTo>
+                    <a:lnTo>
+                      <a:pt x="198" y="248"/>
+                    </a:lnTo>
+                    <a:lnTo>
+                      <a:pt x="256" y="307"/>
+                    </a:lnTo>
+                    <a:cubicBezTo>
+                      <a:pt x="264" y="314"/>
+                      <a:pt x="276" y="314"/>
+                      <a:pt x="284" y="307"/>
+                    </a:cubicBezTo>
+                    <a:lnTo>
+                      <a:pt x="306" y="284"/>
+                    </a:lnTo>
+                    <a:cubicBezTo>
+                      <a:pt x="314" y="277"/>
+                      <a:pt x="314" y="263"/>
+                      <a:pt x="306" y="256"/>
+                    </a:cubicBezTo>
+                    <a:lnTo>
+                      <a:pt x="248" y="198"/>
+                    </a:lnTo>
+                    <a:lnTo>
+                      <a:pt x="306" y="140"/>
+                    </a:lnTo>
+                    <a:cubicBezTo>
+                      <a:pt x="310" y="136"/>
+                      <a:pt x="313" y="131"/>
+                      <a:pt x="313" y="126"/>
+                    </a:cubicBezTo>
+                    <a:cubicBezTo>
+                      <a:pt x="313" y="120"/>
+                      <a:pt x="310" y="115"/>
+                      <a:pt x="306" y="111"/>
+                    </a:cubicBezTo>
+                    <a:lnTo>
+                      <a:pt x="284" y="89"/>
+                    </a:lnTo>
+                    <a:cubicBezTo>
+                      <a:pt x="280" y="86"/>
+                      <a:pt x="275" y="83"/>
+                      <a:pt x="270" y="83"/>
+                    </a:cubicBezTo>
+                    <a:cubicBezTo>
+                      <a:pt x="265" y="83"/>
+                      <a:pt x="260" y="86"/>
+                      <a:pt x="256" y="89"/>
+                    </a:cubicBezTo>
+                    <a:lnTo>
+                      <a:pt x="198" y="147"/>
+                    </a:lnTo>
+                    <a:lnTo>
+                      <a:pt x="139" y="90"/>
+                    </a:lnTo>
+                    <a:cubicBezTo>
+                      <a:pt x="135" y="86"/>
+                      <a:pt x="130" y="83"/>
+                      <a:pt x="125" y="83"/>
+                    </a:cubicBezTo>
+                    <a:close/>
+                    <a:moveTo>
+                      <a:pt x="270" y="101"/>
+                    </a:moveTo>
+                    <a:cubicBezTo>
+                      <a:pt x="271" y="101"/>
+                      <a:pt x="271" y="101"/>
+                      <a:pt x="272" y="102"/>
+                    </a:cubicBezTo>
+                    <a:lnTo>
+                      <a:pt x="294" y="124"/>
+                    </a:lnTo>
+                    <a:cubicBezTo>
+                      <a:pt x="295" y="125"/>
+                      <a:pt x="295" y="126"/>
+                      <a:pt x="294" y="127"/>
+                    </a:cubicBezTo>
+                    <a:cubicBezTo>
+                      <a:pt x="270" y="151"/>
+                      <a:pt x="247" y="174"/>
+                      <a:pt x="224" y="198"/>
+                    </a:cubicBezTo>
+                    <a:cubicBezTo>
+                      <a:pt x="247" y="221"/>
+                      <a:pt x="270" y="245"/>
+                      <a:pt x="294" y="269"/>
+                    </a:cubicBezTo>
+                    <a:cubicBezTo>
+                      <a:pt x="295" y="270"/>
+                      <a:pt x="295" y="270"/>
+                      <a:pt x="294" y="272"/>
+                    </a:cubicBezTo>
+                    <a:lnTo>
+                      <a:pt x="272" y="294"/>
+                    </a:lnTo>
+                    <a:cubicBezTo>
+                      <a:pt x="270" y="295"/>
+                      <a:pt x="270" y="295"/>
+                      <a:pt x="268" y="294"/>
+                    </a:cubicBezTo>
+                    <a:cubicBezTo>
+                      <a:pt x="245" y="270"/>
+                      <a:pt x="221" y="247"/>
+                      <a:pt x="198" y="223"/>
+                    </a:cubicBezTo>
+                    <a:lnTo>
+                      <a:pt x="127" y="294"/>
+                    </a:lnTo>
+                    <a:cubicBezTo>
+                      <a:pt x="126" y="295"/>
+                      <a:pt x="125" y="295"/>
+                      <a:pt x="124" y="294"/>
+                    </a:cubicBezTo>
+                    <a:lnTo>
+                      <a:pt x="101" y="271"/>
+                    </a:lnTo>
+                    <a:lnTo>
+                      <a:pt x="101" y="269"/>
+                    </a:lnTo>
+                    <a:lnTo>
+                      <a:pt x="172" y="198"/>
+                    </a:lnTo>
+                    <a:cubicBezTo>
+                      <a:pt x="150" y="174"/>
+                      <a:pt x="125" y="151"/>
+                      <a:pt x="102" y="128"/>
+                    </a:cubicBezTo>
+                    <a:cubicBezTo>
+                      <a:pt x="100" y="126"/>
+                      <a:pt x="100" y="125"/>
+                      <a:pt x="102" y="123"/>
+                    </a:cubicBezTo>
+                    <a:lnTo>
+                      <a:pt x="124" y="102"/>
+                    </a:lnTo>
+                    <a:cubicBezTo>
+                      <a:pt x="125" y="101"/>
+                      <a:pt x="126" y="101"/>
+                      <a:pt x="127" y="102"/>
+                    </a:cubicBezTo>
+                    <a:cubicBezTo>
+                      <a:pt x="151" y="125"/>
+                      <a:pt x="174" y="149"/>
+                      <a:pt x="198" y="172"/>
+                    </a:cubicBezTo>
+                    <a:lnTo>
+                      <a:pt x="268" y="102"/>
+                    </a:lnTo>
+                    <a:cubicBezTo>
+                      <a:pt x="269" y="101"/>
+                      <a:pt x="269" y="101"/>
+                      <a:pt x="270" y="101"/>
+                    </a:cubicBezTo>
+                    <a:close/>
+                  </a:path>
+                </a:pathLst>
+              </a:custGeom>
+              <a:solidFill>
+                <a:srgbClr val="262626"/>
+              </a:solidFill>
+              <a:ln w="0">
+                <a:noFill/>
+                <a:prstDash val="solid"/>
+                <a:round/>
+                <a:headEnd/>
+                <a:tailEnd/>
+              </a:ln>
+              <a:extLst>
+                <a:ext uri="{91240B29-F687-4F45-9708-019B960494DF}">
+                  <a14:hiddenLine xmlns:a14="http://schemas.microsoft.com/office/drawing/2010/main" w="0">
+                    <a:solidFill>
+                      <a:prstClr val="black"/>
+                    </a:solidFill>
+                    <a:prstDash val="solid"/>
+                    <a:round/>
+                    <a:headEnd/>
+                    <a:tailEnd/>
+                  </a14:hiddenLine>
+                </a:ext>
+              </a:extLst>
+            </p:spPr>
+            <p:txBody>
+              <a:bodyPr vert="horz" wrap="square" lIns="91440" tIns="45720" rIns="91440" bIns="45720" numCol="1" anchor="t" anchorCtr="0" compatLnSpc="1">
+                <a:prstTxWarp prst="textNoShape">
+                  <a:avLst/>
+                </a:prstTxWarp>
+              </a:bodyPr>
+              <a:lstStyle>
+                <a:defPPr>
+                  <a:defRPr lang="en-US"/>
+                </a:defPPr>
+                <a:lvl1pPr marL="0" algn="l" defTabSz="914400" rtl="0" eaLnBrk="1" latinLnBrk="0" hangingPunct="1">
+                  <a:defRPr sz="1800" kern="1200">
+                    <a:solidFill>
+                      <a:schemeClr val="tx1"/>
+                    </a:solidFill>
+                    <a:latin typeface="+mn-lt"/>
+                    <a:ea typeface="+mn-ea"/>
+                    <a:cs typeface="+mn-cs"/>
+                  </a:defRPr>
+                </a:lvl1pPr>
+                <a:lvl2pPr marL="457200" algn="l" defTabSz="914400" rtl="0" eaLnBrk="1" latinLnBrk="0" hangingPunct="1">
+                  <a:defRPr sz="1800" kern="1200">
+                    <a:solidFill>
+                      <a:schemeClr val="tx1"/>
+                    </a:solidFill>
+                    <a:latin typeface="+mn-lt"/>
+                    <a:ea typeface="+mn-ea"/>
+                    <a:cs typeface="+mn-cs"/>
+                  </a:defRPr>
+                </a:lvl2pPr>
+                <a:lvl3pPr marL="914400" algn="l" defTabSz="914400" rtl="0" eaLnBrk="1" latinLnBrk="0" hangingPunct="1">
+                  <a:defRPr sz="1800" kern="1200">
+                    <a:solidFill>
+                      <a:schemeClr val="tx1"/>
+                    </a:solidFill>
+                    <a:latin typeface="+mn-lt"/>
+                    <a:ea typeface="+mn-ea"/>
+                    <a:cs typeface="+mn-cs"/>
+                  </a:defRPr>
+                </a:lvl3pPr>
+                <a:lvl4pPr marL="1371600" algn="l" defTabSz="914400" rtl="0" eaLnBrk="1" latinLnBrk="0" hangingPunct="1">
+                  <a:defRPr sz="1800" kern="1200">
+                    <a:solidFill>
+                      <a:schemeClr val="tx1"/>
+                    </a:solidFill>
+                    <a:latin typeface="+mn-lt"/>
+                    <a:ea typeface="+mn-ea"/>
+                    <a:cs typeface="+mn-cs"/>
+                  </a:defRPr>
+                </a:lvl4pPr>
+                <a:lvl5pPr marL="1828800" algn="l" defTabSz="914400" rtl="0" eaLnBrk="1" latinLnBrk="0" hangingPunct="1">
+                  <a:defRPr sz="1800" kern="1200">
+                    <a:solidFill>
+                      <a:schemeClr val="tx1"/>
+                    </a:solidFill>
+                    <a:latin typeface="+mn-lt"/>
+                    <a:ea typeface="+mn-ea"/>
+                    <a:cs typeface="+mn-cs"/>
+                  </a:defRPr>
+                </a:lvl5pPr>
+                <a:lvl6pPr marL="2286000" algn="l" defTabSz="914400" rtl="0" eaLnBrk="1" latinLnBrk="0" hangingPunct="1">
+                  <a:defRPr sz="1800" kern="1200">
+                    <a:solidFill>
+                      <a:schemeClr val="tx1"/>
+                    </a:solidFill>
+                    <a:latin typeface="+mn-lt"/>
+                    <a:ea typeface="+mn-ea"/>
+                    <a:cs typeface="+mn-cs"/>
+                  </a:defRPr>
+                </a:lvl6pPr>
+                <a:lvl7pPr marL="2743200" algn="l" defTabSz="914400" rtl="0" eaLnBrk="1" latinLnBrk="0" hangingPunct="1">
+                  <a:defRPr sz="1800" kern="1200">
+                    <a:solidFill>
+                      <a:schemeClr val="tx1"/>
+                    </a:solidFill>
+                    <a:latin typeface="+mn-lt"/>
+                    <a:ea typeface="+mn-ea"/>
+                    <a:cs typeface="+mn-cs"/>
+                  </a:defRPr>
+                </a:lvl7pPr>
+                <a:lvl8pPr marL="3200400" algn="l" defTabSz="914400" rtl="0" eaLnBrk="1" latinLnBrk="0" hangingPunct="1">
+                  <a:defRPr sz="1800" kern="1200">
+                    <a:solidFill>
+                      <a:schemeClr val="tx1"/>
+                    </a:solidFill>
+                    <a:latin typeface="+mn-lt"/>
+                    <a:ea typeface="+mn-ea"/>
+                    <a:cs typeface="+mn-cs"/>
+                  </a:defRPr>
+                </a:lvl8pPr>
+                <a:lvl9pPr marL="3657600" algn="l" defTabSz="914400" rtl="0" eaLnBrk="1" latinLnBrk="0" hangingPunct="1">
+                  <a:defRPr sz="1800" kern="1200">
+                    <a:solidFill>
+                      <a:schemeClr val="tx1"/>
+                    </a:solidFill>
+                    <a:latin typeface="+mn-lt"/>
+                    <a:ea typeface="+mn-ea"/>
+                    <a:cs typeface="+mn-cs"/>
+                  </a:defRPr>
+                </a:lvl9pPr>
+              </a:lstStyle>
+              <a:p>
+                <a:endParaRPr lang="en-US" sz="900">
+                  <a:solidFill>
+                    <a:srgbClr val="262626"/>
+                  </a:solidFill>
+                  <a:latin typeface="Calibri" pitchFamily="34" charset="0"/>
+                  <a:cs typeface="Calibri" pitchFamily="34" charset="0"/>
+                </a:endParaRPr>
+              </a:p>
+            </p:txBody>
+          </p:sp>
+          <p:sp>
+            <p:nvSpPr>
+              <p:cNvPr id="10" name="Warning Icon" hidden="1"/>
+              <p:cNvSpPr>
+                <a:spLocks noChangeAspect="1" noEditPoints="1"/>
+              </p:cNvSpPr>
+              <p:nvPr>
+                <p:custDataLst>
+                  <p:tags r:id="rId18"/>
+                </p:custDataLst>
+              </p:nvPr>
+            </p:nvSpPr>
+            <p:spPr bwMode="auto">
+              <a:xfrm>
+                <a:off x="668437" y="1599857"/>
+                <a:ext cx="227337" cy="100387"/>
+              </a:xfrm>
+              <a:custGeom>
+                <a:avLst/>
+                <a:gdLst>
+                  <a:gd name="T0" fmla="*/ 199 w 400"/>
+                  <a:gd name="T1" fmla="*/ 0 h 380"/>
+                  <a:gd name="T2" fmla="*/ 158 w 400"/>
+                  <a:gd name="T3" fmla="*/ 25 h 380"/>
+                  <a:gd name="T4" fmla="*/ 158 w 400"/>
+                  <a:gd name="T5" fmla="*/ 25 h 380"/>
+                  <a:gd name="T6" fmla="*/ 7 w 400"/>
+                  <a:gd name="T7" fmla="*/ 310 h 380"/>
+                  <a:gd name="T8" fmla="*/ 7 w 400"/>
+                  <a:gd name="T9" fmla="*/ 310 h 380"/>
+                  <a:gd name="T10" fmla="*/ 7 w 400"/>
+                  <a:gd name="T11" fmla="*/ 311 h 380"/>
+                  <a:gd name="T12" fmla="*/ 10 w 400"/>
+                  <a:gd name="T13" fmla="*/ 357 h 380"/>
+                  <a:gd name="T14" fmla="*/ 49 w 400"/>
+                  <a:gd name="T15" fmla="*/ 380 h 380"/>
+                  <a:gd name="T16" fmla="*/ 350 w 400"/>
+                  <a:gd name="T17" fmla="*/ 380 h 380"/>
+                  <a:gd name="T18" fmla="*/ 391 w 400"/>
+                  <a:gd name="T19" fmla="*/ 357 h 380"/>
+                  <a:gd name="T20" fmla="*/ 392 w 400"/>
+                  <a:gd name="T21" fmla="*/ 311 h 380"/>
+                  <a:gd name="T22" fmla="*/ 242 w 400"/>
+                  <a:gd name="T23" fmla="*/ 25 h 380"/>
+                  <a:gd name="T24" fmla="*/ 242 w 400"/>
+                  <a:gd name="T25" fmla="*/ 25 h 380"/>
+                  <a:gd name="T26" fmla="*/ 242 w 400"/>
+                  <a:gd name="T27" fmla="*/ 25 h 380"/>
+                  <a:gd name="T28" fmla="*/ 199 w 400"/>
+                  <a:gd name="T29" fmla="*/ 0 h 380"/>
+                  <a:gd name="T30" fmla="*/ 199 w 400"/>
+                  <a:gd name="T31" fmla="*/ 17 h 380"/>
+                  <a:gd name="T32" fmla="*/ 226 w 400"/>
+                  <a:gd name="T33" fmla="*/ 34 h 380"/>
+                  <a:gd name="T34" fmla="*/ 376 w 400"/>
+                  <a:gd name="T35" fmla="*/ 318 h 380"/>
+                  <a:gd name="T36" fmla="*/ 376 w 400"/>
+                  <a:gd name="T37" fmla="*/ 348 h 380"/>
+                  <a:gd name="T38" fmla="*/ 350 w 400"/>
+                  <a:gd name="T39" fmla="*/ 363 h 380"/>
+                  <a:gd name="T40" fmla="*/ 49 w 400"/>
+                  <a:gd name="T41" fmla="*/ 363 h 380"/>
+                  <a:gd name="T42" fmla="*/ 23 w 400"/>
+                  <a:gd name="T43" fmla="*/ 346 h 380"/>
+                  <a:gd name="T44" fmla="*/ 23 w 400"/>
+                  <a:gd name="T45" fmla="*/ 318 h 380"/>
+                  <a:gd name="T46" fmla="*/ 174 w 400"/>
+                  <a:gd name="T47" fmla="*/ 33 h 380"/>
+                  <a:gd name="T48" fmla="*/ 199 w 400"/>
+                  <a:gd name="T49" fmla="*/ 17 h 380"/>
+                  <a:gd name="T50" fmla="*/ 183 w 400"/>
+                  <a:gd name="T51" fmla="*/ 81 h 380"/>
+                  <a:gd name="T52" fmla="*/ 167 w 400"/>
+                  <a:gd name="T53" fmla="*/ 88 h 380"/>
+                  <a:gd name="T54" fmla="*/ 163 w 400"/>
+                  <a:gd name="T55" fmla="*/ 103 h 380"/>
+                  <a:gd name="T56" fmla="*/ 170 w 400"/>
+                  <a:gd name="T57" fmla="*/ 228 h 380"/>
+                  <a:gd name="T58" fmla="*/ 177 w 400"/>
+                  <a:gd name="T59" fmla="*/ 243 h 380"/>
+                  <a:gd name="T60" fmla="*/ 191 w 400"/>
+                  <a:gd name="T61" fmla="*/ 247 h 380"/>
+                  <a:gd name="T62" fmla="*/ 208 w 400"/>
+                  <a:gd name="T63" fmla="*/ 247 h 380"/>
+                  <a:gd name="T64" fmla="*/ 222 w 400"/>
+                  <a:gd name="T65" fmla="*/ 243 h 380"/>
+                  <a:gd name="T66" fmla="*/ 229 w 400"/>
+                  <a:gd name="T67" fmla="*/ 228 h 380"/>
+                  <a:gd name="T68" fmla="*/ 236 w 400"/>
+                  <a:gd name="T69" fmla="*/ 107 h 380"/>
+                  <a:gd name="T70" fmla="*/ 236 w 400"/>
+                  <a:gd name="T71" fmla="*/ 100 h 380"/>
+                  <a:gd name="T72" fmla="*/ 232 w 400"/>
+                  <a:gd name="T73" fmla="*/ 88 h 380"/>
+                  <a:gd name="T74" fmla="*/ 216 w 400"/>
+                  <a:gd name="T75" fmla="*/ 81 h 380"/>
+                  <a:gd name="T76" fmla="*/ 183 w 400"/>
+                  <a:gd name="T77" fmla="*/ 81 h 380"/>
+                  <a:gd name="T78" fmla="*/ 218 w 400"/>
+                  <a:gd name="T79" fmla="*/ 102 h 380"/>
+                  <a:gd name="T80" fmla="*/ 211 w 400"/>
+                  <a:gd name="T81" fmla="*/ 227 h 380"/>
+                  <a:gd name="T82" fmla="*/ 208 w 400"/>
+                  <a:gd name="T83" fmla="*/ 230 h 380"/>
+                  <a:gd name="T84" fmla="*/ 191 w 400"/>
+                  <a:gd name="T85" fmla="*/ 230 h 380"/>
+                  <a:gd name="T86" fmla="*/ 187 w 400"/>
+                  <a:gd name="T87" fmla="*/ 227 h 380"/>
+                  <a:gd name="T88" fmla="*/ 181 w 400"/>
+                  <a:gd name="T89" fmla="*/ 102 h 380"/>
+                  <a:gd name="T90" fmla="*/ 183 w 400"/>
+                  <a:gd name="T91" fmla="*/ 99 h 380"/>
+                  <a:gd name="T92" fmla="*/ 216 w 400"/>
+                  <a:gd name="T93" fmla="*/ 99 h 380"/>
+                  <a:gd name="T94" fmla="*/ 218 w 400"/>
+                  <a:gd name="T95" fmla="*/ 102 h 380"/>
+                  <a:gd name="T96" fmla="*/ 200 w 400"/>
+                  <a:gd name="T97" fmla="*/ 257 h 380"/>
+                  <a:gd name="T98" fmla="*/ 160 w 400"/>
+                  <a:gd name="T99" fmla="*/ 298 h 380"/>
+                  <a:gd name="T100" fmla="*/ 200 w 400"/>
+                  <a:gd name="T101" fmla="*/ 338 h 380"/>
+                  <a:gd name="T102" fmla="*/ 240 w 400"/>
+                  <a:gd name="T103" fmla="*/ 298 h 380"/>
+                  <a:gd name="T104" fmla="*/ 200 w 400"/>
+                  <a:gd name="T105" fmla="*/ 257 h 380"/>
+                  <a:gd name="T106" fmla="*/ 200 w 400"/>
+                  <a:gd name="T107" fmla="*/ 275 h 380"/>
+                  <a:gd name="T108" fmla="*/ 222 w 400"/>
+                  <a:gd name="T109" fmla="*/ 298 h 380"/>
+                  <a:gd name="T110" fmla="*/ 200 w 400"/>
+                  <a:gd name="T111" fmla="*/ 320 h 380"/>
+                  <a:gd name="T112" fmla="*/ 178 w 400"/>
+                  <a:gd name="T113" fmla="*/ 298 h 380"/>
+                  <a:gd name="T114" fmla="*/ 200 w 400"/>
+                  <a:gd name="T115" fmla="*/ 275 h 380"/>
+                </a:gdLst>
+                <a:ahLst/>
+                <a:cxnLst>
+                  <a:cxn ang="0">
+                    <a:pos x="T0" y="T1"/>
+                  </a:cxn>
+                  <a:cxn ang="0">
+                    <a:pos x="T2" y="T3"/>
+                  </a:cxn>
+                  <a:cxn ang="0">
+                    <a:pos x="T4" y="T5"/>
+                  </a:cxn>
+                  <a:cxn ang="0">
+                    <a:pos x="T6" y="T7"/>
+                  </a:cxn>
+                  <a:cxn ang="0">
+                    <a:pos x="T8" y="T9"/>
+                  </a:cxn>
+                  <a:cxn ang="0">
+                    <a:pos x="T10" y="T11"/>
+                  </a:cxn>
+                  <a:cxn ang="0">
+                    <a:pos x="T12" y="T13"/>
+                  </a:cxn>
+                  <a:cxn ang="0">
+                    <a:pos x="T14" y="T15"/>
+                  </a:cxn>
+                  <a:cxn ang="0">
+                    <a:pos x="T16" y="T17"/>
+                  </a:cxn>
+                  <a:cxn ang="0">
+                    <a:pos x="T18" y="T19"/>
+                  </a:cxn>
+                  <a:cxn ang="0">
+                    <a:pos x="T20" y="T21"/>
+                  </a:cxn>
+                  <a:cxn ang="0">
+                    <a:pos x="T22" y="T23"/>
+                  </a:cxn>
+                  <a:cxn ang="0">
+                    <a:pos x="T24" y="T25"/>
+                  </a:cxn>
+                  <a:cxn ang="0">
+                    <a:pos x="T26" y="T27"/>
+                  </a:cxn>
+                  <a:cxn ang="0">
+                    <a:pos x="T28" y="T29"/>
+                  </a:cxn>
+                  <a:cxn ang="0">
+                    <a:pos x="T30" y="T31"/>
+                  </a:cxn>
+                  <a:cxn ang="0">
+                    <a:pos x="T32" y="T33"/>
+                  </a:cxn>
+                  <a:cxn ang="0">
+                    <a:pos x="T34" y="T35"/>
+                  </a:cxn>
+                  <a:cxn ang="0">
+                    <a:pos x="T36" y="T37"/>
+                  </a:cxn>
+                  <a:cxn ang="0">
+                    <a:pos x="T38" y="T39"/>
+                  </a:cxn>
+                  <a:cxn ang="0">
+                    <a:pos x="T40" y="T41"/>
+                  </a:cxn>
+                  <a:cxn ang="0">
+                    <a:pos x="T42" y="T43"/>
+                  </a:cxn>
+                  <a:cxn ang="0">
+                    <a:pos x="T44" y="T45"/>
+                  </a:cxn>
+                  <a:cxn ang="0">
+                    <a:pos x="T46" y="T47"/>
+                  </a:cxn>
+                  <a:cxn ang="0">
+                    <a:pos x="T48" y="T49"/>
+                  </a:cxn>
+                  <a:cxn ang="0">
+                    <a:pos x="T50" y="T51"/>
+                  </a:cxn>
+                  <a:cxn ang="0">
+                    <a:pos x="T52" y="T53"/>
+                  </a:cxn>
+                  <a:cxn ang="0">
+                    <a:pos x="T54" y="T55"/>
+                  </a:cxn>
+                  <a:cxn ang="0">
+                    <a:pos x="T56" y="T57"/>
+                  </a:cxn>
+                  <a:cxn ang="0">
+                    <a:pos x="T58" y="T59"/>
+                  </a:cxn>
+                  <a:cxn ang="0">
+                    <a:pos x="T60" y="T61"/>
+                  </a:cxn>
+                  <a:cxn ang="0">
+                    <a:pos x="T62" y="T63"/>
+                  </a:cxn>
+                  <a:cxn ang="0">
+                    <a:pos x="T64" y="T65"/>
+                  </a:cxn>
+                  <a:cxn ang="0">
+                    <a:pos x="T66" y="T67"/>
+                  </a:cxn>
+                  <a:cxn ang="0">
+                    <a:pos x="T68" y="T69"/>
+                  </a:cxn>
+                  <a:cxn ang="0">
+                    <a:pos x="T70" y="T71"/>
+                  </a:cxn>
+                  <a:cxn ang="0">
+                    <a:pos x="T72" y="T73"/>
+                  </a:cxn>
+                  <a:cxn ang="0">
+                    <a:pos x="T74" y="T75"/>
+                  </a:cxn>
+                  <a:cxn ang="0">
+                    <a:pos x="T76" y="T77"/>
+                  </a:cxn>
+                  <a:cxn ang="0">
+                    <a:pos x="T78" y="T79"/>
+                  </a:cxn>
+                  <a:cxn ang="0">
+                    <a:pos x="T80" y="T81"/>
+                  </a:cxn>
+                  <a:cxn ang="0">
+                    <a:pos x="T82" y="T83"/>
+                  </a:cxn>
+                  <a:cxn ang="0">
+                    <a:pos x="T84" y="T85"/>
+                  </a:cxn>
+                  <a:cxn ang="0">
+                    <a:pos x="T86" y="T87"/>
+                  </a:cxn>
+                  <a:cxn ang="0">
+                    <a:pos x="T88" y="T89"/>
+                  </a:cxn>
+                  <a:cxn ang="0">
+                    <a:pos x="T90" y="T91"/>
+                  </a:cxn>
+                  <a:cxn ang="0">
+                    <a:pos x="T92" y="T93"/>
+                  </a:cxn>
+                  <a:cxn ang="0">
+                    <a:pos x="T94" y="T95"/>
+                  </a:cxn>
+                  <a:cxn ang="0">
+                    <a:pos x="T96" y="T97"/>
+                  </a:cxn>
+                  <a:cxn ang="0">
+                    <a:pos x="T98" y="T99"/>
+                  </a:cxn>
+                  <a:cxn ang="0">
+                    <a:pos x="T100" y="T101"/>
+                  </a:cxn>
+                  <a:cxn ang="0">
+                    <a:pos x="T102" y="T103"/>
+                  </a:cxn>
+                  <a:cxn ang="0">
+                    <a:pos x="T104" y="T105"/>
+                  </a:cxn>
+                  <a:cxn ang="0">
+                    <a:pos x="T106" y="T107"/>
+                  </a:cxn>
+                  <a:cxn ang="0">
+                    <a:pos x="T108" y="T109"/>
+                  </a:cxn>
+                  <a:cxn ang="0">
+                    <a:pos x="T110" y="T111"/>
+                  </a:cxn>
+                  <a:cxn ang="0">
+                    <a:pos x="T112" y="T113"/>
+                  </a:cxn>
+                  <a:cxn ang="0">
+                    <a:pos x="T114" y="T115"/>
+                  </a:cxn>
+                </a:cxnLst>
+                <a:rect l="0" t="0" r="r" b="b"/>
+                <a:pathLst>
+                  <a:path w="400" h="380">
+                    <a:moveTo>
+                      <a:pt x="199" y="0"/>
+                    </a:moveTo>
+                    <a:cubicBezTo>
+                      <a:pt x="182" y="0"/>
+                      <a:pt x="166" y="9"/>
+                      <a:pt x="158" y="25"/>
+                    </a:cubicBezTo>
+                    <a:lnTo>
+                      <a:pt x="158" y="25"/>
+                    </a:lnTo>
+                    <a:lnTo>
+                      <a:pt x="7" y="310"/>
+                    </a:lnTo>
+                    <a:lnTo>
+                      <a:pt x="7" y="310"/>
+                    </a:lnTo>
+                    <a:lnTo>
+                      <a:pt x="7" y="311"/>
+                    </a:lnTo>
+                    <a:cubicBezTo>
+                      <a:pt x="0" y="325"/>
+                      <a:pt x="1" y="343"/>
+                      <a:pt x="10" y="357"/>
+                    </a:cubicBezTo>
+                    <a:cubicBezTo>
+                      <a:pt x="21" y="373"/>
+                      <a:pt x="35" y="380"/>
+                      <a:pt x="49" y="380"/>
+                    </a:cubicBezTo>
+                    <a:lnTo>
+                      <a:pt x="350" y="380"/>
+                    </a:lnTo>
+                    <a:cubicBezTo>
+                      <a:pt x="367" y="380"/>
+                      <a:pt x="382" y="371"/>
+                      <a:pt x="391" y="357"/>
+                    </a:cubicBezTo>
+                    <a:cubicBezTo>
+                      <a:pt x="400" y="343"/>
+                      <a:pt x="399" y="325"/>
+                      <a:pt x="392" y="311"/>
+                    </a:cubicBezTo>
+                    <a:cubicBezTo>
+                      <a:pt x="340" y="211"/>
+                      <a:pt x="287" y="110"/>
+                      <a:pt x="242" y="25"/>
+                    </a:cubicBezTo>
+                    <a:lnTo>
+                      <a:pt x="242" y="25"/>
+                    </a:lnTo>
+                    <a:lnTo>
+                      <a:pt x="242" y="25"/>
+                    </a:lnTo>
+                    <a:cubicBezTo>
+                      <a:pt x="233" y="9"/>
+                      <a:pt x="217" y="0"/>
+                      <a:pt x="199" y="0"/>
+                    </a:cubicBezTo>
+                    <a:close/>
+                    <a:moveTo>
+                      <a:pt x="199" y="17"/>
+                    </a:moveTo>
+                    <a:cubicBezTo>
+                      <a:pt x="210" y="17"/>
+                      <a:pt x="221" y="24"/>
+                      <a:pt x="226" y="34"/>
+                    </a:cubicBezTo>
+                    <a:cubicBezTo>
+                      <a:pt x="276" y="129"/>
+                      <a:pt x="326" y="223"/>
+                      <a:pt x="376" y="318"/>
+                    </a:cubicBezTo>
+                    <a:cubicBezTo>
+                      <a:pt x="383" y="332"/>
+                      <a:pt x="380" y="340"/>
+                      <a:pt x="376" y="348"/>
+                    </a:cubicBezTo>
+                    <a:cubicBezTo>
+                      <a:pt x="370" y="356"/>
+                      <a:pt x="360" y="363"/>
+                      <a:pt x="350" y="363"/>
+                    </a:cubicBezTo>
+                    <a:lnTo>
+                      <a:pt x="49" y="363"/>
+                    </a:lnTo>
+                    <a:cubicBezTo>
+                      <a:pt x="35" y="362"/>
+                      <a:pt x="28" y="353"/>
+                      <a:pt x="23" y="346"/>
+                    </a:cubicBezTo>
+                    <a:cubicBezTo>
+                      <a:pt x="19" y="340"/>
+                      <a:pt x="19" y="327"/>
+                      <a:pt x="23" y="318"/>
+                    </a:cubicBezTo>
+                    <a:lnTo>
+                      <a:pt x="174" y="33"/>
+                    </a:lnTo>
+                    <a:cubicBezTo>
+                      <a:pt x="179" y="23"/>
+                      <a:pt x="189" y="17"/>
+                      <a:pt x="199" y="17"/>
+                    </a:cubicBezTo>
+                    <a:close/>
+                    <a:moveTo>
+                      <a:pt x="183" y="81"/>
+                    </a:moveTo>
+                    <a:cubicBezTo>
+                      <a:pt x="176" y="81"/>
+                      <a:pt x="170" y="84"/>
+                      <a:pt x="167" y="88"/>
+                    </a:cubicBezTo>
+                    <a:cubicBezTo>
+                      <a:pt x="164" y="93"/>
+                      <a:pt x="163" y="95"/>
+                      <a:pt x="163" y="103"/>
+                    </a:cubicBezTo>
+                    <a:lnTo>
+                      <a:pt x="170" y="228"/>
+                    </a:lnTo>
+                    <a:cubicBezTo>
+                      <a:pt x="170" y="234"/>
+                      <a:pt x="173" y="240"/>
+                      <a:pt x="177" y="243"/>
+                    </a:cubicBezTo>
+                    <a:cubicBezTo>
+                      <a:pt x="181" y="247"/>
+                      <a:pt x="186" y="247"/>
+                      <a:pt x="191" y="247"/>
+                    </a:cubicBezTo>
+                    <a:lnTo>
+                      <a:pt x="208" y="247"/>
+                    </a:lnTo>
+                    <a:cubicBezTo>
+                      <a:pt x="212" y="247"/>
+                      <a:pt x="218" y="247"/>
+                      <a:pt x="222" y="243"/>
+                    </a:cubicBezTo>
+                    <a:cubicBezTo>
+                      <a:pt x="226" y="239"/>
+                      <a:pt x="228" y="236"/>
+                      <a:pt x="229" y="228"/>
+                    </a:cubicBezTo>
+                    <a:lnTo>
+                      <a:pt x="236" y="107"/>
+                    </a:lnTo>
+                    <a:lnTo>
+                      <a:pt x="236" y="100"/>
+                    </a:lnTo>
+                    <a:cubicBezTo>
+                      <a:pt x="236" y="97"/>
+                      <a:pt x="236" y="92"/>
+                      <a:pt x="232" y="88"/>
+                    </a:cubicBezTo>
+                    <a:cubicBezTo>
+                      <a:pt x="229" y="84"/>
+                      <a:pt x="223" y="81"/>
+                      <a:pt x="216" y="81"/>
+                    </a:cubicBezTo>
+                    <a:lnTo>
+                      <a:pt x="183" y="81"/>
+                    </a:lnTo>
+                    <a:close/>
+                    <a:moveTo>
+                      <a:pt x="218" y="102"/>
+                    </a:moveTo>
+                    <a:cubicBezTo>
+                      <a:pt x="216" y="144"/>
+                      <a:pt x="214" y="185"/>
+                      <a:pt x="211" y="227"/>
+                    </a:cubicBezTo>
+                    <a:cubicBezTo>
+                      <a:pt x="211" y="230"/>
+                      <a:pt x="211" y="230"/>
+                      <a:pt x="208" y="230"/>
+                    </a:cubicBezTo>
+                    <a:lnTo>
+                      <a:pt x="191" y="230"/>
+                    </a:lnTo>
+                    <a:cubicBezTo>
+                      <a:pt x="187" y="230"/>
+                      <a:pt x="188" y="229"/>
+                      <a:pt x="187" y="227"/>
+                    </a:cubicBezTo>
+                    <a:cubicBezTo>
+                      <a:pt x="187" y="227"/>
+                      <a:pt x="181" y="103"/>
+                      <a:pt x="181" y="102"/>
+                    </a:cubicBezTo>
+                    <a:cubicBezTo>
+                      <a:pt x="181" y="100"/>
+                      <a:pt x="181" y="99"/>
+                      <a:pt x="183" y="99"/>
+                    </a:cubicBezTo>
+                    <a:lnTo>
+                      <a:pt x="216" y="99"/>
+                    </a:lnTo>
+                    <a:cubicBezTo>
+                      <a:pt x="219" y="99"/>
+                      <a:pt x="218" y="100"/>
+                      <a:pt x="218" y="102"/>
+                    </a:cubicBezTo>
+                    <a:close/>
+                    <a:moveTo>
+                      <a:pt x="200" y="257"/>
+                    </a:moveTo>
+                    <a:cubicBezTo>
+                      <a:pt x="177" y="257"/>
+                      <a:pt x="160" y="276"/>
+                      <a:pt x="160" y="298"/>
+                    </a:cubicBezTo>
+                    <a:cubicBezTo>
+                      <a:pt x="160" y="320"/>
+                      <a:pt x="178" y="338"/>
+                      <a:pt x="200" y="338"/>
+                    </a:cubicBezTo>
+                    <a:cubicBezTo>
+                      <a:pt x="221" y="338"/>
+                      <a:pt x="240" y="320"/>
+                      <a:pt x="240" y="298"/>
+                    </a:cubicBezTo>
+                    <a:cubicBezTo>
+                      <a:pt x="240" y="276"/>
+                      <a:pt x="222" y="257"/>
+                      <a:pt x="200" y="257"/>
+                    </a:cubicBezTo>
+                    <a:close/>
+                    <a:moveTo>
+                      <a:pt x="200" y="275"/>
+                    </a:moveTo>
+                    <a:cubicBezTo>
+                      <a:pt x="212" y="275"/>
+                      <a:pt x="222" y="285"/>
+                      <a:pt x="222" y="298"/>
+                    </a:cubicBezTo>
+                    <a:cubicBezTo>
+                      <a:pt x="222" y="309"/>
+                      <a:pt x="211" y="320"/>
+                      <a:pt x="200" y="320"/>
+                    </a:cubicBezTo>
+                    <a:cubicBezTo>
+                      <a:pt x="187" y="320"/>
+                      <a:pt x="178" y="311"/>
+                      <a:pt x="178" y="298"/>
+                    </a:cubicBezTo>
+                    <a:cubicBezTo>
+                      <a:pt x="178" y="285"/>
+                      <a:pt x="187" y="275"/>
+                      <a:pt x="200" y="275"/>
+                    </a:cubicBezTo>
+                    <a:close/>
+                  </a:path>
+                </a:pathLst>
+              </a:custGeom>
+              <a:solidFill>
+                <a:srgbClr val="262626"/>
+              </a:solidFill>
+              <a:ln w="0">
+                <a:noFill/>
+                <a:prstDash val="solid"/>
+                <a:round/>
+                <a:headEnd/>
+                <a:tailEnd/>
+              </a:ln>
+              <a:extLst>
+                <a:ext uri="{91240B29-F687-4F45-9708-019B960494DF}">
+                  <a14:hiddenLine xmlns:a14="http://schemas.microsoft.com/office/drawing/2010/main" w="0">
+                    <a:solidFill>
+                      <a:prstClr val="black"/>
+                    </a:solidFill>
+                    <a:prstDash val="solid"/>
+                    <a:round/>
+                    <a:headEnd/>
+                    <a:tailEnd/>
+                  </a14:hiddenLine>
+                </a:ext>
+              </a:extLst>
+            </p:spPr>
+            <p:txBody>
+              <a:bodyPr vert="horz" wrap="square" lIns="91440" tIns="45720" rIns="91440" bIns="45720" numCol="1" anchor="t" anchorCtr="0" compatLnSpc="1">
+                <a:prstTxWarp prst="textNoShape">
+                  <a:avLst/>
+                </a:prstTxWarp>
+              </a:bodyPr>
+              <a:lstStyle>
+                <a:defPPr>
+                  <a:defRPr lang="en-US"/>
+                </a:defPPr>
+                <a:lvl1pPr marL="0" algn="l" defTabSz="914400" rtl="0" eaLnBrk="1" latinLnBrk="0" hangingPunct="1">
+                  <a:defRPr sz="1800" kern="1200">
+                    <a:solidFill>
+                      <a:schemeClr val="tx1"/>
+                    </a:solidFill>
+                    <a:latin typeface="+mn-lt"/>
+                    <a:ea typeface="+mn-ea"/>
+                    <a:cs typeface="+mn-cs"/>
+                  </a:defRPr>
+                </a:lvl1pPr>
+                <a:lvl2pPr marL="457200" algn="l" defTabSz="914400" rtl="0" eaLnBrk="1" latinLnBrk="0" hangingPunct="1">
+                  <a:defRPr sz="1800" kern="1200">
+                    <a:solidFill>
+                      <a:schemeClr val="tx1"/>
+                    </a:solidFill>
+                    <a:latin typeface="+mn-lt"/>
+                    <a:ea typeface="+mn-ea"/>
+                    <a:cs typeface="+mn-cs"/>
+                  </a:defRPr>
+                </a:lvl2pPr>
+                <a:lvl3pPr marL="914400" algn="l" defTabSz="914400" rtl="0" eaLnBrk="1" latinLnBrk="0" hangingPunct="1">
+                  <a:defRPr sz="1800" kern="1200">
+                    <a:solidFill>
+                      <a:schemeClr val="tx1"/>
+                    </a:solidFill>
+                    <a:latin typeface="+mn-lt"/>
+                    <a:ea typeface="+mn-ea"/>
+                    <a:cs typeface="+mn-cs"/>
+                  </a:defRPr>
+                </a:lvl3pPr>
+                <a:lvl4pPr marL="1371600" algn="l" defTabSz="914400" rtl="0" eaLnBrk="1" latinLnBrk="0" hangingPunct="1">
+                  <a:defRPr sz="1800" kern="1200">
+                    <a:solidFill>
+                      <a:schemeClr val="tx1"/>
+                    </a:solidFill>
+                    <a:latin typeface="+mn-lt"/>
+                    <a:ea typeface="+mn-ea"/>
+                    <a:cs typeface="+mn-cs"/>
+                  </a:defRPr>
+                </a:lvl4pPr>
+                <a:lvl5pPr marL="1828800" algn="l" defTabSz="914400" rtl="0" eaLnBrk="1" latinLnBrk="0" hangingPunct="1">
+                  <a:defRPr sz="1800" kern="1200">
+                    <a:solidFill>
+                      <a:schemeClr val="tx1"/>
+                    </a:solidFill>
+                    <a:latin typeface="+mn-lt"/>
+                    <a:ea typeface="+mn-ea"/>
+                    <a:cs typeface="+mn-cs"/>
+                  </a:defRPr>
+                </a:lvl5pPr>
+                <a:lvl6pPr marL="2286000" algn="l" defTabSz="914400" rtl="0" eaLnBrk="1" latinLnBrk="0" hangingPunct="1">
+                  <a:defRPr sz="1800" kern="1200">
+                    <a:solidFill>
+                      <a:schemeClr val="tx1"/>
+                    </a:solidFill>
+                    <a:latin typeface="+mn-lt"/>
+                    <a:ea typeface="+mn-ea"/>
+                    <a:cs typeface="+mn-cs"/>
+                  </a:defRPr>
+                </a:lvl6pPr>
+                <a:lvl7pPr marL="2743200" algn="l" defTabSz="914400" rtl="0" eaLnBrk="1" latinLnBrk="0" hangingPunct="1">
+                  <a:defRPr sz="1800" kern="1200">
+                    <a:solidFill>
+                      <a:schemeClr val="tx1"/>
+                    </a:solidFill>
+                    <a:latin typeface="+mn-lt"/>
+                    <a:ea typeface="+mn-ea"/>
+                    <a:cs typeface="+mn-cs"/>
+                  </a:defRPr>
+                </a:lvl7pPr>
+                <a:lvl8pPr marL="3200400" algn="l" defTabSz="914400" rtl="0" eaLnBrk="1" latinLnBrk="0" hangingPunct="1">
+                  <a:defRPr sz="1800" kern="1200">
+                    <a:solidFill>
+                      <a:schemeClr val="tx1"/>
+                    </a:solidFill>
+                    <a:latin typeface="+mn-lt"/>
+                    <a:ea typeface="+mn-ea"/>
+                    <a:cs typeface="+mn-cs"/>
+                  </a:defRPr>
+                </a:lvl8pPr>
+                <a:lvl9pPr marL="3657600" algn="l" defTabSz="914400" rtl="0" eaLnBrk="1" latinLnBrk="0" hangingPunct="1">
+                  <a:defRPr sz="1800" kern="1200">
+                    <a:solidFill>
+                      <a:schemeClr val="tx1"/>
+                    </a:solidFill>
+                    <a:latin typeface="+mn-lt"/>
+                    <a:ea typeface="+mn-ea"/>
+                    <a:cs typeface="+mn-cs"/>
+                  </a:defRPr>
+                </a:lvl9pPr>
+              </a:lstStyle>
+              <a:p>
+                <a:endParaRPr lang="en-US" sz="900">
+                  <a:solidFill>
+                    <a:srgbClr val="262626"/>
+                  </a:solidFill>
+                  <a:latin typeface="Calibri" pitchFamily="34" charset="0"/>
+                  <a:cs typeface="Calibri" pitchFamily="34" charset="0"/>
+                </a:endParaRPr>
+              </a:p>
+            </p:txBody>
+          </p:sp>
+          <p:sp>
+            <p:nvSpPr>
+              <p:cNvPr id="11" name="Info Icon"/>
+              <p:cNvSpPr>
+                <a:spLocks noChangeAspect="1" noEditPoints="1"/>
+              </p:cNvSpPr>
+              <p:nvPr>
+                <p:custDataLst>
+                  <p:tags r:id="rId19"/>
+                </p:custDataLst>
+              </p:nvPr>
+            </p:nvSpPr>
+            <p:spPr bwMode="auto">
+              <a:xfrm>
+                <a:off x="669896" y="1598162"/>
+                <a:ext cx="224422" cy="103780"/>
+              </a:xfrm>
+              <a:custGeom>
+                <a:avLst/>
+                <a:gdLst>
+                  <a:gd name="T0" fmla="*/ 0 w 395"/>
+                  <a:gd name="T1" fmla="*/ 197 h 395"/>
+                  <a:gd name="T2" fmla="*/ 395 w 395"/>
+                  <a:gd name="T3" fmla="*/ 197 h 395"/>
+                  <a:gd name="T4" fmla="*/ 198 w 395"/>
+                  <a:gd name="T5" fmla="*/ 17 h 395"/>
+                  <a:gd name="T6" fmla="*/ 198 w 395"/>
+                  <a:gd name="T7" fmla="*/ 377 h 395"/>
+                  <a:gd name="T8" fmla="*/ 198 w 395"/>
+                  <a:gd name="T9" fmla="*/ 17 h 395"/>
+                  <a:gd name="T10" fmla="*/ 155 w 395"/>
+                  <a:gd name="T11" fmla="*/ 94 h 395"/>
+                  <a:gd name="T12" fmla="*/ 240 w 395"/>
+                  <a:gd name="T13" fmla="*/ 94 h 395"/>
+                  <a:gd name="T14" fmla="*/ 198 w 395"/>
+                  <a:gd name="T15" fmla="*/ 68 h 395"/>
+                  <a:gd name="T16" fmla="*/ 198 w 395"/>
+                  <a:gd name="T17" fmla="*/ 120 h 395"/>
+                  <a:gd name="T18" fmla="*/ 198 w 395"/>
+                  <a:gd name="T19" fmla="*/ 68 h 395"/>
+                  <a:gd name="T20" fmla="*/ 140 w 395"/>
+                  <a:gd name="T21" fmla="*/ 147 h 395"/>
+                  <a:gd name="T22" fmla="*/ 135 w 395"/>
+                  <a:gd name="T23" fmla="*/ 184 h 395"/>
+                  <a:gd name="T24" fmla="*/ 155 w 395"/>
+                  <a:gd name="T25" fmla="*/ 203 h 395"/>
+                  <a:gd name="T26" fmla="*/ 162 w 395"/>
+                  <a:gd name="T27" fmla="*/ 282 h 395"/>
+                  <a:gd name="T28" fmla="*/ 140 w 395"/>
+                  <a:gd name="T29" fmla="*/ 288 h 395"/>
+                  <a:gd name="T30" fmla="*/ 136 w 395"/>
+                  <a:gd name="T31" fmla="*/ 324 h 395"/>
+                  <a:gd name="T32" fmla="*/ 155 w 395"/>
+                  <a:gd name="T33" fmla="*/ 344 h 395"/>
+                  <a:gd name="T34" fmla="*/ 256 w 395"/>
+                  <a:gd name="T35" fmla="*/ 338 h 395"/>
+                  <a:gd name="T36" fmla="*/ 260 w 395"/>
+                  <a:gd name="T37" fmla="*/ 302 h 395"/>
+                  <a:gd name="T38" fmla="*/ 241 w 395"/>
+                  <a:gd name="T39" fmla="*/ 282 h 395"/>
+                  <a:gd name="T40" fmla="*/ 234 w 395"/>
+                  <a:gd name="T41" fmla="*/ 162 h 395"/>
+                  <a:gd name="T42" fmla="*/ 215 w 395"/>
+                  <a:gd name="T43" fmla="*/ 142 h 395"/>
+                  <a:gd name="T44" fmla="*/ 215 w 395"/>
+                  <a:gd name="T45" fmla="*/ 160 h 395"/>
+                  <a:gd name="T46" fmla="*/ 216 w 395"/>
+                  <a:gd name="T47" fmla="*/ 300 h 395"/>
+                  <a:gd name="T48" fmla="*/ 243 w 395"/>
+                  <a:gd name="T49" fmla="*/ 302 h 395"/>
+                  <a:gd name="T50" fmla="*/ 241 w 395"/>
+                  <a:gd name="T51" fmla="*/ 326 h 395"/>
+                  <a:gd name="T52" fmla="*/ 153 w 395"/>
+                  <a:gd name="T53" fmla="*/ 325 h 395"/>
+                  <a:gd name="T54" fmla="*/ 155 w 395"/>
+                  <a:gd name="T55" fmla="*/ 300 h 395"/>
+                  <a:gd name="T56" fmla="*/ 180 w 395"/>
+                  <a:gd name="T57" fmla="*/ 300 h 395"/>
+                  <a:gd name="T58" fmla="*/ 155 w 395"/>
+                  <a:gd name="T59" fmla="*/ 186 h 395"/>
+                  <a:gd name="T60" fmla="*/ 153 w 395"/>
+                  <a:gd name="T61" fmla="*/ 162 h 395"/>
+                  <a:gd name="T62" fmla="*/ 215 w 395"/>
+                  <a:gd name="T63" fmla="*/ 160 h 395"/>
+                </a:gdLst>
+                <a:ahLst/>
+                <a:cxnLst>
+                  <a:cxn ang="0">
+                    <a:pos x="T0" y="T1"/>
+                  </a:cxn>
+                  <a:cxn ang="0">
+                    <a:pos x="T2" y="T3"/>
+                  </a:cxn>
+                  <a:cxn ang="0">
+                    <a:pos x="T4" y="T5"/>
+                  </a:cxn>
+                  <a:cxn ang="0">
+                    <a:pos x="T6" y="T7"/>
+                  </a:cxn>
+                  <a:cxn ang="0">
+                    <a:pos x="T8" y="T9"/>
+                  </a:cxn>
+                  <a:cxn ang="0">
+                    <a:pos x="T10" y="T11"/>
+                  </a:cxn>
+                  <a:cxn ang="0">
+                    <a:pos x="T12" y="T13"/>
+                  </a:cxn>
+                  <a:cxn ang="0">
+                    <a:pos x="T14" y="T15"/>
+                  </a:cxn>
+                  <a:cxn ang="0">
+                    <a:pos x="T16" y="T17"/>
+                  </a:cxn>
+                  <a:cxn ang="0">
+                    <a:pos x="T18" y="T19"/>
+                  </a:cxn>
+                  <a:cxn ang="0">
+                    <a:pos x="T20" y="T21"/>
+                  </a:cxn>
+                  <a:cxn ang="0">
+                    <a:pos x="T22" y="T23"/>
+                  </a:cxn>
+                  <a:cxn ang="0">
+                    <a:pos x="T24" y="T25"/>
+                  </a:cxn>
+                  <a:cxn ang="0">
+                    <a:pos x="T26" y="T27"/>
+                  </a:cxn>
+                  <a:cxn ang="0">
+                    <a:pos x="T28" y="T29"/>
+                  </a:cxn>
+                  <a:cxn ang="0">
+                    <a:pos x="T30" y="T31"/>
+                  </a:cxn>
+                  <a:cxn ang="0">
+                    <a:pos x="T32" y="T33"/>
+                  </a:cxn>
+                  <a:cxn ang="0">
+                    <a:pos x="T34" y="T35"/>
+                  </a:cxn>
+                  <a:cxn ang="0">
+                    <a:pos x="T36" y="T37"/>
+                  </a:cxn>
+                  <a:cxn ang="0">
+                    <a:pos x="T38" y="T39"/>
+                  </a:cxn>
+                  <a:cxn ang="0">
+                    <a:pos x="T40" y="T41"/>
+                  </a:cxn>
+                  <a:cxn ang="0">
+                    <a:pos x="T42" y="T43"/>
+                  </a:cxn>
+                  <a:cxn ang="0">
+                    <a:pos x="T44" y="T45"/>
+                  </a:cxn>
+                  <a:cxn ang="0">
+                    <a:pos x="T46" y="T47"/>
+                  </a:cxn>
+                  <a:cxn ang="0">
+                    <a:pos x="T48" y="T49"/>
+                  </a:cxn>
+                  <a:cxn ang="0">
+                    <a:pos x="T50" y="T51"/>
+                  </a:cxn>
+                  <a:cxn ang="0">
+                    <a:pos x="T52" y="T53"/>
+                  </a:cxn>
+                  <a:cxn ang="0">
+                    <a:pos x="T54" y="T55"/>
+                  </a:cxn>
+                  <a:cxn ang="0">
+                    <a:pos x="T56" y="T57"/>
+                  </a:cxn>
+                  <a:cxn ang="0">
+                    <a:pos x="T58" y="T59"/>
+                  </a:cxn>
+                  <a:cxn ang="0">
+                    <a:pos x="T60" y="T61"/>
+                  </a:cxn>
+                  <a:cxn ang="0">
+                    <a:pos x="T62" y="T63"/>
+                  </a:cxn>
+                </a:cxnLst>
+                <a:rect l="0" t="0" r="r" b="b"/>
+                <a:pathLst>
+                  <a:path w="395" h="395">
+                    <a:moveTo>
+                      <a:pt x="198" y="0"/>
+                    </a:moveTo>
+                    <a:cubicBezTo>
+                      <a:pt x="89" y="0"/>
+                      <a:pt x="0" y="88"/>
+                      <a:pt x="0" y="197"/>
+                    </a:cubicBezTo>
+                    <a:cubicBezTo>
+                      <a:pt x="0" y="306"/>
+                      <a:pt x="89" y="395"/>
+                      <a:pt x="198" y="395"/>
+                    </a:cubicBezTo>
+                    <a:cubicBezTo>
+                      <a:pt x="307" y="395"/>
+                      <a:pt x="395" y="306"/>
+                      <a:pt x="395" y="197"/>
+                    </a:cubicBezTo>
+                    <a:cubicBezTo>
+                      <a:pt x="395" y="88"/>
+                      <a:pt x="307" y="0"/>
+                      <a:pt x="198" y="0"/>
+                    </a:cubicBezTo>
+                    <a:close/>
+                    <a:moveTo>
+                      <a:pt x="198" y="17"/>
+                    </a:moveTo>
+                    <a:cubicBezTo>
+                      <a:pt x="297" y="17"/>
+                      <a:pt x="378" y="98"/>
+                      <a:pt x="378" y="197"/>
+                    </a:cubicBezTo>
+                    <a:cubicBezTo>
+                      <a:pt x="378" y="297"/>
+                      <a:pt x="297" y="377"/>
+                      <a:pt x="198" y="377"/>
+                    </a:cubicBezTo>
+                    <a:cubicBezTo>
+                      <a:pt x="98" y="377"/>
+                      <a:pt x="18" y="297"/>
+                      <a:pt x="18" y="197"/>
+                    </a:cubicBezTo>
+                    <a:cubicBezTo>
+                      <a:pt x="18" y="98"/>
+                      <a:pt x="98" y="17"/>
+                      <a:pt x="198" y="17"/>
+                    </a:cubicBezTo>
+                    <a:close/>
+                    <a:moveTo>
+                      <a:pt x="198" y="50"/>
+                    </a:moveTo>
+                    <a:cubicBezTo>
+                      <a:pt x="174" y="50"/>
+                      <a:pt x="155" y="70"/>
+                      <a:pt x="155" y="94"/>
+                    </a:cubicBezTo>
+                    <a:cubicBezTo>
+                      <a:pt x="155" y="118"/>
+                      <a:pt x="175" y="138"/>
+                      <a:pt x="198" y="138"/>
+                    </a:cubicBezTo>
+                    <a:cubicBezTo>
+                      <a:pt x="222" y="138"/>
+                      <a:pt x="240" y="118"/>
+                      <a:pt x="240" y="94"/>
+                    </a:cubicBezTo>
+                    <a:cubicBezTo>
+                      <a:pt x="240" y="70"/>
+                      <a:pt x="222" y="50"/>
+                      <a:pt x="198" y="50"/>
+                    </a:cubicBezTo>
+                    <a:close/>
+                    <a:moveTo>
+                      <a:pt x="198" y="68"/>
+                    </a:moveTo>
+                    <a:cubicBezTo>
+                      <a:pt x="212" y="68"/>
+                      <a:pt x="223" y="80"/>
+                      <a:pt x="223" y="94"/>
+                    </a:cubicBezTo>
+                    <a:cubicBezTo>
+                      <a:pt x="223" y="109"/>
+                      <a:pt x="212" y="120"/>
+                      <a:pt x="198" y="120"/>
+                    </a:cubicBezTo>
+                    <a:cubicBezTo>
+                      <a:pt x="184" y="120"/>
+                      <a:pt x="173" y="109"/>
+                      <a:pt x="173" y="94"/>
+                    </a:cubicBezTo>
+                    <a:cubicBezTo>
+                      <a:pt x="173" y="79"/>
+                      <a:pt x="184" y="68"/>
+                      <a:pt x="198" y="68"/>
+                    </a:cubicBezTo>
+                    <a:close/>
+                    <a:moveTo>
+                      <a:pt x="155" y="142"/>
+                    </a:moveTo>
+                    <a:cubicBezTo>
+                      <a:pt x="150" y="142"/>
+                      <a:pt x="144" y="143"/>
+                      <a:pt x="140" y="147"/>
+                    </a:cubicBezTo>
+                    <a:cubicBezTo>
+                      <a:pt x="137" y="151"/>
+                      <a:pt x="135" y="157"/>
+                      <a:pt x="135" y="162"/>
+                    </a:cubicBezTo>
+                    <a:lnTo>
+                      <a:pt x="135" y="184"/>
+                    </a:lnTo>
+                    <a:cubicBezTo>
+                      <a:pt x="135" y="189"/>
+                      <a:pt x="137" y="195"/>
+                      <a:pt x="141" y="199"/>
+                    </a:cubicBezTo>
+                    <a:cubicBezTo>
+                      <a:pt x="145" y="202"/>
+                      <a:pt x="150" y="203"/>
+                      <a:pt x="155" y="203"/>
+                    </a:cubicBezTo>
+                    <a:lnTo>
+                      <a:pt x="162" y="203"/>
+                    </a:lnTo>
+                    <a:lnTo>
+                      <a:pt x="162" y="282"/>
+                    </a:lnTo>
+                    <a:lnTo>
+                      <a:pt x="155" y="282"/>
+                    </a:lnTo>
+                    <a:cubicBezTo>
+                      <a:pt x="150" y="282"/>
+                      <a:pt x="144" y="283"/>
+                      <a:pt x="140" y="288"/>
+                    </a:cubicBezTo>
+                    <a:cubicBezTo>
+                      <a:pt x="137" y="292"/>
+                      <a:pt x="136" y="297"/>
+                      <a:pt x="136" y="302"/>
+                    </a:cubicBezTo>
+                    <a:lnTo>
+                      <a:pt x="136" y="324"/>
+                    </a:lnTo>
+                    <a:cubicBezTo>
+                      <a:pt x="136" y="329"/>
+                      <a:pt x="137" y="334"/>
+                      <a:pt x="140" y="338"/>
+                    </a:cubicBezTo>
+                    <a:cubicBezTo>
+                      <a:pt x="144" y="342"/>
+                      <a:pt x="150" y="344"/>
+                      <a:pt x="155" y="344"/>
+                    </a:cubicBezTo>
+                    <a:lnTo>
+                      <a:pt x="241" y="344"/>
+                    </a:lnTo>
+                    <a:cubicBezTo>
+                      <a:pt x="247" y="344"/>
+                      <a:pt x="252" y="342"/>
+                      <a:pt x="256" y="338"/>
+                    </a:cubicBezTo>
+                    <a:cubicBezTo>
+                      <a:pt x="259" y="334"/>
+                      <a:pt x="260" y="329"/>
+                      <a:pt x="260" y="324"/>
+                    </a:cubicBezTo>
+                    <a:lnTo>
+                      <a:pt x="260" y="302"/>
+                    </a:lnTo>
+                    <a:cubicBezTo>
+                      <a:pt x="260" y="297"/>
+                      <a:pt x="259" y="292"/>
+                      <a:pt x="256" y="288"/>
+                    </a:cubicBezTo>
+                    <a:cubicBezTo>
+                      <a:pt x="252" y="283"/>
+                      <a:pt x="247" y="282"/>
+                      <a:pt x="241" y="282"/>
+                    </a:cubicBezTo>
+                    <a:lnTo>
+                      <a:pt x="234" y="282"/>
+                    </a:lnTo>
+                    <a:lnTo>
+                      <a:pt x="234" y="162"/>
+                    </a:lnTo>
+                    <a:cubicBezTo>
+                      <a:pt x="234" y="157"/>
+                      <a:pt x="233" y="152"/>
+                      <a:pt x="229" y="148"/>
+                    </a:cubicBezTo>
+                    <a:cubicBezTo>
+                      <a:pt x="226" y="144"/>
+                      <a:pt x="220" y="142"/>
+                      <a:pt x="215" y="142"/>
+                    </a:cubicBezTo>
+                    <a:lnTo>
+                      <a:pt x="155" y="142"/>
+                    </a:lnTo>
+                    <a:close/>
+                    <a:moveTo>
+                      <a:pt x="215" y="160"/>
+                    </a:moveTo>
+                    <a:cubicBezTo>
+                      <a:pt x="217" y="160"/>
+                      <a:pt x="216" y="161"/>
+                      <a:pt x="216" y="162"/>
+                    </a:cubicBezTo>
+                    <a:lnTo>
+                      <a:pt x="216" y="300"/>
+                    </a:lnTo>
+                    <a:lnTo>
+                      <a:pt x="241" y="300"/>
+                    </a:lnTo>
+                    <a:cubicBezTo>
+                      <a:pt x="243" y="299"/>
+                      <a:pt x="243" y="301"/>
+                      <a:pt x="243" y="302"/>
+                    </a:cubicBezTo>
+                    <a:cubicBezTo>
+                      <a:pt x="243" y="302"/>
+                      <a:pt x="243" y="324"/>
+                      <a:pt x="243" y="325"/>
+                    </a:cubicBezTo>
+                    <a:cubicBezTo>
+                      <a:pt x="243" y="326"/>
+                      <a:pt x="242" y="326"/>
+                      <a:pt x="241" y="326"/>
+                    </a:cubicBezTo>
+                    <a:cubicBezTo>
+                      <a:pt x="241" y="326"/>
+                      <a:pt x="155" y="326"/>
+                      <a:pt x="155" y="326"/>
+                    </a:cubicBezTo>
+                    <a:cubicBezTo>
+                      <a:pt x="153" y="327"/>
+                      <a:pt x="153" y="326"/>
+                      <a:pt x="153" y="325"/>
+                    </a:cubicBezTo>
+                    <a:lnTo>
+                      <a:pt x="153" y="301"/>
+                    </a:lnTo>
+                    <a:cubicBezTo>
+                      <a:pt x="153" y="300"/>
+                      <a:pt x="153" y="300"/>
+                      <a:pt x="155" y="300"/>
+                    </a:cubicBezTo>
+                    <a:lnTo>
+                      <a:pt x="171" y="299"/>
+                    </a:lnTo>
+                    <a:lnTo>
+                      <a:pt x="180" y="300"/>
+                    </a:lnTo>
+                    <a:lnTo>
+                      <a:pt x="180" y="186"/>
+                    </a:lnTo>
+                    <a:lnTo>
+                      <a:pt x="155" y="186"/>
+                    </a:lnTo>
+                    <a:cubicBezTo>
+                      <a:pt x="153" y="186"/>
+                      <a:pt x="153" y="186"/>
+                      <a:pt x="153" y="184"/>
+                    </a:cubicBezTo>
+                    <a:lnTo>
+                      <a:pt x="153" y="162"/>
+                    </a:lnTo>
+                    <a:cubicBezTo>
+                      <a:pt x="153" y="160"/>
+                      <a:pt x="153" y="160"/>
+                      <a:pt x="155" y="160"/>
+                    </a:cubicBezTo>
+                    <a:lnTo>
+                      <a:pt x="215" y="160"/>
+                    </a:lnTo>
+                    <a:cubicBezTo>
+                      <a:pt x="215" y="160"/>
+                      <a:pt x="215" y="160"/>
+                      <a:pt x="215" y="160"/>
+                    </a:cubicBezTo>
+                    <a:close/>
+                  </a:path>
+                </a:pathLst>
+              </a:custGeom>
+              <a:solidFill>
+                <a:srgbClr val="262626"/>
+              </a:solidFill>
+              <a:ln w="0">
+                <a:noFill/>
+                <a:prstDash val="solid"/>
+                <a:round/>
+                <a:headEnd/>
+                <a:tailEnd/>
+              </a:ln>
+              <a:extLst>
+                <a:ext uri="{91240B29-F687-4F45-9708-019B960494DF}">
+                  <a14:hiddenLine xmlns:a14="http://schemas.microsoft.com/office/drawing/2010/main" w="0">
+                    <a:solidFill>
+                      <a:prstClr val="black"/>
+                    </a:solidFill>
+                    <a:prstDash val="solid"/>
+                    <a:round/>
+                    <a:headEnd/>
+                    <a:tailEnd/>
+                  </a14:hiddenLine>
+                </a:ext>
+              </a:extLst>
+            </p:spPr>
+            <p:txBody>
+              <a:bodyPr vert="horz" wrap="square" lIns="91440" tIns="45720" rIns="91440" bIns="45720" numCol="1" anchor="t" anchorCtr="0" compatLnSpc="1">
+                <a:prstTxWarp prst="textNoShape">
+                  <a:avLst/>
+                </a:prstTxWarp>
+              </a:bodyPr>
+              <a:lstStyle>
+                <a:defPPr>
+                  <a:defRPr lang="en-US"/>
+                </a:defPPr>
+                <a:lvl1pPr marL="0" algn="l" defTabSz="914400" rtl="0" eaLnBrk="1" latinLnBrk="0" hangingPunct="1">
+                  <a:defRPr sz="1800" kern="1200">
+                    <a:solidFill>
+                      <a:schemeClr val="tx1"/>
+                    </a:solidFill>
+                    <a:latin typeface="+mn-lt"/>
+                    <a:ea typeface="+mn-ea"/>
+                    <a:cs typeface="+mn-cs"/>
+                  </a:defRPr>
+                </a:lvl1pPr>
+                <a:lvl2pPr marL="457200" algn="l" defTabSz="914400" rtl="0" eaLnBrk="1" latinLnBrk="0" hangingPunct="1">
+                  <a:defRPr sz="1800" kern="1200">
+                    <a:solidFill>
+                      <a:schemeClr val="tx1"/>
+                    </a:solidFill>
+                    <a:latin typeface="+mn-lt"/>
+                    <a:ea typeface="+mn-ea"/>
+                    <a:cs typeface="+mn-cs"/>
+                  </a:defRPr>
+                </a:lvl2pPr>
+                <a:lvl3pPr marL="914400" algn="l" defTabSz="914400" rtl="0" eaLnBrk="1" latinLnBrk="0" hangingPunct="1">
+                  <a:defRPr sz="1800" kern="1200">
+                    <a:solidFill>
+                      <a:schemeClr val="tx1"/>
+                    </a:solidFill>
+                    <a:latin typeface="+mn-lt"/>
+                    <a:ea typeface="+mn-ea"/>
+                    <a:cs typeface="+mn-cs"/>
+                  </a:defRPr>
+                </a:lvl3pPr>
+                <a:lvl4pPr marL="1371600" algn="l" defTabSz="914400" rtl="0" eaLnBrk="1" latinLnBrk="0" hangingPunct="1">
+                  <a:defRPr sz="1800" kern="1200">
+                    <a:solidFill>
+                      <a:schemeClr val="tx1"/>
+                    </a:solidFill>
+                    <a:latin typeface="+mn-lt"/>
+                    <a:ea typeface="+mn-ea"/>
+                    <a:cs typeface="+mn-cs"/>
+                  </a:defRPr>
+                </a:lvl4pPr>
+                <a:lvl5pPr marL="1828800" algn="l" defTabSz="914400" rtl="0" eaLnBrk="1" latinLnBrk="0" hangingPunct="1">
+                  <a:defRPr sz="1800" kern="1200">
+                    <a:solidFill>
+                      <a:schemeClr val="tx1"/>
+                    </a:solidFill>
+                    <a:latin typeface="+mn-lt"/>
+                    <a:ea typeface="+mn-ea"/>
+                    <a:cs typeface="+mn-cs"/>
+                  </a:defRPr>
+                </a:lvl5pPr>
+                <a:lvl6pPr marL="2286000" algn="l" defTabSz="914400" rtl="0" eaLnBrk="1" latinLnBrk="0" hangingPunct="1">
+                  <a:defRPr sz="1800" kern="1200">
+                    <a:solidFill>
+                      <a:schemeClr val="tx1"/>
+                    </a:solidFill>
+                    <a:latin typeface="+mn-lt"/>
+                    <a:ea typeface="+mn-ea"/>
+                    <a:cs typeface="+mn-cs"/>
+                  </a:defRPr>
+                </a:lvl6pPr>
+                <a:lvl7pPr marL="2743200" algn="l" defTabSz="914400" rtl="0" eaLnBrk="1" latinLnBrk="0" hangingPunct="1">
+                  <a:defRPr sz="1800" kern="1200">
+                    <a:solidFill>
+                      <a:schemeClr val="tx1"/>
+                    </a:solidFill>
+                    <a:latin typeface="+mn-lt"/>
+                    <a:ea typeface="+mn-ea"/>
+                    <a:cs typeface="+mn-cs"/>
+                  </a:defRPr>
+                </a:lvl7pPr>
+                <a:lvl8pPr marL="3200400" algn="l" defTabSz="914400" rtl="0" eaLnBrk="1" latinLnBrk="0" hangingPunct="1">
+                  <a:defRPr sz="1800" kern="1200">
+                    <a:solidFill>
+                      <a:schemeClr val="tx1"/>
+                    </a:solidFill>
+                    <a:latin typeface="+mn-lt"/>
+                    <a:ea typeface="+mn-ea"/>
+                    <a:cs typeface="+mn-cs"/>
+                  </a:defRPr>
+                </a:lvl8pPr>
+                <a:lvl9pPr marL="3657600" algn="l" defTabSz="914400" rtl="0" eaLnBrk="1" latinLnBrk="0" hangingPunct="1">
+                  <a:defRPr sz="1800" kern="1200">
+                    <a:solidFill>
+                      <a:schemeClr val="tx1"/>
+                    </a:solidFill>
+                    <a:latin typeface="+mn-lt"/>
+                    <a:ea typeface="+mn-ea"/>
+                    <a:cs typeface="+mn-cs"/>
+                  </a:defRPr>
+                </a:lvl9pPr>
+              </a:lstStyle>
+              <a:p>
+                <a:endParaRPr lang="en-US" sz="900">
+                  <a:solidFill>
+                    <a:srgbClr val="262626"/>
+                  </a:solidFill>
+                  <a:latin typeface="Calibri" pitchFamily="34" charset="0"/>
+                  <a:cs typeface="Calibri" pitchFamily="34" charset="0"/>
+                </a:endParaRPr>
+              </a:p>
+            </p:txBody>
+          </p:sp>
+        </p:grpSp>
+      </p:grpSp>
+      <p:grpSp>
+        <p:nvGrpSpPr>
+          <p:cNvPr id="15" name="Message Box"/>
+          <p:cNvGrpSpPr/>
+          <p:nvPr>
+            <p:custDataLst>
+              <p:tags r:id="rId2"/>
+            </p:custDataLst>
+          </p:nvPr>
+        </p:nvGrpSpPr>
+        <p:grpSpPr>
+          <a:xfrm>
+            <a:off x="5425440" y="982781"/>
+            <a:ext cx="3255607" cy="2423495"/>
+            <a:chOff x="1343945" y="928640"/>
+            <a:chExt cx="2917456" cy="1337672"/>
+          </a:xfrm>
+        </p:grpSpPr>
+        <p:sp>
+          <p:nvSpPr>
+            <p:cNvPr id="16" name="Dialog Outer"/>
+            <p:cNvSpPr/>
+            <p:nvPr>
+              <p:custDataLst>
+                <p:tags r:id="rId3"/>
+              </p:custDataLst>
+            </p:nvPr>
+          </p:nvSpPr>
+          <p:spPr>
+            <a:xfrm>
+              <a:off x="1343945" y="928640"/>
+              <a:ext cx="2917456" cy="1337672"/>
+            </a:xfrm>
+            <a:prstGeom prst="roundRect">
+              <a:avLst>
+                <a:gd name="adj" fmla="val 1508"/>
+              </a:avLst>
+            </a:prstGeom>
+            <a:solidFill>
+              <a:schemeClr val="bg1">
+                <a:lumMod val="50000"/>
+              </a:schemeClr>
+            </a:solidFill>
+            <a:ln w="6350">
+              <a:solidFill>
+                <a:srgbClr val="333333"/>
+              </a:solidFill>
+            </a:ln>
+          </p:spPr>
+          <p:style>
+            <a:lnRef idx="2">
+              <a:schemeClr val="accent1">
+                <a:shade val="50000"/>
+              </a:schemeClr>
+            </a:lnRef>
+            <a:fillRef idx="1">
+              <a:schemeClr val="accent1"/>
+            </a:fillRef>
+            <a:effectRef idx="0">
+              <a:schemeClr val="accent1"/>
+            </a:effectRef>
+            <a:fontRef idx="minor">
+              <a:schemeClr val="lt1"/>
+            </a:fontRef>
+          </p:style>
+          <p:txBody>
+            <a:bodyPr lIns="72000" tIns="28800" rIns="72000" bIns="28800" rtlCol="0" anchor="t" anchorCtr="0"/>
+            <a:lstStyle>
+              <a:defPPr>
+                <a:defRPr lang="en-US"/>
+              </a:defPPr>
+              <a:lvl1pPr marL="0" algn="l" defTabSz="914400" rtl="0" eaLnBrk="1" latinLnBrk="0" hangingPunct="1">
+                <a:defRPr sz="1800" kern="1200">
+                  <a:solidFill>
+                    <a:schemeClr val="lt1"/>
+                  </a:solidFill>
+                  <a:latin typeface="+mn-lt"/>
+                  <a:ea typeface="+mn-ea"/>
+                  <a:cs typeface="+mn-cs"/>
+                </a:defRPr>
+              </a:lvl1pPr>
+              <a:lvl2pPr marL="457200" algn="l" defTabSz="914400" rtl="0" eaLnBrk="1" latinLnBrk="0" hangingPunct="1">
+                <a:defRPr sz="1800" kern="1200">
+                  <a:solidFill>
+                    <a:schemeClr val="lt1"/>
+                  </a:solidFill>
+                  <a:latin typeface="+mn-lt"/>
+                  <a:ea typeface="+mn-ea"/>
+                  <a:cs typeface="+mn-cs"/>
+                </a:defRPr>
+              </a:lvl2pPr>
+              <a:lvl3pPr marL="914400" algn="l" defTabSz="914400" rtl="0" eaLnBrk="1" latinLnBrk="0" hangingPunct="1">
+                <a:defRPr sz="1800" kern="1200">
+                  <a:solidFill>
+                    <a:schemeClr val="lt1"/>
+                  </a:solidFill>
+                  <a:latin typeface="+mn-lt"/>
+                  <a:ea typeface="+mn-ea"/>
+                  <a:cs typeface="+mn-cs"/>
+                </a:defRPr>
+              </a:lvl3pPr>
+              <a:lvl4pPr marL="1371600" algn="l" defTabSz="914400" rtl="0" eaLnBrk="1" latinLnBrk="0" hangingPunct="1">
+                <a:defRPr sz="1800" kern="1200">
+                  <a:solidFill>
+                    <a:schemeClr val="lt1"/>
+                  </a:solidFill>
+                  <a:latin typeface="+mn-lt"/>
+                  <a:ea typeface="+mn-ea"/>
+                  <a:cs typeface="+mn-cs"/>
+                </a:defRPr>
+              </a:lvl4pPr>
+              <a:lvl5pPr marL="1828800" algn="l" defTabSz="914400" rtl="0" eaLnBrk="1" latinLnBrk="0" hangingPunct="1">
+                <a:defRPr sz="1800" kern="1200">
+                  <a:solidFill>
+                    <a:schemeClr val="lt1"/>
+                  </a:solidFill>
+                  <a:latin typeface="+mn-lt"/>
+                  <a:ea typeface="+mn-ea"/>
+                  <a:cs typeface="+mn-cs"/>
+                </a:defRPr>
+              </a:lvl5pPr>
+              <a:lvl6pPr marL="2286000" algn="l" defTabSz="914400" rtl="0" eaLnBrk="1" latinLnBrk="0" hangingPunct="1">
+                <a:defRPr sz="1800" kern="1200">
+                  <a:solidFill>
+                    <a:schemeClr val="lt1"/>
+                  </a:solidFill>
+                  <a:latin typeface="+mn-lt"/>
+                  <a:ea typeface="+mn-ea"/>
+                  <a:cs typeface="+mn-cs"/>
+                </a:defRPr>
+              </a:lvl6pPr>
+              <a:lvl7pPr marL="2743200" algn="l" defTabSz="914400" rtl="0" eaLnBrk="1" latinLnBrk="0" hangingPunct="1">
+                <a:defRPr sz="1800" kern="1200">
+                  <a:solidFill>
+                    <a:schemeClr val="lt1"/>
+                  </a:solidFill>
+                  <a:latin typeface="+mn-lt"/>
+                  <a:ea typeface="+mn-ea"/>
+                  <a:cs typeface="+mn-cs"/>
+                </a:defRPr>
+              </a:lvl7pPr>
+              <a:lvl8pPr marL="3200400" algn="l" defTabSz="914400" rtl="0" eaLnBrk="1" latinLnBrk="0" hangingPunct="1">
+                <a:defRPr sz="1800" kern="1200">
+                  <a:solidFill>
+                    <a:schemeClr val="lt1"/>
+                  </a:solidFill>
+                  <a:latin typeface="+mn-lt"/>
+                  <a:ea typeface="+mn-ea"/>
+                  <a:cs typeface="+mn-cs"/>
+                </a:defRPr>
+              </a:lvl8pPr>
+              <a:lvl9pPr marL="3657600" algn="l" defTabSz="914400" rtl="0" eaLnBrk="1" latinLnBrk="0" hangingPunct="1">
+                <a:defRPr sz="1800" kern="1200">
+                  <a:solidFill>
+                    <a:schemeClr val="lt1"/>
+                  </a:solidFill>
+                  <a:latin typeface="+mn-lt"/>
+                  <a:ea typeface="+mn-ea"/>
+                  <a:cs typeface="+mn-cs"/>
+                </a:defRPr>
+              </a:lvl9pPr>
+            </a:lstStyle>
+            <a:p>
+              <a:r>
+                <a:rPr lang="de-DE" sz="1000" b="1" dirty="0" smtClean="0">
+                  <a:solidFill>
+                    <a:schemeClr val="bg1"/>
+                  </a:solidFill>
+                  <a:latin typeface="Calibri" pitchFamily="34" charset="0"/>
+                  <a:cs typeface="Calibri" pitchFamily="34" charset="0"/>
+                </a:rPr>
+                <a:t>THE AUTHORS</a:t>
+              </a:r>
+              <a:endParaRPr lang="en-US" sz="1000" b="1" dirty="0">
+                <a:solidFill>
+                  <a:schemeClr val="bg1"/>
+                </a:solidFill>
+                <a:latin typeface="Calibri" pitchFamily="34" charset="0"/>
+                <a:cs typeface="Calibri" pitchFamily="34" charset="0"/>
+              </a:endParaRPr>
+            </a:p>
+          </p:txBody>
+        </p:sp>
+        <p:sp>
+          <p:nvSpPr>
+            <p:cNvPr id="17" name="Dialog Inner"/>
+            <p:cNvSpPr/>
+            <p:nvPr>
+              <p:custDataLst>
+                <p:tags r:id="rId4"/>
+              </p:custDataLst>
+            </p:nvPr>
+          </p:nvSpPr>
+          <p:spPr>
+            <a:xfrm>
+              <a:off x="1369291" y="1049970"/>
+              <a:ext cx="2866765" cy="1199519"/>
+            </a:xfrm>
+            <a:prstGeom prst="rect">
+              <a:avLst/>
+            </a:prstGeom>
+            <a:solidFill>
+              <a:schemeClr val="bg1"/>
+            </a:solidFill>
+            <a:ln w="6350">
+              <a:solidFill>
+                <a:srgbClr val="333333"/>
+              </a:solidFill>
+            </a:ln>
+          </p:spPr>
+          <p:style>
+            <a:lnRef idx="2">
+              <a:schemeClr val="accent1">
+                <a:shade val="50000"/>
+              </a:schemeClr>
+            </a:lnRef>
+            <a:fillRef idx="1">
+              <a:schemeClr val="accent1"/>
+            </a:fillRef>
+            <a:effectRef idx="0">
+              <a:schemeClr val="accent1"/>
+            </a:effectRef>
+            <a:fontRef idx="minor">
+              <a:schemeClr val="lt1"/>
+            </a:fontRef>
+          </p:style>
+          <p:txBody>
+            <a:bodyPr rtlCol="0" anchor="ctr"/>
+            <a:lstStyle>
+              <a:defPPr>
+                <a:defRPr lang="en-US"/>
+              </a:defPPr>
+              <a:lvl1pPr marL="0" algn="l" defTabSz="914400" rtl="0" eaLnBrk="1" latinLnBrk="0" hangingPunct="1">
+                <a:defRPr sz="1800" kern="1200">
+                  <a:solidFill>
+                    <a:schemeClr val="lt1"/>
+                  </a:solidFill>
+                  <a:latin typeface="+mn-lt"/>
+                  <a:ea typeface="+mn-ea"/>
+                  <a:cs typeface="+mn-cs"/>
+                </a:defRPr>
+              </a:lvl1pPr>
+              <a:lvl2pPr marL="457200" algn="l" defTabSz="914400" rtl="0" eaLnBrk="1" latinLnBrk="0" hangingPunct="1">
+                <a:defRPr sz="1800" kern="1200">
+                  <a:solidFill>
+                    <a:schemeClr val="lt1"/>
+                  </a:solidFill>
+                  <a:latin typeface="+mn-lt"/>
+                  <a:ea typeface="+mn-ea"/>
+                  <a:cs typeface="+mn-cs"/>
+                </a:defRPr>
+              </a:lvl2pPr>
+              <a:lvl3pPr marL="914400" algn="l" defTabSz="914400" rtl="0" eaLnBrk="1" latinLnBrk="0" hangingPunct="1">
+                <a:defRPr sz="1800" kern="1200">
+                  <a:solidFill>
+                    <a:schemeClr val="lt1"/>
+                  </a:solidFill>
+                  <a:latin typeface="+mn-lt"/>
+                  <a:ea typeface="+mn-ea"/>
+                  <a:cs typeface="+mn-cs"/>
+                </a:defRPr>
+              </a:lvl3pPr>
+              <a:lvl4pPr marL="1371600" algn="l" defTabSz="914400" rtl="0" eaLnBrk="1" latinLnBrk="0" hangingPunct="1">
+                <a:defRPr sz="1800" kern="1200">
+                  <a:solidFill>
+                    <a:schemeClr val="lt1"/>
+                  </a:solidFill>
+                  <a:latin typeface="+mn-lt"/>
+                  <a:ea typeface="+mn-ea"/>
+                  <a:cs typeface="+mn-cs"/>
+                </a:defRPr>
+              </a:lvl4pPr>
+              <a:lvl5pPr marL="1828800" algn="l" defTabSz="914400" rtl="0" eaLnBrk="1" latinLnBrk="0" hangingPunct="1">
+                <a:defRPr sz="1800" kern="1200">
+                  <a:solidFill>
+                    <a:schemeClr val="lt1"/>
+                  </a:solidFill>
+                  <a:latin typeface="+mn-lt"/>
+                  <a:ea typeface="+mn-ea"/>
+                  <a:cs typeface="+mn-cs"/>
+                </a:defRPr>
+              </a:lvl5pPr>
+              <a:lvl6pPr marL="2286000" algn="l" defTabSz="914400" rtl="0" eaLnBrk="1" latinLnBrk="0" hangingPunct="1">
+                <a:defRPr sz="1800" kern="1200">
+                  <a:solidFill>
+                    <a:schemeClr val="lt1"/>
+                  </a:solidFill>
+                  <a:latin typeface="+mn-lt"/>
+                  <a:ea typeface="+mn-ea"/>
+                  <a:cs typeface="+mn-cs"/>
+                </a:defRPr>
+              </a:lvl6pPr>
+              <a:lvl7pPr marL="2743200" algn="l" defTabSz="914400" rtl="0" eaLnBrk="1" latinLnBrk="0" hangingPunct="1">
+                <a:defRPr sz="1800" kern="1200">
+                  <a:solidFill>
+                    <a:schemeClr val="lt1"/>
+                  </a:solidFill>
+                  <a:latin typeface="+mn-lt"/>
+                  <a:ea typeface="+mn-ea"/>
+                  <a:cs typeface="+mn-cs"/>
+                </a:defRPr>
+              </a:lvl7pPr>
+              <a:lvl8pPr marL="3200400" algn="l" defTabSz="914400" rtl="0" eaLnBrk="1" latinLnBrk="0" hangingPunct="1">
+                <a:defRPr sz="1800" kern="1200">
+                  <a:solidFill>
+                    <a:schemeClr val="lt1"/>
+                  </a:solidFill>
+                  <a:latin typeface="+mn-lt"/>
+                  <a:ea typeface="+mn-ea"/>
+                  <a:cs typeface="+mn-cs"/>
+                </a:defRPr>
+              </a:lvl8pPr>
+              <a:lvl9pPr marL="3657600" algn="l" defTabSz="914400" rtl="0" eaLnBrk="1" latinLnBrk="0" hangingPunct="1">
+                <a:defRPr sz="1800" kern="1200">
+                  <a:solidFill>
+                    <a:schemeClr val="lt1"/>
+                  </a:solidFill>
+                  <a:latin typeface="+mn-lt"/>
+                  <a:ea typeface="+mn-ea"/>
+                  <a:cs typeface="+mn-cs"/>
+                </a:defRPr>
+              </a:lvl9pPr>
+            </a:lstStyle>
+            <a:p>
+              <a:pPr algn="ctr"/>
+              <a:endParaRPr lang="en-US" sz="900" dirty="0">
+                <a:solidFill>
+                  <a:srgbClr val="262626"/>
+                </a:solidFill>
+                <a:latin typeface="Calibri" pitchFamily="34" charset="0"/>
+                <a:cs typeface="Calibri" pitchFamily="34" charset="0"/>
+              </a:endParaRPr>
+            </a:p>
+          </p:txBody>
+        </p:sp>
+        <p:sp>
+          <p:nvSpPr>
+            <p:cNvPr id="18" name="Close Button"/>
+            <p:cNvSpPr>
+              <a:spLocks noChangeAspect="1"/>
+            </p:cNvSpPr>
+            <p:nvPr>
+              <p:custDataLst>
+                <p:tags r:id="rId5"/>
+              </p:custDataLst>
+            </p:nvPr>
+          </p:nvSpPr>
+          <p:spPr bwMode="auto">
+            <a:xfrm>
+              <a:off x="4130488" y="967248"/>
+              <a:ext cx="79141" cy="48906"/>
+            </a:xfrm>
+            <a:custGeom>
+              <a:avLst/>
+              <a:gdLst>
+                <a:gd name="T0" fmla="*/ 12 w 246"/>
+                <a:gd name="T1" fmla="*/ 15 h 241"/>
+                <a:gd name="T2" fmla="*/ 12 w 246"/>
+                <a:gd name="T3" fmla="*/ 56 h 241"/>
+                <a:gd name="T4" fmla="*/ 80 w 246"/>
+                <a:gd name="T5" fmla="*/ 122 h 241"/>
+                <a:gd name="T6" fmla="*/ 12 w 246"/>
+                <a:gd name="T7" fmla="*/ 188 h 241"/>
+                <a:gd name="T8" fmla="*/ 12 w 246"/>
+                <a:gd name="T9" fmla="*/ 229 h 241"/>
+                <a:gd name="T10" fmla="*/ 56 w 246"/>
+                <a:gd name="T11" fmla="*/ 229 h 241"/>
+                <a:gd name="T12" fmla="*/ 123 w 246"/>
+                <a:gd name="T13" fmla="*/ 165 h 241"/>
+                <a:gd name="T14" fmla="*/ 190 w 246"/>
+                <a:gd name="T15" fmla="*/ 229 h 241"/>
+                <a:gd name="T16" fmla="*/ 234 w 246"/>
+                <a:gd name="T17" fmla="*/ 229 h 241"/>
+                <a:gd name="T18" fmla="*/ 234 w 246"/>
+                <a:gd name="T19" fmla="*/ 188 h 241"/>
+                <a:gd name="T20" fmla="*/ 167 w 246"/>
+                <a:gd name="T21" fmla="*/ 122 h 241"/>
+                <a:gd name="T22" fmla="*/ 234 w 246"/>
+                <a:gd name="T23" fmla="*/ 56 h 241"/>
+                <a:gd name="T24" fmla="*/ 234 w 246"/>
+                <a:gd name="T25" fmla="*/ 15 h 241"/>
+                <a:gd name="T26" fmla="*/ 190 w 246"/>
+                <a:gd name="T27" fmla="*/ 15 h 241"/>
+                <a:gd name="T28" fmla="*/ 123 w 246"/>
+                <a:gd name="T29" fmla="*/ 79 h 241"/>
+                <a:gd name="T30" fmla="*/ 56 w 246"/>
+                <a:gd name="T31" fmla="*/ 15 h 241"/>
+                <a:gd name="T32" fmla="*/ 12 w 246"/>
+                <a:gd name="T33" fmla="*/ 15 h 241"/>
+              </a:gdLst>
+              <a:ahLst/>
+              <a:cxnLst>
+                <a:cxn ang="0">
+                  <a:pos x="T0" y="T1"/>
+                </a:cxn>
+                <a:cxn ang="0">
+                  <a:pos x="T2" y="T3"/>
+                </a:cxn>
+                <a:cxn ang="0">
+                  <a:pos x="T4" y="T5"/>
+                </a:cxn>
+                <a:cxn ang="0">
+                  <a:pos x="T6" y="T7"/>
+                </a:cxn>
+                <a:cxn ang="0">
+                  <a:pos x="T8" y="T9"/>
+                </a:cxn>
+                <a:cxn ang="0">
+                  <a:pos x="T10" y="T11"/>
+                </a:cxn>
+                <a:cxn ang="0">
+                  <a:pos x="T12" y="T13"/>
+                </a:cxn>
+                <a:cxn ang="0">
+                  <a:pos x="T14" y="T15"/>
+                </a:cxn>
+                <a:cxn ang="0">
+                  <a:pos x="T16" y="T17"/>
+                </a:cxn>
+                <a:cxn ang="0">
+                  <a:pos x="T18" y="T19"/>
+                </a:cxn>
+                <a:cxn ang="0">
+                  <a:pos x="T20" y="T21"/>
+                </a:cxn>
+                <a:cxn ang="0">
+                  <a:pos x="T22" y="T23"/>
+                </a:cxn>
+                <a:cxn ang="0">
+                  <a:pos x="T24" y="T25"/>
+                </a:cxn>
+                <a:cxn ang="0">
+                  <a:pos x="T26" y="T27"/>
+                </a:cxn>
+                <a:cxn ang="0">
+                  <a:pos x="T28" y="T29"/>
+                </a:cxn>
+                <a:cxn ang="0">
+                  <a:pos x="T30" y="T31"/>
+                </a:cxn>
+                <a:cxn ang="0">
+                  <a:pos x="T32" y="T33"/>
+                </a:cxn>
+              </a:cxnLst>
+              <a:rect l="0" t="0" r="r" b="b"/>
+              <a:pathLst>
+                <a:path w="246" h="241">
+                  <a:moveTo>
+                    <a:pt x="12" y="15"/>
+                  </a:moveTo>
+                  <a:cubicBezTo>
+                    <a:pt x="0" y="26"/>
+                    <a:pt x="0" y="45"/>
+                    <a:pt x="12" y="56"/>
+                  </a:cubicBezTo>
+                  <a:lnTo>
+                    <a:pt x="80" y="122"/>
+                  </a:lnTo>
+                  <a:lnTo>
+                    <a:pt x="12" y="188"/>
+                  </a:lnTo>
+                  <a:cubicBezTo>
+                    <a:pt x="0" y="199"/>
+                    <a:pt x="0" y="218"/>
+                    <a:pt x="12" y="229"/>
+                  </a:cubicBezTo>
+                  <a:cubicBezTo>
+                    <a:pt x="24" y="241"/>
+                    <a:pt x="44" y="241"/>
+                    <a:pt x="56" y="229"/>
+                  </a:cubicBezTo>
+                  <a:lnTo>
+                    <a:pt x="123" y="165"/>
+                  </a:lnTo>
+                  <a:lnTo>
+                    <a:pt x="190" y="229"/>
+                  </a:lnTo>
+                  <a:cubicBezTo>
+                    <a:pt x="202" y="241"/>
+                    <a:pt x="222" y="241"/>
+                    <a:pt x="234" y="229"/>
+                  </a:cubicBezTo>
+                  <a:cubicBezTo>
+                    <a:pt x="246" y="218"/>
+                    <a:pt x="246" y="199"/>
+                    <a:pt x="234" y="188"/>
+                  </a:cubicBezTo>
+                  <a:lnTo>
+                    <a:pt x="167" y="122"/>
+                  </a:lnTo>
+                  <a:lnTo>
+                    <a:pt x="234" y="56"/>
+                  </a:lnTo>
+                  <a:cubicBezTo>
+                    <a:pt x="246" y="45"/>
+                    <a:pt x="246" y="26"/>
+                    <a:pt x="234" y="15"/>
+                  </a:cubicBezTo>
+                  <a:cubicBezTo>
+                    <a:pt x="222" y="3"/>
+                    <a:pt x="202" y="3"/>
+                    <a:pt x="190" y="15"/>
+                  </a:cubicBezTo>
+                  <a:lnTo>
+                    <a:pt x="123" y="79"/>
+                  </a:lnTo>
+                  <a:lnTo>
+                    <a:pt x="56" y="15"/>
+                  </a:lnTo>
+                  <a:cubicBezTo>
+                    <a:pt x="41" y="0"/>
+                    <a:pt x="26" y="3"/>
+                    <a:pt x="12" y="15"/>
+                  </a:cubicBezTo>
+                  <a:close/>
+                </a:path>
+              </a:pathLst>
+            </a:custGeom>
+            <a:solidFill>
+              <a:schemeClr val="bg1"/>
+            </a:solidFill>
+            <a:ln w="6350">
+              <a:solidFill>
+                <a:srgbClr val="333333"/>
+              </a:solidFill>
+              <a:prstDash val="solid"/>
+              <a:round/>
+              <a:headEnd/>
+              <a:tailEnd/>
+            </a:ln>
+          </p:spPr>
+          <p:txBody>
+            <a:bodyPr vert="horz" wrap="square" lIns="91440" tIns="45720" rIns="91440" bIns="45720" numCol="1" anchor="t" anchorCtr="0" compatLnSpc="1">
+              <a:prstTxWarp prst="textNoShape">
+                <a:avLst/>
+              </a:prstTxWarp>
+            </a:bodyPr>
+            <a:lstStyle>
+              <a:defPPr>
+                <a:defRPr lang="en-US"/>
+              </a:defPPr>
+              <a:lvl1pPr marL="0" algn="l" defTabSz="914400" rtl="0" eaLnBrk="1" latinLnBrk="0" hangingPunct="1">
+                <a:defRPr sz="1800" kern="1200">
+                  <a:solidFill>
+                    <a:schemeClr val="tx1"/>
+                  </a:solidFill>
+                  <a:latin typeface="+mn-lt"/>
+                  <a:ea typeface="+mn-ea"/>
+                  <a:cs typeface="+mn-cs"/>
+                </a:defRPr>
+              </a:lvl1pPr>
+              <a:lvl2pPr marL="457200" algn="l" defTabSz="914400" rtl="0" eaLnBrk="1" latinLnBrk="0" hangingPunct="1">
+                <a:defRPr sz="1800" kern="1200">
+                  <a:solidFill>
+                    <a:schemeClr val="tx1"/>
+                  </a:solidFill>
+                  <a:latin typeface="+mn-lt"/>
+                  <a:ea typeface="+mn-ea"/>
+                  <a:cs typeface="+mn-cs"/>
+                </a:defRPr>
+              </a:lvl2pPr>
+              <a:lvl3pPr marL="914400" algn="l" defTabSz="914400" rtl="0" eaLnBrk="1" latinLnBrk="0" hangingPunct="1">
+                <a:defRPr sz="1800" kern="1200">
+                  <a:solidFill>
+                    <a:schemeClr val="tx1"/>
+                  </a:solidFill>
+                  <a:latin typeface="+mn-lt"/>
+                  <a:ea typeface="+mn-ea"/>
+                  <a:cs typeface="+mn-cs"/>
+                </a:defRPr>
+              </a:lvl3pPr>
+              <a:lvl4pPr marL="1371600" algn="l" defTabSz="914400" rtl="0" eaLnBrk="1" latinLnBrk="0" hangingPunct="1">
+                <a:defRPr sz="1800" kern="1200">
+                  <a:solidFill>
+                    <a:schemeClr val="tx1"/>
+                  </a:solidFill>
+                  <a:latin typeface="+mn-lt"/>
+                  <a:ea typeface="+mn-ea"/>
+                  <a:cs typeface="+mn-cs"/>
+                </a:defRPr>
+              </a:lvl4pPr>
+              <a:lvl5pPr marL="1828800" algn="l" defTabSz="914400" rtl="0" eaLnBrk="1" latinLnBrk="0" hangingPunct="1">
+                <a:defRPr sz="1800" kern="1200">
+                  <a:solidFill>
+                    <a:schemeClr val="tx1"/>
+                  </a:solidFill>
+                  <a:latin typeface="+mn-lt"/>
+                  <a:ea typeface="+mn-ea"/>
+                  <a:cs typeface="+mn-cs"/>
+                </a:defRPr>
+              </a:lvl5pPr>
+              <a:lvl6pPr marL="2286000" algn="l" defTabSz="914400" rtl="0" eaLnBrk="1" latinLnBrk="0" hangingPunct="1">
+                <a:defRPr sz="1800" kern="1200">
+                  <a:solidFill>
+                    <a:schemeClr val="tx1"/>
+                  </a:solidFill>
+                  <a:latin typeface="+mn-lt"/>
+                  <a:ea typeface="+mn-ea"/>
+                  <a:cs typeface="+mn-cs"/>
+                </a:defRPr>
+              </a:lvl6pPr>
+              <a:lvl7pPr marL="2743200" algn="l" defTabSz="914400" rtl="0" eaLnBrk="1" latinLnBrk="0" hangingPunct="1">
+                <a:defRPr sz="1800" kern="1200">
+                  <a:solidFill>
+                    <a:schemeClr val="tx1"/>
+                  </a:solidFill>
+                  <a:latin typeface="+mn-lt"/>
+                  <a:ea typeface="+mn-ea"/>
+                  <a:cs typeface="+mn-cs"/>
+                </a:defRPr>
+              </a:lvl7pPr>
+              <a:lvl8pPr marL="3200400" algn="l" defTabSz="914400" rtl="0" eaLnBrk="1" latinLnBrk="0" hangingPunct="1">
+                <a:defRPr sz="1800" kern="1200">
+                  <a:solidFill>
+                    <a:schemeClr val="tx1"/>
+                  </a:solidFill>
+                  <a:latin typeface="+mn-lt"/>
+                  <a:ea typeface="+mn-ea"/>
+                  <a:cs typeface="+mn-cs"/>
+                </a:defRPr>
+              </a:lvl8pPr>
+              <a:lvl9pPr marL="3657600" algn="l" defTabSz="914400" rtl="0" eaLnBrk="1" latinLnBrk="0" hangingPunct="1">
+                <a:defRPr sz="1800" kern="1200">
+                  <a:solidFill>
+                    <a:schemeClr val="tx1"/>
+                  </a:solidFill>
+                  <a:latin typeface="+mn-lt"/>
+                  <a:ea typeface="+mn-ea"/>
+                  <a:cs typeface="+mn-cs"/>
+                </a:defRPr>
+              </a:lvl9pPr>
+            </a:lstStyle>
+            <a:p>
+              <a:endParaRPr lang="en-US" sz="900">
+                <a:solidFill>
+                  <a:srgbClr val="262626"/>
+                </a:solidFill>
+                <a:latin typeface="Calibri" pitchFamily="34" charset="0"/>
+                <a:cs typeface="Calibri" pitchFamily="34" charset="0"/>
+              </a:endParaRPr>
+            </a:p>
+          </p:txBody>
+        </p:sp>
+        <p:sp>
+          <p:nvSpPr>
+            <p:cNvPr id="19" name="Dialog Text"/>
+            <p:cNvSpPr>
+              <a:spLocks/>
+            </p:cNvSpPr>
+            <p:nvPr>
+              <p:custDataLst>
+                <p:tags r:id="rId6"/>
+              </p:custDataLst>
+            </p:nvPr>
+          </p:nvSpPr>
+          <p:spPr bwMode="auto">
+            <a:xfrm>
+              <a:off x="1821424" y="1137695"/>
+              <a:ext cx="2348637" cy="906816"/>
+            </a:xfrm>
+            <a:prstGeom prst="rect">
+              <a:avLst/>
+            </a:prstGeom>
+            <a:noFill/>
+            <a:ln>
+              <a:noFill/>
+            </a:ln>
+            <a:effectLst/>
+          </p:spPr>
+          <p:style>
+            <a:lnRef idx="2">
+              <a:schemeClr val="accent1">
+                <a:shade val="50000"/>
+              </a:schemeClr>
+            </a:lnRef>
+            <a:fillRef idx="1">
+              <a:schemeClr val="accent1"/>
+            </a:fillRef>
+            <a:effectRef idx="0">
+              <a:schemeClr val="accent1"/>
+            </a:effectRef>
+            <a:fontRef idx="minor">
+              <a:schemeClr val="lt1"/>
+            </a:fontRef>
+          </p:style>
+          <p:txBody>
+            <a:bodyPr vert="horz" wrap="square" lIns="72000" tIns="32399" rIns="72000" bIns="32399" rtlCol="0" anchor="t" anchorCtr="0">
+              <a:noAutofit/>
+            </a:bodyPr>
+            <a:lstStyle>
+              <a:defPPr>
+                <a:defRPr lang="en-US"/>
+              </a:defPPr>
+              <a:lvl1pPr marL="0" algn="l" defTabSz="914400" rtl="0" eaLnBrk="1" latinLnBrk="0" hangingPunct="1">
+                <a:defRPr sz="1800" kern="1200">
+                  <a:solidFill>
+                    <a:schemeClr val="lt1"/>
+                  </a:solidFill>
+                  <a:latin typeface="+mn-lt"/>
+                  <a:ea typeface="+mn-ea"/>
+                  <a:cs typeface="+mn-cs"/>
+                </a:defRPr>
+              </a:lvl1pPr>
+              <a:lvl2pPr marL="457200" algn="l" defTabSz="914400" rtl="0" eaLnBrk="1" latinLnBrk="0" hangingPunct="1">
+                <a:defRPr sz="1800" kern="1200">
+                  <a:solidFill>
+                    <a:schemeClr val="lt1"/>
+                  </a:solidFill>
+                  <a:latin typeface="+mn-lt"/>
+                  <a:ea typeface="+mn-ea"/>
+                  <a:cs typeface="+mn-cs"/>
+                </a:defRPr>
+              </a:lvl2pPr>
+              <a:lvl3pPr marL="914400" algn="l" defTabSz="914400" rtl="0" eaLnBrk="1" latinLnBrk="0" hangingPunct="1">
+                <a:defRPr sz="1800" kern="1200">
+                  <a:solidFill>
+                    <a:schemeClr val="lt1"/>
+                  </a:solidFill>
+                  <a:latin typeface="+mn-lt"/>
+                  <a:ea typeface="+mn-ea"/>
+                  <a:cs typeface="+mn-cs"/>
+                </a:defRPr>
+              </a:lvl3pPr>
+              <a:lvl4pPr marL="1371600" algn="l" defTabSz="914400" rtl="0" eaLnBrk="1" latinLnBrk="0" hangingPunct="1">
+                <a:defRPr sz="1800" kern="1200">
+                  <a:solidFill>
+                    <a:schemeClr val="lt1"/>
+                  </a:solidFill>
+                  <a:latin typeface="+mn-lt"/>
+                  <a:ea typeface="+mn-ea"/>
+                  <a:cs typeface="+mn-cs"/>
+                </a:defRPr>
+              </a:lvl4pPr>
+              <a:lvl5pPr marL="1828800" algn="l" defTabSz="914400" rtl="0" eaLnBrk="1" latinLnBrk="0" hangingPunct="1">
+                <a:defRPr sz="1800" kern="1200">
+                  <a:solidFill>
+                    <a:schemeClr val="lt1"/>
+                  </a:solidFill>
+                  <a:latin typeface="+mn-lt"/>
+                  <a:ea typeface="+mn-ea"/>
+                  <a:cs typeface="+mn-cs"/>
+                </a:defRPr>
+              </a:lvl5pPr>
+              <a:lvl6pPr marL="2286000" algn="l" defTabSz="914400" rtl="0" eaLnBrk="1" latinLnBrk="0" hangingPunct="1">
+                <a:defRPr sz="1800" kern="1200">
+                  <a:solidFill>
+                    <a:schemeClr val="lt1"/>
+                  </a:solidFill>
+                  <a:latin typeface="+mn-lt"/>
+                  <a:ea typeface="+mn-ea"/>
+                  <a:cs typeface="+mn-cs"/>
+                </a:defRPr>
+              </a:lvl6pPr>
+              <a:lvl7pPr marL="2743200" algn="l" defTabSz="914400" rtl="0" eaLnBrk="1" latinLnBrk="0" hangingPunct="1">
+                <a:defRPr sz="1800" kern="1200">
+                  <a:solidFill>
+                    <a:schemeClr val="lt1"/>
+                  </a:solidFill>
+                  <a:latin typeface="+mn-lt"/>
+                  <a:ea typeface="+mn-ea"/>
+                  <a:cs typeface="+mn-cs"/>
+                </a:defRPr>
+              </a:lvl7pPr>
+              <a:lvl8pPr marL="3200400" algn="l" defTabSz="914400" rtl="0" eaLnBrk="1" latinLnBrk="0" hangingPunct="1">
+                <a:defRPr sz="1800" kern="1200">
+                  <a:solidFill>
+                    <a:schemeClr val="lt1"/>
+                  </a:solidFill>
+                  <a:latin typeface="+mn-lt"/>
+                  <a:ea typeface="+mn-ea"/>
+                  <a:cs typeface="+mn-cs"/>
+                </a:defRPr>
+              </a:lvl8pPr>
+              <a:lvl9pPr marL="3657600" algn="l" defTabSz="914400" rtl="0" eaLnBrk="1" latinLnBrk="0" hangingPunct="1">
+                <a:defRPr sz="1800" kern="1200">
+                  <a:solidFill>
+                    <a:schemeClr val="lt1"/>
+                  </a:solidFill>
+                  <a:latin typeface="+mn-lt"/>
+                  <a:ea typeface="+mn-ea"/>
+                  <a:cs typeface="+mn-cs"/>
+                </a:defRPr>
+              </a:lvl9pPr>
+            </a:lstStyle>
+            <a:p>
+              <a:r>
+                <a:rPr lang="de-DE" sz="900" dirty="0">
+                  <a:solidFill>
+                    <a:srgbClr val="262626"/>
+                  </a:solidFill>
+                  <a:latin typeface="Calibri" pitchFamily="34" charset="0"/>
+                  <a:cs typeface="Calibri" pitchFamily="34" charset="0"/>
+                </a:rPr>
+                <a:t>	</a:t>
+              </a:r>
+              <a:r>
+                <a:rPr lang="de-DE" sz="900" dirty="0" smtClean="0">
+                  <a:solidFill>
+                    <a:srgbClr val="262626"/>
+                  </a:solidFill>
+                  <a:latin typeface="Calibri" pitchFamily="34" charset="0"/>
+                  <a:cs typeface="Calibri" pitchFamily="34" charset="0"/>
+                </a:rPr>
+                <a:t>SPACE INVADERS</a:t>
+              </a:r>
+            </a:p>
+            <a:p>
+              <a:endParaRPr lang="de-DE" sz="900" dirty="0">
+                <a:solidFill>
+                  <a:srgbClr val="262626"/>
+                </a:solidFill>
+                <a:latin typeface="Calibri" pitchFamily="34" charset="0"/>
+                <a:cs typeface="Calibri" pitchFamily="34" charset="0"/>
+              </a:endParaRPr>
+            </a:p>
+            <a:p>
+              <a:r>
+                <a:rPr lang="de-DE" sz="900" dirty="0" smtClean="0">
+                  <a:solidFill>
+                    <a:srgbClr val="262626"/>
+                  </a:solidFill>
+                  <a:latin typeface="Calibri" pitchFamily="34" charset="0"/>
+                  <a:cs typeface="Calibri" pitchFamily="34" charset="0"/>
+                </a:rPr>
+                <a:t>	Developed by</a:t>
+              </a:r>
+            </a:p>
+            <a:p>
+              <a:endParaRPr lang="de-DE" sz="900" dirty="0">
+                <a:solidFill>
+                  <a:srgbClr val="262626"/>
+                </a:solidFill>
+                <a:latin typeface="Calibri" pitchFamily="34" charset="0"/>
+                <a:cs typeface="Calibri" pitchFamily="34" charset="0"/>
+              </a:endParaRPr>
+            </a:p>
+            <a:p>
+              <a:r>
+                <a:rPr lang="de-DE" sz="900" dirty="0" smtClean="0">
+                  <a:solidFill>
+                    <a:srgbClr val="262626"/>
+                  </a:solidFill>
+                  <a:latin typeface="Calibri" pitchFamily="34" charset="0"/>
+                  <a:cs typeface="Calibri" pitchFamily="34" charset="0"/>
+                </a:rPr>
+                <a:t>	Travis Hajagos</a:t>
+              </a:r>
+            </a:p>
+            <a:p>
+              <a:r>
+                <a:rPr lang="de-DE" sz="900" dirty="0">
+                  <a:solidFill>
+                    <a:srgbClr val="262626"/>
+                  </a:solidFill>
+                  <a:latin typeface="Calibri" pitchFamily="34" charset="0"/>
+                  <a:cs typeface="Calibri" pitchFamily="34" charset="0"/>
+                </a:rPr>
+                <a:t>	</a:t>
+              </a:r>
+              <a:r>
+                <a:rPr lang="de-DE" sz="900" dirty="0" smtClean="0">
+                  <a:solidFill>
+                    <a:srgbClr val="262626"/>
+                  </a:solidFill>
+                  <a:latin typeface="Calibri" pitchFamily="34" charset="0"/>
+                  <a:cs typeface="Calibri" pitchFamily="34" charset="0"/>
+                </a:rPr>
+                <a:t>Brian Warfield</a:t>
+              </a:r>
+            </a:p>
+            <a:p>
+              <a:r>
+                <a:rPr lang="de-DE" sz="900" dirty="0">
+                  <a:solidFill>
+                    <a:srgbClr val="262626"/>
+                  </a:solidFill>
+                  <a:latin typeface="Calibri" pitchFamily="34" charset="0"/>
+                  <a:cs typeface="Calibri" pitchFamily="34" charset="0"/>
+                </a:rPr>
+                <a:t>	</a:t>
+              </a:r>
+              <a:r>
+                <a:rPr lang="de-DE" sz="900" dirty="0" smtClean="0">
+                  <a:solidFill>
+                    <a:srgbClr val="262626"/>
+                  </a:solidFill>
+                  <a:latin typeface="Calibri" pitchFamily="34" charset="0"/>
+                  <a:cs typeface="Calibri" pitchFamily="34" charset="0"/>
+                </a:rPr>
+                <a:t>Leo Gutierrez</a:t>
+              </a:r>
+            </a:p>
+            <a:p>
+              <a:r>
+                <a:rPr lang="de-DE" sz="900" dirty="0">
+                  <a:solidFill>
+                    <a:srgbClr val="262626"/>
+                  </a:solidFill>
+                  <a:latin typeface="Calibri" pitchFamily="34" charset="0"/>
+                  <a:cs typeface="Calibri" pitchFamily="34" charset="0"/>
+                </a:rPr>
+                <a:t>	</a:t>
+              </a:r>
+              <a:r>
+                <a:rPr lang="de-DE" sz="900" dirty="0" smtClean="0">
+                  <a:solidFill>
+                    <a:srgbClr val="262626"/>
+                  </a:solidFill>
+                  <a:latin typeface="Calibri" pitchFamily="34" charset="0"/>
+                  <a:cs typeface="Calibri" pitchFamily="34" charset="0"/>
+                </a:rPr>
+                <a:t>David Silva</a:t>
+              </a:r>
+              <a:endParaRPr lang="de-DE" sz="900" dirty="0">
+                <a:solidFill>
+                  <a:srgbClr val="262626"/>
+                </a:solidFill>
+                <a:latin typeface="Calibri" pitchFamily="34" charset="0"/>
+                <a:cs typeface="Calibri" pitchFamily="34" charset="0"/>
+              </a:endParaRPr>
+            </a:p>
+          </p:txBody>
+        </p:sp>
+        <p:grpSp>
+          <p:nvGrpSpPr>
+            <p:cNvPr id="20" name="Dialog Buttons"/>
+            <p:cNvGrpSpPr/>
+            <p:nvPr/>
+          </p:nvGrpSpPr>
+          <p:grpSpPr>
+            <a:xfrm>
+              <a:off x="2216704" y="1947379"/>
+              <a:ext cx="1284154" cy="242642"/>
+              <a:chOff x="2216704" y="1947379"/>
+              <a:chExt cx="1284154" cy="242642"/>
+            </a:xfrm>
+          </p:grpSpPr>
+          <p:sp>
+            <p:nvSpPr>
+              <p:cNvPr id="25" name="Dialog Button 3" hidden="1"/>
+              <p:cNvSpPr>
+                <a:spLocks/>
+              </p:cNvSpPr>
+              <p:nvPr>
+                <p:custDataLst>
+                  <p:tags r:id="rId10"/>
+                </p:custDataLst>
+              </p:nvPr>
+            </p:nvSpPr>
+            <p:spPr bwMode="auto">
+              <a:xfrm>
+                <a:off x="2216704" y="2076759"/>
+                <a:ext cx="623481" cy="113262"/>
+              </a:xfrm>
+              <a:prstGeom prst="roundRect">
+                <a:avLst>
+                  <a:gd name="adj" fmla="val 8776"/>
+                </a:avLst>
+              </a:prstGeom>
+              <a:solidFill>
+                <a:srgbClr val="F2F2F2"/>
+              </a:solidFill>
+              <a:ln w="6350" cap="flat" cmpd="sng" algn="ctr">
+                <a:solidFill>
+                  <a:srgbClr val="333333"/>
+                </a:solidFill>
+                <a:prstDash val="solid"/>
+                <a:round/>
+                <a:headEnd type="none" w="med" len="med"/>
+                <a:tailEnd type="none" w="med" len="med"/>
+              </a:ln>
+              <a:effectLst/>
+            </p:spPr>
+            <p:style>
+              <a:lnRef idx="2">
+                <a:schemeClr val="accent1">
+                  <a:shade val="50000"/>
+                </a:schemeClr>
+              </a:lnRef>
+              <a:fillRef idx="1">
+                <a:schemeClr val="accent1"/>
+              </a:fillRef>
+              <a:effectRef idx="0">
+                <a:schemeClr val="accent1"/>
+              </a:effectRef>
+              <a:fontRef idx="minor">
+                <a:schemeClr val="lt1"/>
+              </a:fontRef>
+            </p:style>
+            <p:txBody>
+              <a:bodyPr rtlCol="0" anchor="ctr"/>
+              <a:lstStyle>
+                <a:defPPr>
+                  <a:defRPr lang="en-US"/>
+                </a:defPPr>
+                <a:lvl1pPr marL="0" algn="l" defTabSz="914400" rtl="0" eaLnBrk="1" latinLnBrk="0" hangingPunct="1">
+                  <a:defRPr sz="1800" kern="1200">
+                    <a:solidFill>
+                      <a:schemeClr val="lt1"/>
+                    </a:solidFill>
+                    <a:latin typeface="+mn-lt"/>
+                    <a:ea typeface="+mn-ea"/>
+                    <a:cs typeface="+mn-cs"/>
+                  </a:defRPr>
+                </a:lvl1pPr>
+                <a:lvl2pPr marL="457200" algn="l" defTabSz="914400" rtl="0" eaLnBrk="1" latinLnBrk="0" hangingPunct="1">
+                  <a:defRPr sz="1800" kern="1200">
+                    <a:solidFill>
+                      <a:schemeClr val="lt1"/>
+                    </a:solidFill>
+                    <a:latin typeface="+mn-lt"/>
+                    <a:ea typeface="+mn-ea"/>
+                    <a:cs typeface="+mn-cs"/>
+                  </a:defRPr>
+                </a:lvl2pPr>
+                <a:lvl3pPr marL="914400" algn="l" defTabSz="914400" rtl="0" eaLnBrk="1" latinLnBrk="0" hangingPunct="1">
+                  <a:defRPr sz="1800" kern="1200">
+                    <a:solidFill>
+                      <a:schemeClr val="lt1"/>
+                    </a:solidFill>
+                    <a:latin typeface="+mn-lt"/>
+                    <a:ea typeface="+mn-ea"/>
+                    <a:cs typeface="+mn-cs"/>
+                  </a:defRPr>
+                </a:lvl3pPr>
+                <a:lvl4pPr marL="1371600" algn="l" defTabSz="914400" rtl="0" eaLnBrk="1" latinLnBrk="0" hangingPunct="1">
+                  <a:defRPr sz="1800" kern="1200">
+                    <a:solidFill>
+                      <a:schemeClr val="lt1"/>
+                    </a:solidFill>
+                    <a:latin typeface="+mn-lt"/>
+                    <a:ea typeface="+mn-ea"/>
+                    <a:cs typeface="+mn-cs"/>
+                  </a:defRPr>
+                </a:lvl4pPr>
+                <a:lvl5pPr marL="1828800" algn="l" defTabSz="914400" rtl="0" eaLnBrk="1" latinLnBrk="0" hangingPunct="1">
+                  <a:defRPr sz="1800" kern="1200">
+                    <a:solidFill>
+                      <a:schemeClr val="lt1"/>
+                    </a:solidFill>
+                    <a:latin typeface="+mn-lt"/>
+                    <a:ea typeface="+mn-ea"/>
+                    <a:cs typeface="+mn-cs"/>
+                  </a:defRPr>
+                </a:lvl5pPr>
+                <a:lvl6pPr marL="2286000" algn="l" defTabSz="914400" rtl="0" eaLnBrk="1" latinLnBrk="0" hangingPunct="1">
+                  <a:defRPr sz="1800" kern="1200">
+                    <a:solidFill>
+                      <a:schemeClr val="lt1"/>
+                    </a:solidFill>
+                    <a:latin typeface="+mn-lt"/>
+                    <a:ea typeface="+mn-ea"/>
+                    <a:cs typeface="+mn-cs"/>
+                  </a:defRPr>
+                </a:lvl6pPr>
+                <a:lvl7pPr marL="2743200" algn="l" defTabSz="914400" rtl="0" eaLnBrk="1" latinLnBrk="0" hangingPunct="1">
+                  <a:defRPr sz="1800" kern="1200">
+                    <a:solidFill>
+                      <a:schemeClr val="lt1"/>
+                    </a:solidFill>
+                    <a:latin typeface="+mn-lt"/>
+                    <a:ea typeface="+mn-ea"/>
+                    <a:cs typeface="+mn-cs"/>
+                  </a:defRPr>
+                </a:lvl7pPr>
+                <a:lvl8pPr marL="3200400" algn="l" defTabSz="914400" rtl="0" eaLnBrk="1" latinLnBrk="0" hangingPunct="1">
+                  <a:defRPr sz="1800" kern="1200">
+                    <a:solidFill>
+                      <a:schemeClr val="lt1"/>
+                    </a:solidFill>
+                    <a:latin typeface="+mn-lt"/>
+                    <a:ea typeface="+mn-ea"/>
+                    <a:cs typeface="+mn-cs"/>
+                  </a:defRPr>
+                </a:lvl8pPr>
+                <a:lvl9pPr marL="3657600" algn="l" defTabSz="914400" rtl="0" eaLnBrk="1" latinLnBrk="0" hangingPunct="1">
+                  <a:defRPr sz="1800" kern="1200">
+                    <a:solidFill>
+                      <a:schemeClr val="lt1"/>
+                    </a:solidFill>
+                    <a:latin typeface="+mn-lt"/>
+                    <a:ea typeface="+mn-ea"/>
+                    <a:cs typeface="+mn-cs"/>
+                  </a:defRPr>
+                </a:lvl9pPr>
+              </a:lstStyle>
+              <a:p>
+                <a:pPr algn="ctr"/>
+                <a:r>
+                  <a:rPr lang="de-DE" sz="900" dirty="0" smtClean="0">
+                    <a:solidFill>
+                      <a:srgbClr val="262626"/>
+                    </a:solidFill>
+                    <a:effectLst/>
+                    <a:latin typeface="Calibri" pitchFamily="34" charset="0"/>
+                    <a:cs typeface="Calibri" pitchFamily="34" charset="0"/>
+                  </a:rPr>
+                  <a:t>Abort</a:t>
+                </a:r>
+                <a:endParaRPr lang="en-US" sz="900" dirty="0">
+                  <a:solidFill>
+                    <a:srgbClr val="262626"/>
+                  </a:solidFill>
+                  <a:effectLst/>
+                  <a:latin typeface="Calibri" pitchFamily="34" charset="0"/>
+                  <a:cs typeface="Calibri" pitchFamily="34" charset="0"/>
+                </a:endParaRPr>
+              </a:p>
+            </p:txBody>
+          </p:sp>
+          <p:sp>
+            <p:nvSpPr>
+              <p:cNvPr id="26" name="Dialog Button 2" hidden="1"/>
+              <p:cNvSpPr>
+                <a:spLocks/>
+              </p:cNvSpPr>
+              <p:nvPr>
+                <p:custDataLst>
+                  <p:tags r:id="rId11"/>
+                </p:custDataLst>
+              </p:nvPr>
+            </p:nvSpPr>
+            <p:spPr bwMode="auto">
+              <a:xfrm>
+                <a:off x="2877376" y="2076759"/>
+                <a:ext cx="623482" cy="113262"/>
+              </a:xfrm>
+              <a:prstGeom prst="roundRect">
+                <a:avLst>
+                  <a:gd name="adj" fmla="val 8776"/>
+                </a:avLst>
+              </a:prstGeom>
+              <a:solidFill>
+                <a:srgbClr val="F2F2F2"/>
+              </a:solidFill>
+              <a:ln w="6350" cap="flat" cmpd="sng" algn="ctr">
+                <a:solidFill>
+                  <a:srgbClr val="333333"/>
+                </a:solidFill>
+                <a:prstDash val="solid"/>
+                <a:round/>
+                <a:headEnd type="none" w="med" len="med"/>
+                <a:tailEnd type="none" w="med" len="med"/>
+              </a:ln>
+              <a:effectLst/>
+            </p:spPr>
+            <p:style>
+              <a:lnRef idx="2">
+                <a:schemeClr val="accent1">
+                  <a:shade val="50000"/>
+                </a:schemeClr>
+              </a:lnRef>
+              <a:fillRef idx="1">
+                <a:schemeClr val="accent1"/>
+              </a:fillRef>
+              <a:effectRef idx="0">
+                <a:schemeClr val="accent1"/>
+              </a:effectRef>
+              <a:fontRef idx="minor">
+                <a:schemeClr val="lt1"/>
+              </a:fontRef>
+            </p:style>
+            <p:txBody>
+              <a:bodyPr rtlCol="0" anchor="ctr"/>
+              <a:lstStyle>
+                <a:defPPr>
+                  <a:defRPr lang="en-US"/>
+                </a:defPPr>
+                <a:lvl1pPr marL="0" algn="l" defTabSz="914400" rtl="0" eaLnBrk="1" latinLnBrk="0" hangingPunct="1">
+                  <a:defRPr sz="1800" kern="1200">
+                    <a:solidFill>
+                      <a:schemeClr val="lt1"/>
+                    </a:solidFill>
+                    <a:latin typeface="+mn-lt"/>
+                    <a:ea typeface="+mn-ea"/>
+                    <a:cs typeface="+mn-cs"/>
+                  </a:defRPr>
+                </a:lvl1pPr>
+                <a:lvl2pPr marL="457200" algn="l" defTabSz="914400" rtl="0" eaLnBrk="1" latinLnBrk="0" hangingPunct="1">
+                  <a:defRPr sz="1800" kern="1200">
+                    <a:solidFill>
+                      <a:schemeClr val="lt1"/>
+                    </a:solidFill>
+                    <a:latin typeface="+mn-lt"/>
+                    <a:ea typeface="+mn-ea"/>
+                    <a:cs typeface="+mn-cs"/>
+                  </a:defRPr>
+                </a:lvl2pPr>
+                <a:lvl3pPr marL="914400" algn="l" defTabSz="914400" rtl="0" eaLnBrk="1" latinLnBrk="0" hangingPunct="1">
+                  <a:defRPr sz="1800" kern="1200">
+                    <a:solidFill>
+                      <a:schemeClr val="lt1"/>
+                    </a:solidFill>
+                    <a:latin typeface="+mn-lt"/>
+                    <a:ea typeface="+mn-ea"/>
+                    <a:cs typeface="+mn-cs"/>
+                  </a:defRPr>
+                </a:lvl3pPr>
+                <a:lvl4pPr marL="1371600" algn="l" defTabSz="914400" rtl="0" eaLnBrk="1" latinLnBrk="0" hangingPunct="1">
+                  <a:defRPr sz="1800" kern="1200">
+                    <a:solidFill>
+                      <a:schemeClr val="lt1"/>
+                    </a:solidFill>
+                    <a:latin typeface="+mn-lt"/>
+                    <a:ea typeface="+mn-ea"/>
+                    <a:cs typeface="+mn-cs"/>
+                  </a:defRPr>
+                </a:lvl4pPr>
+                <a:lvl5pPr marL="1828800" algn="l" defTabSz="914400" rtl="0" eaLnBrk="1" latinLnBrk="0" hangingPunct="1">
+                  <a:defRPr sz="1800" kern="1200">
+                    <a:solidFill>
+                      <a:schemeClr val="lt1"/>
+                    </a:solidFill>
+                    <a:latin typeface="+mn-lt"/>
+                    <a:ea typeface="+mn-ea"/>
+                    <a:cs typeface="+mn-cs"/>
+                  </a:defRPr>
+                </a:lvl5pPr>
+                <a:lvl6pPr marL="2286000" algn="l" defTabSz="914400" rtl="0" eaLnBrk="1" latinLnBrk="0" hangingPunct="1">
+                  <a:defRPr sz="1800" kern="1200">
+                    <a:solidFill>
+                      <a:schemeClr val="lt1"/>
+                    </a:solidFill>
+                    <a:latin typeface="+mn-lt"/>
+                    <a:ea typeface="+mn-ea"/>
+                    <a:cs typeface="+mn-cs"/>
+                  </a:defRPr>
+                </a:lvl6pPr>
+                <a:lvl7pPr marL="2743200" algn="l" defTabSz="914400" rtl="0" eaLnBrk="1" latinLnBrk="0" hangingPunct="1">
+                  <a:defRPr sz="1800" kern="1200">
+                    <a:solidFill>
+                      <a:schemeClr val="lt1"/>
+                    </a:solidFill>
+                    <a:latin typeface="+mn-lt"/>
+                    <a:ea typeface="+mn-ea"/>
+                    <a:cs typeface="+mn-cs"/>
+                  </a:defRPr>
+                </a:lvl7pPr>
+                <a:lvl8pPr marL="3200400" algn="l" defTabSz="914400" rtl="0" eaLnBrk="1" latinLnBrk="0" hangingPunct="1">
+                  <a:defRPr sz="1800" kern="1200">
+                    <a:solidFill>
+                      <a:schemeClr val="lt1"/>
+                    </a:solidFill>
+                    <a:latin typeface="+mn-lt"/>
+                    <a:ea typeface="+mn-ea"/>
+                    <a:cs typeface="+mn-cs"/>
+                  </a:defRPr>
+                </a:lvl8pPr>
+                <a:lvl9pPr marL="3657600" algn="l" defTabSz="914400" rtl="0" eaLnBrk="1" latinLnBrk="0" hangingPunct="1">
+                  <a:defRPr sz="1800" kern="1200">
+                    <a:solidFill>
+                      <a:schemeClr val="lt1"/>
+                    </a:solidFill>
+                    <a:latin typeface="+mn-lt"/>
+                    <a:ea typeface="+mn-ea"/>
+                    <a:cs typeface="+mn-cs"/>
+                  </a:defRPr>
+                </a:lvl9pPr>
+              </a:lstStyle>
+              <a:p>
+                <a:pPr algn="ctr"/>
+                <a:r>
+                  <a:rPr lang="de-DE" sz="900" dirty="0" smtClean="0">
+                    <a:solidFill>
+                      <a:srgbClr val="262626"/>
+                    </a:solidFill>
+                    <a:effectLst/>
+                    <a:latin typeface="Calibri" pitchFamily="34" charset="0"/>
+                    <a:cs typeface="Calibri" pitchFamily="34" charset="0"/>
+                  </a:rPr>
+                  <a:t>Cancel</a:t>
+                </a:r>
+                <a:endParaRPr lang="en-US" sz="900" dirty="0">
+                  <a:solidFill>
+                    <a:srgbClr val="262626"/>
+                  </a:solidFill>
+                  <a:effectLst/>
+                  <a:latin typeface="Calibri" pitchFamily="34" charset="0"/>
+                  <a:cs typeface="Calibri" pitchFamily="34" charset="0"/>
+                </a:endParaRPr>
+              </a:p>
+            </p:txBody>
+          </p:sp>
+          <p:sp>
+            <p:nvSpPr>
+              <p:cNvPr id="27" name="Dialog Button 1"/>
+              <p:cNvSpPr>
+                <a:spLocks/>
+              </p:cNvSpPr>
+              <p:nvPr>
+                <p:custDataLst>
+                  <p:tags r:id="rId12"/>
+                </p:custDataLst>
+              </p:nvPr>
+            </p:nvSpPr>
+            <p:spPr bwMode="auto">
+              <a:xfrm>
+                <a:off x="2684002" y="1947379"/>
+                <a:ext cx="623481" cy="113262"/>
+              </a:xfrm>
+              <a:prstGeom prst="roundRect">
+                <a:avLst>
+                  <a:gd name="adj" fmla="val 8776"/>
+                </a:avLst>
+              </a:prstGeom>
+              <a:solidFill>
+                <a:srgbClr val="F2F2F2"/>
+              </a:solidFill>
+              <a:ln w="6350" cap="flat" cmpd="sng" algn="ctr">
+                <a:solidFill>
+                  <a:srgbClr val="333333"/>
+                </a:solidFill>
+                <a:prstDash val="solid"/>
+                <a:round/>
+                <a:headEnd type="none" w="med" len="med"/>
+                <a:tailEnd type="none" w="med" len="med"/>
+              </a:ln>
+              <a:effectLst/>
+            </p:spPr>
+            <p:style>
+              <a:lnRef idx="2">
+                <a:schemeClr val="accent1">
+                  <a:shade val="50000"/>
+                </a:schemeClr>
+              </a:lnRef>
+              <a:fillRef idx="1">
+                <a:schemeClr val="accent1"/>
+              </a:fillRef>
+              <a:effectRef idx="0">
+                <a:schemeClr val="accent1"/>
+              </a:effectRef>
+              <a:fontRef idx="minor">
+                <a:schemeClr val="lt1"/>
+              </a:fontRef>
+            </p:style>
+            <p:txBody>
+              <a:bodyPr rtlCol="0" anchor="ctr"/>
+              <a:lstStyle>
+                <a:defPPr>
+                  <a:defRPr lang="en-US"/>
+                </a:defPPr>
+                <a:lvl1pPr marL="0" algn="l" defTabSz="914400" rtl="0" eaLnBrk="1" latinLnBrk="0" hangingPunct="1">
+                  <a:defRPr sz="1800" kern="1200">
+                    <a:solidFill>
+                      <a:schemeClr val="lt1"/>
+                    </a:solidFill>
+                    <a:latin typeface="+mn-lt"/>
+                    <a:ea typeface="+mn-ea"/>
+                    <a:cs typeface="+mn-cs"/>
+                  </a:defRPr>
+                </a:lvl1pPr>
+                <a:lvl2pPr marL="457200" algn="l" defTabSz="914400" rtl="0" eaLnBrk="1" latinLnBrk="0" hangingPunct="1">
+                  <a:defRPr sz="1800" kern="1200">
+                    <a:solidFill>
+                      <a:schemeClr val="lt1"/>
+                    </a:solidFill>
+                    <a:latin typeface="+mn-lt"/>
+                    <a:ea typeface="+mn-ea"/>
+                    <a:cs typeface="+mn-cs"/>
+                  </a:defRPr>
+                </a:lvl2pPr>
+                <a:lvl3pPr marL="914400" algn="l" defTabSz="914400" rtl="0" eaLnBrk="1" latinLnBrk="0" hangingPunct="1">
+                  <a:defRPr sz="1800" kern="1200">
+                    <a:solidFill>
+                      <a:schemeClr val="lt1"/>
+                    </a:solidFill>
+                    <a:latin typeface="+mn-lt"/>
+                    <a:ea typeface="+mn-ea"/>
+                    <a:cs typeface="+mn-cs"/>
+                  </a:defRPr>
+                </a:lvl3pPr>
+                <a:lvl4pPr marL="1371600" algn="l" defTabSz="914400" rtl="0" eaLnBrk="1" latinLnBrk="0" hangingPunct="1">
+                  <a:defRPr sz="1800" kern="1200">
+                    <a:solidFill>
+                      <a:schemeClr val="lt1"/>
+                    </a:solidFill>
+                    <a:latin typeface="+mn-lt"/>
+                    <a:ea typeface="+mn-ea"/>
+                    <a:cs typeface="+mn-cs"/>
+                  </a:defRPr>
+                </a:lvl4pPr>
+                <a:lvl5pPr marL="1828800" algn="l" defTabSz="914400" rtl="0" eaLnBrk="1" latinLnBrk="0" hangingPunct="1">
+                  <a:defRPr sz="1800" kern="1200">
+                    <a:solidFill>
+                      <a:schemeClr val="lt1"/>
+                    </a:solidFill>
+                    <a:latin typeface="+mn-lt"/>
+                    <a:ea typeface="+mn-ea"/>
+                    <a:cs typeface="+mn-cs"/>
+                  </a:defRPr>
+                </a:lvl5pPr>
+                <a:lvl6pPr marL="2286000" algn="l" defTabSz="914400" rtl="0" eaLnBrk="1" latinLnBrk="0" hangingPunct="1">
+                  <a:defRPr sz="1800" kern="1200">
+                    <a:solidFill>
+                      <a:schemeClr val="lt1"/>
+                    </a:solidFill>
+                    <a:latin typeface="+mn-lt"/>
+                    <a:ea typeface="+mn-ea"/>
+                    <a:cs typeface="+mn-cs"/>
+                  </a:defRPr>
+                </a:lvl6pPr>
+                <a:lvl7pPr marL="2743200" algn="l" defTabSz="914400" rtl="0" eaLnBrk="1" latinLnBrk="0" hangingPunct="1">
+                  <a:defRPr sz="1800" kern="1200">
+                    <a:solidFill>
+                      <a:schemeClr val="lt1"/>
+                    </a:solidFill>
+                    <a:latin typeface="+mn-lt"/>
+                    <a:ea typeface="+mn-ea"/>
+                    <a:cs typeface="+mn-cs"/>
+                  </a:defRPr>
+                </a:lvl7pPr>
+                <a:lvl8pPr marL="3200400" algn="l" defTabSz="914400" rtl="0" eaLnBrk="1" latinLnBrk="0" hangingPunct="1">
+                  <a:defRPr sz="1800" kern="1200">
+                    <a:solidFill>
+                      <a:schemeClr val="lt1"/>
+                    </a:solidFill>
+                    <a:latin typeface="+mn-lt"/>
+                    <a:ea typeface="+mn-ea"/>
+                    <a:cs typeface="+mn-cs"/>
+                  </a:defRPr>
+                </a:lvl8pPr>
+                <a:lvl9pPr marL="3657600" algn="l" defTabSz="914400" rtl="0" eaLnBrk="1" latinLnBrk="0" hangingPunct="1">
+                  <a:defRPr sz="1800" kern="1200">
+                    <a:solidFill>
+                      <a:schemeClr val="lt1"/>
+                    </a:solidFill>
+                    <a:latin typeface="+mn-lt"/>
+                    <a:ea typeface="+mn-ea"/>
+                    <a:cs typeface="+mn-cs"/>
+                  </a:defRPr>
+                </a:lvl9pPr>
+              </a:lstStyle>
+              <a:p>
+                <a:pPr algn="ctr"/>
+                <a:r>
+                  <a:rPr lang="en-US" sz="900" dirty="0" smtClean="0">
+                    <a:solidFill>
+                      <a:srgbClr val="262626"/>
+                    </a:solidFill>
+                    <a:effectLst/>
+                    <a:latin typeface="Calibri" pitchFamily="34" charset="0"/>
+                    <a:cs typeface="Calibri" pitchFamily="34" charset="0"/>
+                  </a:rPr>
+                  <a:t>OK</a:t>
+                </a:r>
+                <a:endParaRPr lang="en-US" sz="900" dirty="0">
+                  <a:solidFill>
+                    <a:srgbClr val="262626"/>
+                  </a:solidFill>
+                  <a:effectLst/>
+                  <a:latin typeface="Calibri" pitchFamily="34" charset="0"/>
+                  <a:cs typeface="Calibri" pitchFamily="34" charset="0"/>
+                </a:endParaRPr>
+              </a:p>
+            </p:txBody>
+          </p:sp>
+        </p:grpSp>
+        <p:grpSp>
+          <p:nvGrpSpPr>
+            <p:cNvPr id="21" name="Dialog Icons"/>
+            <p:cNvGrpSpPr/>
+            <p:nvPr/>
+          </p:nvGrpSpPr>
+          <p:grpSpPr>
+            <a:xfrm>
+              <a:off x="1500565" y="1161994"/>
+              <a:ext cx="221928" cy="135817"/>
+              <a:chOff x="664620" y="1650198"/>
+              <a:chExt cx="221928" cy="135817"/>
+            </a:xfrm>
+          </p:grpSpPr>
+          <p:sp>
+            <p:nvSpPr>
+              <p:cNvPr id="22" name="Error Icon" hidden="1"/>
+              <p:cNvSpPr>
+                <a:spLocks noChangeAspect="1" noEditPoints="1"/>
+              </p:cNvSpPr>
+              <p:nvPr>
+                <p:custDataLst>
+                  <p:tags r:id="rId7"/>
+                </p:custDataLst>
+              </p:nvPr>
+            </p:nvSpPr>
+            <p:spPr bwMode="auto">
+              <a:xfrm>
+                <a:off x="665333" y="1650198"/>
+                <a:ext cx="220505" cy="135817"/>
+              </a:xfrm>
+              <a:custGeom>
+                <a:avLst/>
+                <a:gdLst>
+                  <a:gd name="T0" fmla="*/ 114 w 395"/>
+                  <a:gd name="T1" fmla="*/ 3 h 395"/>
+                  <a:gd name="T2" fmla="*/ 0 w 395"/>
+                  <a:gd name="T3" fmla="*/ 120 h 395"/>
+                  <a:gd name="T4" fmla="*/ 3 w 395"/>
+                  <a:gd name="T5" fmla="*/ 282 h 395"/>
+                  <a:gd name="T6" fmla="*/ 120 w 395"/>
+                  <a:gd name="T7" fmla="*/ 395 h 395"/>
+                  <a:gd name="T8" fmla="*/ 282 w 395"/>
+                  <a:gd name="T9" fmla="*/ 393 h 395"/>
+                  <a:gd name="T10" fmla="*/ 395 w 395"/>
+                  <a:gd name="T11" fmla="*/ 276 h 395"/>
+                  <a:gd name="T12" fmla="*/ 393 w 395"/>
+                  <a:gd name="T13" fmla="*/ 114 h 395"/>
+                  <a:gd name="T14" fmla="*/ 276 w 395"/>
+                  <a:gd name="T15" fmla="*/ 0 h 395"/>
+                  <a:gd name="T16" fmla="*/ 123 w 395"/>
+                  <a:gd name="T17" fmla="*/ 17 h 395"/>
+                  <a:gd name="T18" fmla="*/ 378 w 395"/>
+                  <a:gd name="T19" fmla="*/ 123 h 395"/>
+                  <a:gd name="T20" fmla="*/ 272 w 395"/>
+                  <a:gd name="T21" fmla="*/ 378 h 395"/>
+                  <a:gd name="T22" fmla="*/ 17 w 395"/>
+                  <a:gd name="T23" fmla="*/ 272 h 395"/>
+                  <a:gd name="T24" fmla="*/ 123 w 395"/>
+                  <a:gd name="T25" fmla="*/ 17 h 395"/>
+                  <a:gd name="T26" fmla="*/ 112 w 395"/>
+                  <a:gd name="T27" fmla="*/ 89 h 395"/>
+                  <a:gd name="T28" fmla="*/ 88 w 395"/>
+                  <a:gd name="T29" fmla="*/ 112 h 395"/>
+                  <a:gd name="T30" fmla="*/ 89 w 395"/>
+                  <a:gd name="T31" fmla="*/ 140 h 395"/>
+                  <a:gd name="T32" fmla="*/ 89 w 395"/>
+                  <a:gd name="T33" fmla="*/ 256 h 395"/>
+                  <a:gd name="T34" fmla="*/ 112 w 395"/>
+                  <a:gd name="T35" fmla="*/ 307 h 395"/>
+                  <a:gd name="T36" fmla="*/ 198 w 395"/>
+                  <a:gd name="T37" fmla="*/ 248 h 395"/>
+                  <a:gd name="T38" fmla="*/ 284 w 395"/>
+                  <a:gd name="T39" fmla="*/ 307 h 395"/>
+                  <a:gd name="T40" fmla="*/ 306 w 395"/>
+                  <a:gd name="T41" fmla="*/ 256 h 395"/>
+                  <a:gd name="T42" fmla="*/ 306 w 395"/>
+                  <a:gd name="T43" fmla="*/ 140 h 395"/>
+                  <a:gd name="T44" fmla="*/ 306 w 395"/>
+                  <a:gd name="T45" fmla="*/ 111 h 395"/>
+                  <a:gd name="T46" fmla="*/ 270 w 395"/>
+                  <a:gd name="T47" fmla="*/ 83 h 395"/>
+                  <a:gd name="T48" fmla="*/ 198 w 395"/>
+                  <a:gd name="T49" fmla="*/ 147 h 395"/>
+                  <a:gd name="T50" fmla="*/ 125 w 395"/>
+                  <a:gd name="T51" fmla="*/ 83 h 395"/>
+                  <a:gd name="T52" fmla="*/ 272 w 395"/>
+                  <a:gd name="T53" fmla="*/ 102 h 395"/>
+                  <a:gd name="T54" fmla="*/ 294 w 395"/>
+                  <a:gd name="T55" fmla="*/ 127 h 395"/>
+                  <a:gd name="T56" fmla="*/ 294 w 395"/>
+                  <a:gd name="T57" fmla="*/ 269 h 395"/>
+                  <a:gd name="T58" fmla="*/ 272 w 395"/>
+                  <a:gd name="T59" fmla="*/ 294 h 395"/>
+                  <a:gd name="T60" fmla="*/ 198 w 395"/>
+                  <a:gd name="T61" fmla="*/ 223 h 395"/>
+                  <a:gd name="T62" fmla="*/ 124 w 395"/>
+                  <a:gd name="T63" fmla="*/ 294 h 395"/>
+                  <a:gd name="T64" fmla="*/ 101 w 395"/>
+                  <a:gd name="T65" fmla="*/ 269 h 395"/>
+                  <a:gd name="T66" fmla="*/ 102 w 395"/>
+                  <a:gd name="T67" fmla="*/ 128 h 395"/>
+                  <a:gd name="T68" fmla="*/ 124 w 395"/>
+                  <a:gd name="T69" fmla="*/ 102 h 395"/>
+                  <a:gd name="T70" fmla="*/ 198 w 395"/>
+                  <a:gd name="T71" fmla="*/ 172 h 395"/>
+                  <a:gd name="T72" fmla="*/ 270 w 395"/>
+                  <a:gd name="T73" fmla="*/ 101 h 395"/>
+                </a:gdLst>
+                <a:ahLst/>
+                <a:cxnLst>
+                  <a:cxn ang="0">
+                    <a:pos x="T0" y="T1"/>
+                  </a:cxn>
+                  <a:cxn ang="0">
+                    <a:pos x="T2" y="T3"/>
+                  </a:cxn>
+                  <a:cxn ang="0">
+                    <a:pos x="T4" y="T5"/>
+                  </a:cxn>
+                  <a:cxn ang="0">
+                    <a:pos x="T6" y="T7"/>
+                  </a:cxn>
+                  <a:cxn ang="0">
+                    <a:pos x="T8" y="T9"/>
+                  </a:cxn>
+                  <a:cxn ang="0">
+                    <a:pos x="T10" y="T11"/>
+                  </a:cxn>
+                  <a:cxn ang="0">
+                    <a:pos x="T12" y="T13"/>
+                  </a:cxn>
+                  <a:cxn ang="0">
+                    <a:pos x="T14" y="T15"/>
+                  </a:cxn>
+                  <a:cxn ang="0">
+                    <a:pos x="T16" y="T17"/>
+                  </a:cxn>
+                  <a:cxn ang="0">
+                    <a:pos x="T18" y="T19"/>
+                  </a:cxn>
+                  <a:cxn ang="0">
+                    <a:pos x="T20" y="T21"/>
+                  </a:cxn>
+                  <a:cxn ang="0">
+                    <a:pos x="T22" y="T23"/>
+                  </a:cxn>
+                  <a:cxn ang="0">
+                    <a:pos x="T24" y="T25"/>
+                  </a:cxn>
+                  <a:cxn ang="0">
+                    <a:pos x="T26" y="T27"/>
+                  </a:cxn>
+                  <a:cxn ang="0">
+                    <a:pos x="T28" y="T29"/>
+                  </a:cxn>
+                  <a:cxn ang="0">
+                    <a:pos x="T30" y="T31"/>
+                  </a:cxn>
+                  <a:cxn ang="0">
+                    <a:pos x="T32" y="T33"/>
+                  </a:cxn>
+                  <a:cxn ang="0">
+                    <a:pos x="T34" y="T35"/>
+                  </a:cxn>
+                  <a:cxn ang="0">
+                    <a:pos x="T36" y="T37"/>
+                  </a:cxn>
+                  <a:cxn ang="0">
+                    <a:pos x="T38" y="T39"/>
+                  </a:cxn>
+                  <a:cxn ang="0">
+                    <a:pos x="T40" y="T41"/>
+                  </a:cxn>
+                  <a:cxn ang="0">
+                    <a:pos x="T42" y="T43"/>
+                  </a:cxn>
+                  <a:cxn ang="0">
+                    <a:pos x="T44" y="T45"/>
+                  </a:cxn>
+                  <a:cxn ang="0">
+                    <a:pos x="T46" y="T47"/>
+                  </a:cxn>
+                  <a:cxn ang="0">
+                    <a:pos x="T48" y="T49"/>
+                  </a:cxn>
+                  <a:cxn ang="0">
+                    <a:pos x="T50" y="T51"/>
+                  </a:cxn>
+                  <a:cxn ang="0">
+                    <a:pos x="T52" y="T53"/>
+                  </a:cxn>
+                  <a:cxn ang="0">
+                    <a:pos x="T54" y="T55"/>
+                  </a:cxn>
+                  <a:cxn ang="0">
+                    <a:pos x="T56" y="T57"/>
+                  </a:cxn>
+                  <a:cxn ang="0">
+                    <a:pos x="T58" y="T59"/>
+                  </a:cxn>
+                  <a:cxn ang="0">
+                    <a:pos x="T60" y="T61"/>
+                  </a:cxn>
+                  <a:cxn ang="0">
+                    <a:pos x="T62" y="T63"/>
+                  </a:cxn>
+                  <a:cxn ang="0">
+                    <a:pos x="T64" y="T65"/>
+                  </a:cxn>
+                  <a:cxn ang="0">
+                    <a:pos x="T66" y="T67"/>
+                  </a:cxn>
+                  <a:cxn ang="0">
+                    <a:pos x="T68" y="T69"/>
+                  </a:cxn>
+                  <a:cxn ang="0">
+                    <a:pos x="T70" y="T71"/>
+                  </a:cxn>
+                  <a:cxn ang="0">
+                    <a:pos x="T72" y="T73"/>
+                  </a:cxn>
+                </a:cxnLst>
+                <a:rect l="0" t="0" r="r" b="b"/>
+                <a:pathLst>
+                  <a:path w="395" h="395">
+                    <a:moveTo>
+                      <a:pt x="120" y="0"/>
+                    </a:moveTo>
+                    <a:cubicBezTo>
+                      <a:pt x="118" y="0"/>
+                      <a:pt x="115" y="1"/>
+                      <a:pt x="114" y="3"/>
+                    </a:cubicBezTo>
+                    <a:lnTo>
+                      <a:pt x="3" y="114"/>
+                    </a:lnTo>
+                    <a:cubicBezTo>
+                      <a:pt x="1" y="115"/>
+                      <a:pt x="0" y="118"/>
+                      <a:pt x="0" y="120"/>
+                    </a:cubicBezTo>
+                    <a:lnTo>
+                      <a:pt x="0" y="276"/>
+                    </a:lnTo>
+                    <a:cubicBezTo>
+                      <a:pt x="0" y="278"/>
+                      <a:pt x="1" y="280"/>
+                      <a:pt x="3" y="282"/>
+                    </a:cubicBezTo>
+                    <a:lnTo>
+                      <a:pt x="114" y="393"/>
+                    </a:lnTo>
+                    <a:cubicBezTo>
+                      <a:pt x="115" y="394"/>
+                      <a:pt x="118" y="395"/>
+                      <a:pt x="120" y="395"/>
+                    </a:cubicBezTo>
+                    <a:lnTo>
+                      <a:pt x="276" y="395"/>
+                    </a:lnTo>
+                    <a:cubicBezTo>
+                      <a:pt x="278" y="395"/>
+                      <a:pt x="280" y="394"/>
+                      <a:pt x="282" y="393"/>
+                    </a:cubicBezTo>
+                    <a:lnTo>
+                      <a:pt x="393" y="282"/>
+                    </a:lnTo>
+                    <a:cubicBezTo>
+                      <a:pt x="394" y="280"/>
+                      <a:pt x="395" y="278"/>
+                      <a:pt x="395" y="276"/>
+                    </a:cubicBezTo>
+                    <a:lnTo>
+                      <a:pt x="395" y="120"/>
+                    </a:lnTo>
+                    <a:cubicBezTo>
+                      <a:pt x="395" y="118"/>
+                      <a:pt x="394" y="115"/>
+                      <a:pt x="393" y="114"/>
+                    </a:cubicBezTo>
+                    <a:lnTo>
+                      <a:pt x="282" y="3"/>
+                    </a:lnTo>
+                    <a:cubicBezTo>
+                      <a:pt x="280" y="1"/>
+                      <a:pt x="278" y="0"/>
+                      <a:pt x="276" y="0"/>
+                    </a:cubicBezTo>
+                    <a:lnTo>
+                      <a:pt x="120" y="0"/>
+                    </a:lnTo>
+                    <a:close/>
+                    <a:moveTo>
+                      <a:pt x="123" y="17"/>
+                    </a:moveTo>
+                    <a:lnTo>
+                      <a:pt x="272" y="17"/>
+                    </a:lnTo>
+                    <a:lnTo>
+                      <a:pt x="378" y="123"/>
+                    </a:lnTo>
+                    <a:lnTo>
+                      <a:pt x="378" y="272"/>
+                    </a:lnTo>
+                    <a:lnTo>
+                      <a:pt x="272" y="378"/>
+                    </a:lnTo>
+                    <a:lnTo>
+                      <a:pt x="123" y="378"/>
+                    </a:lnTo>
+                    <a:lnTo>
+                      <a:pt x="17" y="272"/>
+                    </a:lnTo>
+                    <a:lnTo>
+                      <a:pt x="17" y="123"/>
+                    </a:lnTo>
+                    <a:lnTo>
+                      <a:pt x="123" y="17"/>
+                    </a:lnTo>
+                    <a:close/>
+                    <a:moveTo>
+                      <a:pt x="125" y="83"/>
+                    </a:moveTo>
+                    <a:cubicBezTo>
+                      <a:pt x="120" y="83"/>
+                      <a:pt x="116" y="85"/>
+                      <a:pt x="112" y="89"/>
+                    </a:cubicBezTo>
+                    <a:lnTo>
+                      <a:pt x="89" y="111"/>
+                    </a:lnTo>
+                    <a:lnTo>
+                      <a:pt x="88" y="112"/>
+                    </a:lnTo>
+                    <a:cubicBezTo>
+                      <a:pt x="82" y="120"/>
+                      <a:pt x="82" y="131"/>
+                      <a:pt x="88" y="139"/>
+                    </a:cubicBezTo>
+                    <a:lnTo>
+                      <a:pt x="89" y="140"/>
+                    </a:lnTo>
+                    <a:lnTo>
+                      <a:pt x="147" y="198"/>
+                    </a:lnTo>
+                    <a:lnTo>
+                      <a:pt x="89" y="256"/>
+                    </a:lnTo>
+                    <a:cubicBezTo>
+                      <a:pt x="81" y="264"/>
+                      <a:pt x="81" y="276"/>
+                      <a:pt x="89" y="284"/>
+                    </a:cubicBezTo>
+                    <a:lnTo>
+                      <a:pt x="112" y="307"/>
+                    </a:lnTo>
+                    <a:cubicBezTo>
+                      <a:pt x="119" y="314"/>
+                      <a:pt x="132" y="314"/>
+                      <a:pt x="139" y="307"/>
+                    </a:cubicBezTo>
+                    <a:lnTo>
+                      <a:pt x="198" y="248"/>
+                    </a:lnTo>
+                    <a:lnTo>
+                      <a:pt x="256" y="307"/>
+                    </a:lnTo>
+                    <a:cubicBezTo>
+                      <a:pt x="264" y="314"/>
+                      <a:pt x="276" y="314"/>
+                      <a:pt x="284" y="307"/>
+                    </a:cubicBezTo>
+                    <a:lnTo>
+                      <a:pt x="306" y="284"/>
+                    </a:lnTo>
+                    <a:cubicBezTo>
+                      <a:pt x="314" y="277"/>
+                      <a:pt x="314" y="263"/>
+                      <a:pt x="306" y="256"/>
+                    </a:cubicBezTo>
+                    <a:lnTo>
+                      <a:pt x="248" y="198"/>
+                    </a:lnTo>
+                    <a:lnTo>
+                      <a:pt x="306" y="140"/>
+                    </a:lnTo>
+                    <a:cubicBezTo>
+                      <a:pt x="310" y="136"/>
+                      <a:pt x="313" y="131"/>
+                      <a:pt x="313" y="126"/>
+                    </a:cubicBezTo>
+                    <a:cubicBezTo>
+                      <a:pt x="313" y="120"/>
+                      <a:pt x="310" y="115"/>
+                      <a:pt x="306" y="111"/>
+                    </a:cubicBezTo>
+                    <a:lnTo>
+                      <a:pt x="284" y="89"/>
+                    </a:lnTo>
+                    <a:cubicBezTo>
+                      <a:pt x="280" y="86"/>
+                      <a:pt x="275" y="83"/>
+                      <a:pt x="270" y="83"/>
+                    </a:cubicBezTo>
+                    <a:cubicBezTo>
+                      <a:pt x="265" y="83"/>
+                      <a:pt x="260" y="86"/>
+                      <a:pt x="256" y="89"/>
+                    </a:cubicBezTo>
+                    <a:lnTo>
+                      <a:pt x="198" y="147"/>
+                    </a:lnTo>
+                    <a:lnTo>
+                      <a:pt x="139" y="90"/>
+                    </a:lnTo>
+                    <a:cubicBezTo>
+                      <a:pt x="135" y="86"/>
+                      <a:pt x="130" y="83"/>
+                      <a:pt x="125" y="83"/>
+                    </a:cubicBezTo>
+                    <a:close/>
+                    <a:moveTo>
+                      <a:pt x="270" y="101"/>
+                    </a:moveTo>
+                    <a:cubicBezTo>
+                      <a:pt x="271" y="101"/>
+                      <a:pt x="271" y="101"/>
+                      <a:pt x="272" y="102"/>
+                    </a:cubicBezTo>
+                    <a:lnTo>
+                      <a:pt x="294" y="124"/>
+                    </a:lnTo>
+                    <a:cubicBezTo>
+                      <a:pt x="295" y="125"/>
+                      <a:pt x="295" y="126"/>
+                      <a:pt x="294" y="127"/>
+                    </a:cubicBezTo>
+                    <a:cubicBezTo>
+                      <a:pt x="270" y="151"/>
+                      <a:pt x="247" y="174"/>
+                      <a:pt x="224" y="198"/>
+                    </a:cubicBezTo>
+                    <a:cubicBezTo>
+                      <a:pt x="247" y="221"/>
+                      <a:pt x="270" y="245"/>
+                      <a:pt x="294" y="269"/>
+                    </a:cubicBezTo>
+                    <a:cubicBezTo>
+                      <a:pt x="295" y="270"/>
+                      <a:pt x="295" y="270"/>
+                      <a:pt x="294" y="272"/>
+                    </a:cubicBezTo>
+                    <a:lnTo>
+                      <a:pt x="272" y="294"/>
+                    </a:lnTo>
+                    <a:cubicBezTo>
+                      <a:pt x="270" y="295"/>
+                      <a:pt x="270" y="295"/>
+                      <a:pt x="268" y="294"/>
+                    </a:cubicBezTo>
+                    <a:cubicBezTo>
+                      <a:pt x="245" y="270"/>
+                      <a:pt x="221" y="247"/>
+                      <a:pt x="198" y="223"/>
+                    </a:cubicBezTo>
+                    <a:lnTo>
+                      <a:pt x="127" y="294"/>
+                    </a:lnTo>
+                    <a:cubicBezTo>
+                      <a:pt x="126" y="295"/>
+                      <a:pt x="125" y="295"/>
+                      <a:pt x="124" y="294"/>
+                    </a:cubicBezTo>
+                    <a:lnTo>
+                      <a:pt x="101" y="271"/>
+                    </a:lnTo>
+                    <a:lnTo>
+                      <a:pt x="101" y="269"/>
+                    </a:lnTo>
+                    <a:lnTo>
+                      <a:pt x="172" y="198"/>
+                    </a:lnTo>
+                    <a:cubicBezTo>
+                      <a:pt x="150" y="174"/>
+                      <a:pt x="125" y="151"/>
+                      <a:pt x="102" y="128"/>
+                    </a:cubicBezTo>
+                    <a:cubicBezTo>
+                      <a:pt x="100" y="126"/>
+                      <a:pt x="100" y="125"/>
+                      <a:pt x="102" y="123"/>
+                    </a:cubicBezTo>
+                    <a:lnTo>
+                      <a:pt x="124" y="102"/>
+                    </a:lnTo>
+                    <a:cubicBezTo>
+                      <a:pt x="125" y="101"/>
+                      <a:pt x="126" y="101"/>
+                      <a:pt x="127" y="102"/>
+                    </a:cubicBezTo>
+                    <a:cubicBezTo>
+                      <a:pt x="151" y="125"/>
+                      <a:pt x="174" y="149"/>
+                      <a:pt x="198" y="172"/>
+                    </a:cubicBezTo>
+                    <a:lnTo>
+                      <a:pt x="268" y="102"/>
+                    </a:lnTo>
+                    <a:cubicBezTo>
+                      <a:pt x="269" y="101"/>
+                      <a:pt x="269" y="101"/>
+                      <a:pt x="270" y="101"/>
+                    </a:cubicBezTo>
+                    <a:close/>
+                  </a:path>
+                </a:pathLst>
+              </a:custGeom>
+              <a:solidFill>
+                <a:srgbClr val="262626"/>
+              </a:solidFill>
+              <a:ln w="0">
+                <a:noFill/>
+                <a:prstDash val="solid"/>
+                <a:round/>
+                <a:headEnd/>
+                <a:tailEnd/>
+              </a:ln>
+              <a:extLst>
+                <a:ext uri="{91240B29-F687-4F45-9708-019B960494DF}">
+                  <a14:hiddenLine xmlns:a14="http://schemas.microsoft.com/office/drawing/2010/main" w="0">
+                    <a:solidFill>
+                      <a:prstClr val="black"/>
+                    </a:solidFill>
+                    <a:prstDash val="solid"/>
+                    <a:round/>
+                    <a:headEnd/>
+                    <a:tailEnd/>
+                  </a14:hiddenLine>
+                </a:ext>
+              </a:extLst>
+            </p:spPr>
+            <p:txBody>
+              <a:bodyPr vert="horz" wrap="square" lIns="91440" tIns="45720" rIns="91440" bIns="45720" numCol="1" anchor="t" anchorCtr="0" compatLnSpc="1">
+                <a:prstTxWarp prst="textNoShape">
+                  <a:avLst/>
+                </a:prstTxWarp>
+              </a:bodyPr>
+              <a:lstStyle>
+                <a:defPPr>
+                  <a:defRPr lang="en-US"/>
+                </a:defPPr>
+                <a:lvl1pPr marL="0" algn="l" defTabSz="914400" rtl="0" eaLnBrk="1" latinLnBrk="0" hangingPunct="1">
+                  <a:defRPr sz="1800" kern="1200">
+                    <a:solidFill>
+                      <a:schemeClr val="tx1"/>
+                    </a:solidFill>
+                    <a:latin typeface="+mn-lt"/>
+                    <a:ea typeface="+mn-ea"/>
+                    <a:cs typeface="+mn-cs"/>
+                  </a:defRPr>
+                </a:lvl1pPr>
+                <a:lvl2pPr marL="457200" algn="l" defTabSz="914400" rtl="0" eaLnBrk="1" latinLnBrk="0" hangingPunct="1">
+                  <a:defRPr sz="1800" kern="1200">
+                    <a:solidFill>
+                      <a:schemeClr val="tx1"/>
+                    </a:solidFill>
+                    <a:latin typeface="+mn-lt"/>
+                    <a:ea typeface="+mn-ea"/>
+                    <a:cs typeface="+mn-cs"/>
+                  </a:defRPr>
+                </a:lvl2pPr>
+                <a:lvl3pPr marL="914400" algn="l" defTabSz="914400" rtl="0" eaLnBrk="1" latinLnBrk="0" hangingPunct="1">
+                  <a:defRPr sz="1800" kern="1200">
+                    <a:solidFill>
+                      <a:schemeClr val="tx1"/>
+                    </a:solidFill>
+                    <a:latin typeface="+mn-lt"/>
+                    <a:ea typeface="+mn-ea"/>
+                    <a:cs typeface="+mn-cs"/>
+                  </a:defRPr>
+                </a:lvl3pPr>
+                <a:lvl4pPr marL="1371600" algn="l" defTabSz="914400" rtl="0" eaLnBrk="1" latinLnBrk="0" hangingPunct="1">
+                  <a:defRPr sz="1800" kern="1200">
+                    <a:solidFill>
+                      <a:schemeClr val="tx1"/>
+                    </a:solidFill>
+                    <a:latin typeface="+mn-lt"/>
+                    <a:ea typeface="+mn-ea"/>
+                    <a:cs typeface="+mn-cs"/>
+                  </a:defRPr>
+                </a:lvl4pPr>
+                <a:lvl5pPr marL="1828800" algn="l" defTabSz="914400" rtl="0" eaLnBrk="1" latinLnBrk="0" hangingPunct="1">
+                  <a:defRPr sz="1800" kern="1200">
+                    <a:solidFill>
+                      <a:schemeClr val="tx1"/>
+                    </a:solidFill>
+                    <a:latin typeface="+mn-lt"/>
+                    <a:ea typeface="+mn-ea"/>
+                    <a:cs typeface="+mn-cs"/>
+                  </a:defRPr>
+                </a:lvl5pPr>
+                <a:lvl6pPr marL="2286000" algn="l" defTabSz="914400" rtl="0" eaLnBrk="1" latinLnBrk="0" hangingPunct="1">
+                  <a:defRPr sz="1800" kern="1200">
+                    <a:solidFill>
+                      <a:schemeClr val="tx1"/>
+                    </a:solidFill>
+                    <a:latin typeface="+mn-lt"/>
+                    <a:ea typeface="+mn-ea"/>
+                    <a:cs typeface="+mn-cs"/>
+                  </a:defRPr>
+                </a:lvl6pPr>
+                <a:lvl7pPr marL="2743200" algn="l" defTabSz="914400" rtl="0" eaLnBrk="1" latinLnBrk="0" hangingPunct="1">
+                  <a:defRPr sz="1800" kern="1200">
+                    <a:solidFill>
+                      <a:schemeClr val="tx1"/>
+                    </a:solidFill>
+                    <a:latin typeface="+mn-lt"/>
+                    <a:ea typeface="+mn-ea"/>
+                    <a:cs typeface="+mn-cs"/>
+                  </a:defRPr>
+                </a:lvl7pPr>
+                <a:lvl8pPr marL="3200400" algn="l" defTabSz="914400" rtl="0" eaLnBrk="1" latinLnBrk="0" hangingPunct="1">
+                  <a:defRPr sz="1800" kern="1200">
+                    <a:solidFill>
+                      <a:schemeClr val="tx1"/>
+                    </a:solidFill>
+                    <a:latin typeface="+mn-lt"/>
+                    <a:ea typeface="+mn-ea"/>
+                    <a:cs typeface="+mn-cs"/>
+                  </a:defRPr>
+                </a:lvl8pPr>
+                <a:lvl9pPr marL="3657600" algn="l" defTabSz="914400" rtl="0" eaLnBrk="1" latinLnBrk="0" hangingPunct="1">
+                  <a:defRPr sz="1800" kern="1200">
+                    <a:solidFill>
+                      <a:schemeClr val="tx1"/>
+                    </a:solidFill>
+                    <a:latin typeface="+mn-lt"/>
+                    <a:ea typeface="+mn-ea"/>
+                    <a:cs typeface="+mn-cs"/>
+                  </a:defRPr>
+                </a:lvl9pPr>
+              </a:lstStyle>
+              <a:p>
+                <a:endParaRPr lang="en-US" sz="900">
+                  <a:solidFill>
+                    <a:srgbClr val="262626"/>
+                  </a:solidFill>
+                  <a:latin typeface="Calibri" pitchFamily="34" charset="0"/>
+                  <a:cs typeface="Calibri" pitchFamily="34" charset="0"/>
+                </a:endParaRPr>
+              </a:p>
+            </p:txBody>
+          </p:sp>
+          <p:sp>
+            <p:nvSpPr>
+              <p:cNvPr id="23" name="Warning Icon" hidden="1"/>
+              <p:cNvSpPr>
+                <a:spLocks noChangeAspect="1" noEditPoints="1"/>
+              </p:cNvSpPr>
+              <p:nvPr>
+                <p:custDataLst>
+                  <p:tags r:id="rId8"/>
+                </p:custDataLst>
+              </p:nvPr>
+            </p:nvSpPr>
+            <p:spPr bwMode="auto">
+              <a:xfrm>
+                <a:off x="664620" y="1653265"/>
+                <a:ext cx="221928" cy="129683"/>
+              </a:xfrm>
+              <a:custGeom>
+                <a:avLst/>
+                <a:gdLst>
+                  <a:gd name="T0" fmla="*/ 199 w 400"/>
+                  <a:gd name="T1" fmla="*/ 0 h 380"/>
+                  <a:gd name="T2" fmla="*/ 158 w 400"/>
+                  <a:gd name="T3" fmla="*/ 25 h 380"/>
+                  <a:gd name="T4" fmla="*/ 158 w 400"/>
+                  <a:gd name="T5" fmla="*/ 25 h 380"/>
+                  <a:gd name="T6" fmla="*/ 7 w 400"/>
+                  <a:gd name="T7" fmla="*/ 310 h 380"/>
+                  <a:gd name="T8" fmla="*/ 7 w 400"/>
+                  <a:gd name="T9" fmla="*/ 310 h 380"/>
+                  <a:gd name="T10" fmla="*/ 7 w 400"/>
+                  <a:gd name="T11" fmla="*/ 311 h 380"/>
+                  <a:gd name="T12" fmla="*/ 10 w 400"/>
+                  <a:gd name="T13" fmla="*/ 357 h 380"/>
+                  <a:gd name="T14" fmla="*/ 49 w 400"/>
+                  <a:gd name="T15" fmla="*/ 380 h 380"/>
+                  <a:gd name="T16" fmla="*/ 350 w 400"/>
+                  <a:gd name="T17" fmla="*/ 380 h 380"/>
+                  <a:gd name="T18" fmla="*/ 391 w 400"/>
+                  <a:gd name="T19" fmla="*/ 357 h 380"/>
+                  <a:gd name="T20" fmla="*/ 392 w 400"/>
+                  <a:gd name="T21" fmla="*/ 311 h 380"/>
+                  <a:gd name="T22" fmla="*/ 242 w 400"/>
+                  <a:gd name="T23" fmla="*/ 25 h 380"/>
+                  <a:gd name="T24" fmla="*/ 242 w 400"/>
+                  <a:gd name="T25" fmla="*/ 25 h 380"/>
+                  <a:gd name="T26" fmla="*/ 242 w 400"/>
+                  <a:gd name="T27" fmla="*/ 25 h 380"/>
+                  <a:gd name="T28" fmla="*/ 199 w 400"/>
+                  <a:gd name="T29" fmla="*/ 0 h 380"/>
+                  <a:gd name="T30" fmla="*/ 199 w 400"/>
+                  <a:gd name="T31" fmla="*/ 17 h 380"/>
+                  <a:gd name="T32" fmla="*/ 226 w 400"/>
+                  <a:gd name="T33" fmla="*/ 34 h 380"/>
+                  <a:gd name="T34" fmla="*/ 376 w 400"/>
+                  <a:gd name="T35" fmla="*/ 318 h 380"/>
+                  <a:gd name="T36" fmla="*/ 376 w 400"/>
+                  <a:gd name="T37" fmla="*/ 348 h 380"/>
+                  <a:gd name="T38" fmla="*/ 350 w 400"/>
+                  <a:gd name="T39" fmla="*/ 363 h 380"/>
+                  <a:gd name="T40" fmla="*/ 49 w 400"/>
+                  <a:gd name="T41" fmla="*/ 363 h 380"/>
+                  <a:gd name="T42" fmla="*/ 23 w 400"/>
+                  <a:gd name="T43" fmla="*/ 346 h 380"/>
+                  <a:gd name="T44" fmla="*/ 23 w 400"/>
+                  <a:gd name="T45" fmla="*/ 318 h 380"/>
+                  <a:gd name="T46" fmla="*/ 174 w 400"/>
+                  <a:gd name="T47" fmla="*/ 33 h 380"/>
+                  <a:gd name="T48" fmla="*/ 199 w 400"/>
+                  <a:gd name="T49" fmla="*/ 17 h 380"/>
+                  <a:gd name="T50" fmla="*/ 183 w 400"/>
+                  <a:gd name="T51" fmla="*/ 81 h 380"/>
+                  <a:gd name="T52" fmla="*/ 167 w 400"/>
+                  <a:gd name="T53" fmla="*/ 88 h 380"/>
+                  <a:gd name="T54" fmla="*/ 163 w 400"/>
+                  <a:gd name="T55" fmla="*/ 103 h 380"/>
+                  <a:gd name="T56" fmla="*/ 170 w 400"/>
+                  <a:gd name="T57" fmla="*/ 228 h 380"/>
+                  <a:gd name="T58" fmla="*/ 177 w 400"/>
+                  <a:gd name="T59" fmla="*/ 243 h 380"/>
+                  <a:gd name="T60" fmla="*/ 191 w 400"/>
+                  <a:gd name="T61" fmla="*/ 247 h 380"/>
+                  <a:gd name="T62" fmla="*/ 208 w 400"/>
+                  <a:gd name="T63" fmla="*/ 247 h 380"/>
+                  <a:gd name="T64" fmla="*/ 222 w 400"/>
+                  <a:gd name="T65" fmla="*/ 243 h 380"/>
+                  <a:gd name="T66" fmla="*/ 229 w 400"/>
+                  <a:gd name="T67" fmla="*/ 228 h 380"/>
+                  <a:gd name="T68" fmla="*/ 236 w 400"/>
+                  <a:gd name="T69" fmla="*/ 107 h 380"/>
+                  <a:gd name="T70" fmla="*/ 236 w 400"/>
+                  <a:gd name="T71" fmla="*/ 100 h 380"/>
+                  <a:gd name="T72" fmla="*/ 232 w 400"/>
+                  <a:gd name="T73" fmla="*/ 88 h 380"/>
+                  <a:gd name="T74" fmla="*/ 216 w 400"/>
+                  <a:gd name="T75" fmla="*/ 81 h 380"/>
+                  <a:gd name="T76" fmla="*/ 183 w 400"/>
+                  <a:gd name="T77" fmla="*/ 81 h 380"/>
+                  <a:gd name="T78" fmla="*/ 218 w 400"/>
+                  <a:gd name="T79" fmla="*/ 102 h 380"/>
+                  <a:gd name="T80" fmla="*/ 211 w 400"/>
+                  <a:gd name="T81" fmla="*/ 227 h 380"/>
+                  <a:gd name="T82" fmla="*/ 208 w 400"/>
+                  <a:gd name="T83" fmla="*/ 230 h 380"/>
+                  <a:gd name="T84" fmla="*/ 191 w 400"/>
+                  <a:gd name="T85" fmla="*/ 230 h 380"/>
+                  <a:gd name="T86" fmla="*/ 187 w 400"/>
+                  <a:gd name="T87" fmla="*/ 227 h 380"/>
+                  <a:gd name="T88" fmla="*/ 181 w 400"/>
+                  <a:gd name="T89" fmla="*/ 102 h 380"/>
+                  <a:gd name="T90" fmla="*/ 183 w 400"/>
+                  <a:gd name="T91" fmla="*/ 99 h 380"/>
+                  <a:gd name="T92" fmla="*/ 216 w 400"/>
+                  <a:gd name="T93" fmla="*/ 99 h 380"/>
+                  <a:gd name="T94" fmla="*/ 218 w 400"/>
+                  <a:gd name="T95" fmla="*/ 102 h 380"/>
+                  <a:gd name="T96" fmla="*/ 200 w 400"/>
+                  <a:gd name="T97" fmla="*/ 257 h 380"/>
+                  <a:gd name="T98" fmla="*/ 160 w 400"/>
+                  <a:gd name="T99" fmla="*/ 298 h 380"/>
+                  <a:gd name="T100" fmla="*/ 200 w 400"/>
+                  <a:gd name="T101" fmla="*/ 338 h 380"/>
+                  <a:gd name="T102" fmla="*/ 240 w 400"/>
+                  <a:gd name="T103" fmla="*/ 298 h 380"/>
+                  <a:gd name="T104" fmla="*/ 200 w 400"/>
+                  <a:gd name="T105" fmla="*/ 257 h 380"/>
+                  <a:gd name="T106" fmla="*/ 200 w 400"/>
+                  <a:gd name="T107" fmla="*/ 275 h 380"/>
+                  <a:gd name="T108" fmla="*/ 222 w 400"/>
+                  <a:gd name="T109" fmla="*/ 298 h 380"/>
+                  <a:gd name="T110" fmla="*/ 200 w 400"/>
+                  <a:gd name="T111" fmla="*/ 320 h 380"/>
+                  <a:gd name="T112" fmla="*/ 178 w 400"/>
+                  <a:gd name="T113" fmla="*/ 298 h 380"/>
+                  <a:gd name="T114" fmla="*/ 200 w 400"/>
+                  <a:gd name="T115" fmla="*/ 275 h 380"/>
+                </a:gdLst>
+                <a:ahLst/>
+                <a:cxnLst>
+                  <a:cxn ang="0">
+                    <a:pos x="T0" y="T1"/>
+                  </a:cxn>
+                  <a:cxn ang="0">
+                    <a:pos x="T2" y="T3"/>
+                  </a:cxn>
+                  <a:cxn ang="0">
+                    <a:pos x="T4" y="T5"/>
+                  </a:cxn>
+                  <a:cxn ang="0">
+                    <a:pos x="T6" y="T7"/>
+                  </a:cxn>
+                  <a:cxn ang="0">
+                    <a:pos x="T8" y="T9"/>
+                  </a:cxn>
+                  <a:cxn ang="0">
+                    <a:pos x="T10" y="T11"/>
+                  </a:cxn>
+                  <a:cxn ang="0">
+                    <a:pos x="T12" y="T13"/>
+                  </a:cxn>
+                  <a:cxn ang="0">
+                    <a:pos x="T14" y="T15"/>
+                  </a:cxn>
+                  <a:cxn ang="0">
+                    <a:pos x="T16" y="T17"/>
+                  </a:cxn>
+                  <a:cxn ang="0">
+                    <a:pos x="T18" y="T19"/>
+                  </a:cxn>
+                  <a:cxn ang="0">
+                    <a:pos x="T20" y="T21"/>
+                  </a:cxn>
+                  <a:cxn ang="0">
+                    <a:pos x="T22" y="T23"/>
+                  </a:cxn>
+                  <a:cxn ang="0">
+                    <a:pos x="T24" y="T25"/>
+                  </a:cxn>
+                  <a:cxn ang="0">
+                    <a:pos x="T26" y="T27"/>
+                  </a:cxn>
+                  <a:cxn ang="0">
+                    <a:pos x="T28" y="T29"/>
+                  </a:cxn>
+                  <a:cxn ang="0">
+                    <a:pos x="T30" y="T31"/>
+                  </a:cxn>
+                  <a:cxn ang="0">
+                    <a:pos x="T32" y="T33"/>
+                  </a:cxn>
+                  <a:cxn ang="0">
+                    <a:pos x="T34" y="T35"/>
+                  </a:cxn>
+                  <a:cxn ang="0">
+                    <a:pos x="T36" y="T37"/>
+                  </a:cxn>
+                  <a:cxn ang="0">
+                    <a:pos x="T38" y="T39"/>
+                  </a:cxn>
+                  <a:cxn ang="0">
+                    <a:pos x="T40" y="T41"/>
+                  </a:cxn>
+                  <a:cxn ang="0">
+                    <a:pos x="T42" y="T43"/>
+                  </a:cxn>
+                  <a:cxn ang="0">
+                    <a:pos x="T44" y="T45"/>
+                  </a:cxn>
+                  <a:cxn ang="0">
+                    <a:pos x="T46" y="T47"/>
+                  </a:cxn>
+                  <a:cxn ang="0">
+                    <a:pos x="T48" y="T49"/>
+                  </a:cxn>
+                  <a:cxn ang="0">
+                    <a:pos x="T50" y="T51"/>
+                  </a:cxn>
+                  <a:cxn ang="0">
+                    <a:pos x="T52" y="T53"/>
+                  </a:cxn>
+                  <a:cxn ang="0">
+                    <a:pos x="T54" y="T55"/>
+                  </a:cxn>
+                  <a:cxn ang="0">
+                    <a:pos x="T56" y="T57"/>
+                  </a:cxn>
+                  <a:cxn ang="0">
+                    <a:pos x="T58" y="T59"/>
+                  </a:cxn>
+                  <a:cxn ang="0">
+                    <a:pos x="T60" y="T61"/>
+                  </a:cxn>
+                  <a:cxn ang="0">
+                    <a:pos x="T62" y="T63"/>
+                  </a:cxn>
+                  <a:cxn ang="0">
+                    <a:pos x="T64" y="T65"/>
+                  </a:cxn>
+                  <a:cxn ang="0">
+                    <a:pos x="T66" y="T67"/>
+                  </a:cxn>
+                  <a:cxn ang="0">
+                    <a:pos x="T68" y="T69"/>
+                  </a:cxn>
+                  <a:cxn ang="0">
+                    <a:pos x="T70" y="T71"/>
+                  </a:cxn>
+                  <a:cxn ang="0">
+                    <a:pos x="T72" y="T73"/>
+                  </a:cxn>
+                  <a:cxn ang="0">
+                    <a:pos x="T74" y="T75"/>
+                  </a:cxn>
+                  <a:cxn ang="0">
+                    <a:pos x="T76" y="T77"/>
+                  </a:cxn>
+                  <a:cxn ang="0">
+                    <a:pos x="T78" y="T79"/>
+                  </a:cxn>
+                  <a:cxn ang="0">
+                    <a:pos x="T80" y="T81"/>
+                  </a:cxn>
+                  <a:cxn ang="0">
+                    <a:pos x="T82" y="T83"/>
+                  </a:cxn>
+                  <a:cxn ang="0">
+                    <a:pos x="T84" y="T85"/>
+                  </a:cxn>
+                  <a:cxn ang="0">
+                    <a:pos x="T86" y="T87"/>
+                  </a:cxn>
+                  <a:cxn ang="0">
+                    <a:pos x="T88" y="T89"/>
+                  </a:cxn>
+                  <a:cxn ang="0">
+                    <a:pos x="T90" y="T91"/>
+                  </a:cxn>
+                  <a:cxn ang="0">
+                    <a:pos x="T92" y="T93"/>
+                  </a:cxn>
+                  <a:cxn ang="0">
+                    <a:pos x="T94" y="T95"/>
+                  </a:cxn>
+                  <a:cxn ang="0">
+                    <a:pos x="T96" y="T97"/>
+                  </a:cxn>
+                  <a:cxn ang="0">
+                    <a:pos x="T98" y="T99"/>
+                  </a:cxn>
+                  <a:cxn ang="0">
+                    <a:pos x="T100" y="T101"/>
+                  </a:cxn>
+                  <a:cxn ang="0">
+                    <a:pos x="T102" y="T103"/>
+                  </a:cxn>
+                  <a:cxn ang="0">
+                    <a:pos x="T104" y="T105"/>
+                  </a:cxn>
+                  <a:cxn ang="0">
+                    <a:pos x="T106" y="T107"/>
+                  </a:cxn>
+                  <a:cxn ang="0">
+                    <a:pos x="T108" y="T109"/>
+                  </a:cxn>
+                  <a:cxn ang="0">
+                    <a:pos x="T110" y="T111"/>
+                  </a:cxn>
+                  <a:cxn ang="0">
+                    <a:pos x="T112" y="T113"/>
+                  </a:cxn>
+                  <a:cxn ang="0">
+                    <a:pos x="T114" y="T115"/>
+                  </a:cxn>
+                </a:cxnLst>
+                <a:rect l="0" t="0" r="r" b="b"/>
+                <a:pathLst>
+                  <a:path w="400" h="380">
+                    <a:moveTo>
+                      <a:pt x="199" y="0"/>
+                    </a:moveTo>
+                    <a:cubicBezTo>
+                      <a:pt x="182" y="0"/>
+                      <a:pt x="166" y="9"/>
+                      <a:pt x="158" y="25"/>
+                    </a:cubicBezTo>
+                    <a:lnTo>
+                      <a:pt x="158" y="25"/>
+                    </a:lnTo>
+                    <a:lnTo>
+                      <a:pt x="7" y="310"/>
+                    </a:lnTo>
+                    <a:lnTo>
+                      <a:pt x="7" y="310"/>
+                    </a:lnTo>
+                    <a:lnTo>
+                      <a:pt x="7" y="311"/>
+                    </a:lnTo>
+                    <a:cubicBezTo>
+                      <a:pt x="0" y="325"/>
+                      <a:pt x="1" y="343"/>
+                      <a:pt x="10" y="357"/>
+                    </a:cubicBezTo>
+                    <a:cubicBezTo>
+                      <a:pt x="21" y="373"/>
+                      <a:pt x="35" y="380"/>
+                      <a:pt x="49" y="380"/>
+                    </a:cubicBezTo>
+                    <a:lnTo>
+                      <a:pt x="350" y="380"/>
+                    </a:lnTo>
+                    <a:cubicBezTo>
+                      <a:pt x="367" y="380"/>
+                      <a:pt x="382" y="371"/>
+                      <a:pt x="391" y="357"/>
+                    </a:cubicBezTo>
+                    <a:cubicBezTo>
+                      <a:pt x="400" y="343"/>
+                      <a:pt x="399" y="325"/>
+                      <a:pt x="392" y="311"/>
+                    </a:cubicBezTo>
+                    <a:cubicBezTo>
+                      <a:pt x="340" y="211"/>
+                      <a:pt x="287" y="110"/>
+                      <a:pt x="242" y="25"/>
+                    </a:cubicBezTo>
+                    <a:lnTo>
+                      <a:pt x="242" y="25"/>
+                    </a:lnTo>
+                    <a:lnTo>
+                      <a:pt x="242" y="25"/>
+                    </a:lnTo>
+                    <a:cubicBezTo>
+                      <a:pt x="233" y="9"/>
+                      <a:pt x="217" y="0"/>
+                      <a:pt x="199" y="0"/>
+                    </a:cubicBezTo>
+                    <a:close/>
+                    <a:moveTo>
+                      <a:pt x="199" y="17"/>
+                    </a:moveTo>
+                    <a:cubicBezTo>
+                      <a:pt x="210" y="17"/>
+                      <a:pt x="221" y="24"/>
+                      <a:pt x="226" y="34"/>
+                    </a:cubicBezTo>
+                    <a:cubicBezTo>
+                      <a:pt x="276" y="129"/>
+                      <a:pt x="326" y="223"/>
+                      <a:pt x="376" y="318"/>
+                    </a:cubicBezTo>
+                    <a:cubicBezTo>
+                      <a:pt x="383" y="332"/>
+                      <a:pt x="380" y="340"/>
+                      <a:pt x="376" y="348"/>
+                    </a:cubicBezTo>
+                    <a:cubicBezTo>
+                      <a:pt x="370" y="356"/>
+                      <a:pt x="360" y="363"/>
+                      <a:pt x="350" y="363"/>
+                    </a:cubicBezTo>
+                    <a:lnTo>
+                      <a:pt x="49" y="363"/>
+                    </a:lnTo>
+                    <a:cubicBezTo>
+                      <a:pt x="35" y="362"/>
+                      <a:pt x="28" y="353"/>
+                      <a:pt x="23" y="346"/>
+                    </a:cubicBezTo>
+                    <a:cubicBezTo>
+                      <a:pt x="19" y="340"/>
+                      <a:pt x="19" y="327"/>
+                      <a:pt x="23" y="318"/>
+                    </a:cubicBezTo>
+                    <a:lnTo>
+                      <a:pt x="174" y="33"/>
+                    </a:lnTo>
+                    <a:cubicBezTo>
+                      <a:pt x="179" y="23"/>
+                      <a:pt x="189" y="17"/>
+                      <a:pt x="199" y="17"/>
+                    </a:cubicBezTo>
+                    <a:close/>
+                    <a:moveTo>
+                      <a:pt x="183" y="81"/>
+                    </a:moveTo>
+                    <a:cubicBezTo>
+                      <a:pt x="176" y="81"/>
+                      <a:pt x="170" y="84"/>
+                      <a:pt x="167" y="88"/>
+                    </a:cubicBezTo>
+                    <a:cubicBezTo>
+                      <a:pt x="164" y="93"/>
+                      <a:pt x="163" y="95"/>
+                      <a:pt x="163" y="103"/>
+                    </a:cubicBezTo>
+                    <a:lnTo>
+                      <a:pt x="170" y="228"/>
+                    </a:lnTo>
+                    <a:cubicBezTo>
+                      <a:pt x="170" y="234"/>
+                      <a:pt x="173" y="240"/>
+                      <a:pt x="177" y="243"/>
+                    </a:cubicBezTo>
+                    <a:cubicBezTo>
+                      <a:pt x="181" y="247"/>
+                      <a:pt x="186" y="247"/>
+                      <a:pt x="191" y="247"/>
+                    </a:cubicBezTo>
+                    <a:lnTo>
+                      <a:pt x="208" y="247"/>
+                    </a:lnTo>
+                    <a:cubicBezTo>
+                      <a:pt x="212" y="247"/>
+                      <a:pt x="218" y="247"/>
+                      <a:pt x="222" y="243"/>
+                    </a:cubicBezTo>
+                    <a:cubicBezTo>
+                      <a:pt x="226" y="239"/>
+                      <a:pt x="228" y="236"/>
+                      <a:pt x="229" y="228"/>
+                    </a:cubicBezTo>
+                    <a:lnTo>
+                      <a:pt x="236" y="107"/>
+                    </a:lnTo>
+                    <a:lnTo>
+                      <a:pt x="236" y="100"/>
+                    </a:lnTo>
+                    <a:cubicBezTo>
+                      <a:pt x="236" y="97"/>
+                      <a:pt x="236" y="92"/>
+                      <a:pt x="232" y="88"/>
+                    </a:cubicBezTo>
+                    <a:cubicBezTo>
+                      <a:pt x="229" y="84"/>
+                      <a:pt x="223" y="81"/>
+                      <a:pt x="216" y="81"/>
+                    </a:cubicBezTo>
+                    <a:lnTo>
+                      <a:pt x="183" y="81"/>
+                    </a:lnTo>
+                    <a:close/>
+                    <a:moveTo>
+                      <a:pt x="218" y="102"/>
+                    </a:moveTo>
+                    <a:cubicBezTo>
+                      <a:pt x="216" y="144"/>
+                      <a:pt x="214" y="185"/>
+                      <a:pt x="211" y="227"/>
+                    </a:cubicBezTo>
+                    <a:cubicBezTo>
+                      <a:pt x="211" y="230"/>
+                      <a:pt x="211" y="230"/>
+                      <a:pt x="208" y="230"/>
+                    </a:cubicBezTo>
+                    <a:lnTo>
+                      <a:pt x="191" y="230"/>
+                    </a:lnTo>
+                    <a:cubicBezTo>
+                      <a:pt x="187" y="230"/>
+                      <a:pt x="188" y="229"/>
+                      <a:pt x="187" y="227"/>
+                    </a:cubicBezTo>
+                    <a:cubicBezTo>
+                      <a:pt x="187" y="227"/>
+                      <a:pt x="181" y="103"/>
+                      <a:pt x="181" y="102"/>
+                    </a:cubicBezTo>
+                    <a:cubicBezTo>
+                      <a:pt x="181" y="100"/>
+                      <a:pt x="181" y="99"/>
+                      <a:pt x="183" y="99"/>
+                    </a:cubicBezTo>
+                    <a:lnTo>
+                      <a:pt x="216" y="99"/>
+                    </a:lnTo>
+                    <a:cubicBezTo>
+                      <a:pt x="219" y="99"/>
+                      <a:pt x="218" y="100"/>
+                      <a:pt x="218" y="102"/>
+                    </a:cubicBezTo>
+                    <a:close/>
+                    <a:moveTo>
+                      <a:pt x="200" y="257"/>
+                    </a:moveTo>
+                    <a:cubicBezTo>
+                      <a:pt x="177" y="257"/>
+                      <a:pt x="160" y="276"/>
+                      <a:pt x="160" y="298"/>
+                    </a:cubicBezTo>
+                    <a:cubicBezTo>
+                      <a:pt x="160" y="320"/>
+                      <a:pt x="178" y="338"/>
+                      <a:pt x="200" y="338"/>
+                    </a:cubicBezTo>
+                    <a:cubicBezTo>
+                      <a:pt x="221" y="338"/>
+                      <a:pt x="240" y="320"/>
+                      <a:pt x="240" y="298"/>
+                    </a:cubicBezTo>
+                    <a:cubicBezTo>
+                      <a:pt x="240" y="276"/>
+                      <a:pt x="222" y="257"/>
+                      <a:pt x="200" y="257"/>
+                    </a:cubicBezTo>
+                    <a:close/>
+                    <a:moveTo>
+                      <a:pt x="200" y="275"/>
+                    </a:moveTo>
+                    <a:cubicBezTo>
+                      <a:pt x="212" y="275"/>
+                      <a:pt x="222" y="285"/>
+                      <a:pt x="222" y="298"/>
+                    </a:cubicBezTo>
+                    <a:cubicBezTo>
+                      <a:pt x="222" y="309"/>
+                      <a:pt x="211" y="320"/>
+                      <a:pt x="200" y="320"/>
+                    </a:cubicBezTo>
+                    <a:cubicBezTo>
+                      <a:pt x="187" y="320"/>
+                      <a:pt x="178" y="311"/>
+                      <a:pt x="178" y="298"/>
+                    </a:cubicBezTo>
+                    <a:cubicBezTo>
+                      <a:pt x="178" y="285"/>
+                      <a:pt x="187" y="275"/>
+                      <a:pt x="200" y="275"/>
+                    </a:cubicBezTo>
+                    <a:close/>
+                  </a:path>
+                </a:pathLst>
+              </a:custGeom>
+              <a:solidFill>
+                <a:srgbClr val="262626"/>
+              </a:solidFill>
+              <a:ln w="0">
+                <a:noFill/>
+                <a:prstDash val="solid"/>
+                <a:round/>
+                <a:headEnd/>
+                <a:tailEnd/>
+              </a:ln>
+              <a:extLst>
+                <a:ext uri="{91240B29-F687-4F45-9708-019B960494DF}">
+                  <a14:hiddenLine xmlns:a14="http://schemas.microsoft.com/office/drawing/2010/main" w="0">
+                    <a:solidFill>
+                      <a:prstClr val="black"/>
+                    </a:solidFill>
+                    <a:prstDash val="solid"/>
+                    <a:round/>
+                    <a:headEnd/>
+                    <a:tailEnd/>
+                  </a14:hiddenLine>
+                </a:ext>
+              </a:extLst>
+            </p:spPr>
+            <p:txBody>
+              <a:bodyPr vert="horz" wrap="square" lIns="91440" tIns="45720" rIns="91440" bIns="45720" numCol="1" anchor="t" anchorCtr="0" compatLnSpc="1">
+                <a:prstTxWarp prst="textNoShape">
+                  <a:avLst/>
+                </a:prstTxWarp>
+              </a:bodyPr>
+              <a:lstStyle>
+                <a:defPPr>
+                  <a:defRPr lang="en-US"/>
+                </a:defPPr>
+                <a:lvl1pPr marL="0" algn="l" defTabSz="914400" rtl="0" eaLnBrk="1" latinLnBrk="0" hangingPunct="1">
+                  <a:defRPr sz="1800" kern="1200">
+                    <a:solidFill>
+                      <a:schemeClr val="tx1"/>
+                    </a:solidFill>
+                    <a:latin typeface="+mn-lt"/>
+                    <a:ea typeface="+mn-ea"/>
+                    <a:cs typeface="+mn-cs"/>
+                  </a:defRPr>
+                </a:lvl1pPr>
+                <a:lvl2pPr marL="457200" algn="l" defTabSz="914400" rtl="0" eaLnBrk="1" latinLnBrk="0" hangingPunct="1">
+                  <a:defRPr sz="1800" kern="1200">
+                    <a:solidFill>
+                      <a:schemeClr val="tx1"/>
+                    </a:solidFill>
+                    <a:latin typeface="+mn-lt"/>
+                    <a:ea typeface="+mn-ea"/>
+                    <a:cs typeface="+mn-cs"/>
+                  </a:defRPr>
+                </a:lvl2pPr>
+                <a:lvl3pPr marL="914400" algn="l" defTabSz="914400" rtl="0" eaLnBrk="1" latinLnBrk="0" hangingPunct="1">
+                  <a:defRPr sz="1800" kern="1200">
+                    <a:solidFill>
+                      <a:schemeClr val="tx1"/>
+                    </a:solidFill>
+                    <a:latin typeface="+mn-lt"/>
+                    <a:ea typeface="+mn-ea"/>
+                    <a:cs typeface="+mn-cs"/>
+                  </a:defRPr>
+                </a:lvl3pPr>
+                <a:lvl4pPr marL="1371600" algn="l" defTabSz="914400" rtl="0" eaLnBrk="1" latinLnBrk="0" hangingPunct="1">
+                  <a:defRPr sz="1800" kern="1200">
+                    <a:solidFill>
+                      <a:schemeClr val="tx1"/>
+                    </a:solidFill>
+                    <a:latin typeface="+mn-lt"/>
+                    <a:ea typeface="+mn-ea"/>
+                    <a:cs typeface="+mn-cs"/>
+                  </a:defRPr>
+                </a:lvl4pPr>
+                <a:lvl5pPr marL="1828800" algn="l" defTabSz="914400" rtl="0" eaLnBrk="1" latinLnBrk="0" hangingPunct="1">
+                  <a:defRPr sz="1800" kern="1200">
+                    <a:solidFill>
+                      <a:schemeClr val="tx1"/>
+                    </a:solidFill>
+                    <a:latin typeface="+mn-lt"/>
+                    <a:ea typeface="+mn-ea"/>
+                    <a:cs typeface="+mn-cs"/>
+                  </a:defRPr>
+                </a:lvl5pPr>
+                <a:lvl6pPr marL="2286000" algn="l" defTabSz="914400" rtl="0" eaLnBrk="1" latinLnBrk="0" hangingPunct="1">
+                  <a:defRPr sz="1800" kern="1200">
+                    <a:solidFill>
+                      <a:schemeClr val="tx1"/>
+                    </a:solidFill>
+                    <a:latin typeface="+mn-lt"/>
+                    <a:ea typeface="+mn-ea"/>
+                    <a:cs typeface="+mn-cs"/>
+                  </a:defRPr>
+                </a:lvl6pPr>
+                <a:lvl7pPr marL="2743200" algn="l" defTabSz="914400" rtl="0" eaLnBrk="1" latinLnBrk="0" hangingPunct="1">
+                  <a:defRPr sz="1800" kern="1200">
+                    <a:solidFill>
+                      <a:schemeClr val="tx1"/>
+                    </a:solidFill>
+                    <a:latin typeface="+mn-lt"/>
+                    <a:ea typeface="+mn-ea"/>
+                    <a:cs typeface="+mn-cs"/>
+                  </a:defRPr>
+                </a:lvl7pPr>
+                <a:lvl8pPr marL="3200400" algn="l" defTabSz="914400" rtl="0" eaLnBrk="1" latinLnBrk="0" hangingPunct="1">
+                  <a:defRPr sz="1800" kern="1200">
+                    <a:solidFill>
+                      <a:schemeClr val="tx1"/>
+                    </a:solidFill>
+                    <a:latin typeface="+mn-lt"/>
+                    <a:ea typeface="+mn-ea"/>
+                    <a:cs typeface="+mn-cs"/>
+                  </a:defRPr>
+                </a:lvl8pPr>
+                <a:lvl9pPr marL="3657600" algn="l" defTabSz="914400" rtl="0" eaLnBrk="1" latinLnBrk="0" hangingPunct="1">
+                  <a:defRPr sz="1800" kern="1200">
+                    <a:solidFill>
+                      <a:schemeClr val="tx1"/>
+                    </a:solidFill>
+                    <a:latin typeface="+mn-lt"/>
+                    <a:ea typeface="+mn-ea"/>
+                    <a:cs typeface="+mn-cs"/>
+                  </a:defRPr>
+                </a:lvl9pPr>
+              </a:lstStyle>
+              <a:p>
+                <a:endParaRPr lang="en-US" sz="900">
+                  <a:solidFill>
+                    <a:srgbClr val="262626"/>
+                  </a:solidFill>
+                  <a:latin typeface="Calibri" pitchFamily="34" charset="0"/>
+                  <a:cs typeface="Calibri" pitchFamily="34" charset="0"/>
+                </a:endParaRPr>
+              </a:p>
+            </p:txBody>
+          </p:sp>
+          <p:sp>
+            <p:nvSpPr>
+              <p:cNvPr id="24" name="Info Icon"/>
+              <p:cNvSpPr>
+                <a:spLocks noChangeAspect="1" noEditPoints="1"/>
+              </p:cNvSpPr>
+              <p:nvPr>
+                <p:custDataLst>
+                  <p:tags r:id="rId9"/>
+                </p:custDataLst>
+              </p:nvPr>
+            </p:nvSpPr>
+            <p:spPr bwMode="auto">
+              <a:xfrm>
+                <a:off x="666044" y="1651073"/>
+                <a:ext cx="219081" cy="134065"/>
+              </a:xfrm>
+              <a:custGeom>
+                <a:avLst/>
+                <a:gdLst>
+                  <a:gd name="T0" fmla="*/ 0 w 395"/>
+                  <a:gd name="T1" fmla="*/ 197 h 395"/>
+                  <a:gd name="T2" fmla="*/ 395 w 395"/>
+                  <a:gd name="T3" fmla="*/ 197 h 395"/>
+                  <a:gd name="T4" fmla="*/ 198 w 395"/>
+                  <a:gd name="T5" fmla="*/ 17 h 395"/>
+                  <a:gd name="T6" fmla="*/ 198 w 395"/>
+                  <a:gd name="T7" fmla="*/ 377 h 395"/>
+                  <a:gd name="T8" fmla="*/ 198 w 395"/>
+                  <a:gd name="T9" fmla="*/ 17 h 395"/>
+                  <a:gd name="T10" fmla="*/ 155 w 395"/>
+                  <a:gd name="T11" fmla="*/ 94 h 395"/>
+                  <a:gd name="T12" fmla="*/ 240 w 395"/>
+                  <a:gd name="T13" fmla="*/ 94 h 395"/>
+                  <a:gd name="T14" fmla="*/ 198 w 395"/>
+                  <a:gd name="T15" fmla="*/ 68 h 395"/>
+                  <a:gd name="T16" fmla="*/ 198 w 395"/>
+                  <a:gd name="T17" fmla="*/ 120 h 395"/>
+                  <a:gd name="T18" fmla="*/ 198 w 395"/>
+                  <a:gd name="T19" fmla="*/ 68 h 395"/>
+                  <a:gd name="T20" fmla="*/ 140 w 395"/>
+                  <a:gd name="T21" fmla="*/ 147 h 395"/>
+                  <a:gd name="T22" fmla="*/ 135 w 395"/>
+                  <a:gd name="T23" fmla="*/ 184 h 395"/>
+                  <a:gd name="T24" fmla="*/ 155 w 395"/>
+                  <a:gd name="T25" fmla="*/ 203 h 395"/>
+                  <a:gd name="T26" fmla="*/ 162 w 395"/>
+                  <a:gd name="T27" fmla="*/ 282 h 395"/>
+                  <a:gd name="T28" fmla="*/ 140 w 395"/>
+                  <a:gd name="T29" fmla="*/ 288 h 395"/>
+                  <a:gd name="T30" fmla="*/ 136 w 395"/>
+                  <a:gd name="T31" fmla="*/ 324 h 395"/>
+                  <a:gd name="T32" fmla="*/ 155 w 395"/>
+                  <a:gd name="T33" fmla="*/ 344 h 395"/>
+                  <a:gd name="T34" fmla="*/ 256 w 395"/>
+                  <a:gd name="T35" fmla="*/ 338 h 395"/>
+                  <a:gd name="T36" fmla="*/ 260 w 395"/>
+                  <a:gd name="T37" fmla="*/ 302 h 395"/>
+                  <a:gd name="T38" fmla="*/ 241 w 395"/>
+                  <a:gd name="T39" fmla="*/ 282 h 395"/>
+                  <a:gd name="T40" fmla="*/ 234 w 395"/>
+                  <a:gd name="T41" fmla="*/ 162 h 395"/>
+                  <a:gd name="T42" fmla="*/ 215 w 395"/>
+                  <a:gd name="T43" fmla="*/ 142 h 395"/>
+                  <a:gd name="T44" fmla="*/ 215 w 395"/>
+                  <a:gd name="T45" fmla="*/ 160 h 395"/>
+                  <a:gd name="T46" fmla="*/ 216 w 395"/>
+                  <a:gd name="T47" fmla="*/ 300 h 395"/>
+                  <a:gd name="T48" fmla="*/ 243 w 395"/>
+                  <a:gd name="T49" fmla="*/ 302 h 395"/>
+                  <a:gd name="T50" fmla="*/ 241 w 395"/>
+                  <a:gd name="T51" fmla="*/ 326 h 395"/>
+                  <a:gd name="T52" fmla="*/ 153 w 395"/>
+                  <a:gd name="T53" fmla="*/ 325 h 395"/>
+                  <a:gd name="T54" fmla="*/ 155 w 395"/>
+                  <a:gd name="T55" fmla="*/ 300 h 395"/>
+                  <a:gd name="T56" fmla="*/ 180 w 395"/>
+                  <a:gd name="T57" fmla="*/ 300 h 395"/>
+                  <a:gd name="T58" fmla="*/ 155 w 395"/>
+                  <a:gd name="T59" fmla="*/ 186 h 395"/>
+                  <a:gd name="T60" fmla="*/ 153 w 395"/>
+                  <a:gd name="T61" fmla="*/ 162 h 395"/>
+                  <a:gd name="T62" fmla="*/ 215 w 395"/>
+                  <a:gd name="T63" fmla="*/ 160 h 395"/>
+                </a:gdLst>
+                <a:ahLst/>
+                <a:cxnLst>
+                  <a:cxn ang="0">
+                    <a:pos x="T0" y="T1"/>
+                  </a:cxn>
+                  <a:cxn ang="0">
+                    <a:pos x="T2" y="T3"/>
+                  </a:cxn>
+                  <a:cxn ang="0">
+                    <a:pos x="T4" y="T5"/>
+                  </a:cxn>
+                  <a:cxn ang="0">
+                    <a:pos x="T6" y="T7"/>
+                  </a:cxn>
+                  <a:cxn ang="0">
+                    <a:pos x="T8" y="T9"/>
+                  </a:cxn>
+                  <a:cxn ang="0">
+                    <a:pos x="T10" y="T11"/>
+                  </a:cxn>
+                  <a:cxn ang="0">
+                    <a:pos x="T12" y="T13"/>
+                  </a:cxn>
+                  <a:cxn ang="0">
+                    <a:pos x="T14" y="T15"/>
+                  </a:cxn>
+                  <a:cxn ang="0">
+                    <a:pos x="T16" y="T17"/>
+                  </a:cxn>
+                  <a:cxn ang="0">
+                    <a:pos x="T18" y="T19"/>
+                  </a:cxn>
+                  <a:cxn ang="0">
+                    <a:pos x="T20" y="T21"/>
+                  </a:cxn>
+                  <a:cxn ang="0">
+                    <a:pos x="T22" y="T23"/>
+                  </a:cxn>
+                  <a:cxn ang="0">
+                    <a:pos x="T24" y="T25"/>
+                  </a:cxn>
+                  <a:cxn ang="0">
+                    <a:pos x="T26" y="T27"/>
+                  </a:cxn>
+                  <a:cxn ang="0">
+                    <a:pos x="T28" y="T29"/>
+                  </a:cxn>
+                  <a:cxn ang="0">
+                    <a:pos x="T30" y="T31"/>
+                  </a:cxn>
+                  <a:cxn ang="0">
+                    <a:pos x="T32" y="T33"/>
+                  </a:cxn>
+                  <a:cxn ang="0">
+                    <a:pos x="T34" y="T35"/>
+                  </a:cxn>
+                  <a:cxn ang="0">
+                    <a:pos x="T36" y="T37"/>
+                  </a:cxn>
+                  <a:cxn ang="0">
+                    <a:pos x="T38" y="T39"/>
+                  </a:cxn>
+                  <a:cxn ang="0">
+                    <a:pos x="T40" y="T41"/>
+                  </a:cxn>
+                  <a:cxn ang="0">
+                    <a:pos x="T42" y="T43"/>
+                  </a:cxn>
+                  <a:cxn ang="0">
+                    <a:pos x="T44" y="T45"/>
+                  </a:cxn>
+                  <a:cxn ang="0">
+                    <a:pos x="T46" y="T47"/>
+                  </a:cxn>
+                  <a:cxn ang="0">
+                    <a:pos x="T48" y="T49"/>
+                  </a:cxn>
+                  <a:cxn ang="0">
+                    <a:pos x="T50" y="T51"/>
+                  </a:cxn>
+                  <a:cxn ang="0">
+                    <a:pos x="T52" y="T53"/>
+                  </a:cxn>
+                  <a:cxn ang="0">
+                    <a:pos x="T54" y="T55"/>
+                  </a:cxn>
+                  <a:cxn ang="0">
+                    <a:pos x="T56" y="T57"/>
+                  </a:cxn>
+                  <a:cxn ang="0">
+                    <a:pos x="T58" y="T59"/>
+                  </a:cxn>
+                  <a:cxn ang="0">
+                    <a:pos x="T60" y="T61"/>
+                  </a:cxn>
+                  <a:cxn ang="0">
+                    <a:pos x="T62" y="T63"/>
+                  </a:cxn>
+                </a:cxnLst>
+                <a:rect l="0" t="0" r="r" b="b"/>
+                <a:pathLst>
+                  <a:path w="395" h="395">
+                    <a:moveTo>
+                      <a:pt x="198" y="0"/>
+                    </a:moveTo>
+                    <a:cubicBezTo>
+                      <a:pt x="89" y="0"/>
+                      <a:pt x="0" y="88"/>
+                      <a:pt x="0" y="197"/>
+                    </a:cubicBezTo>
+                    <a:cubicBezTo>
+                      <a:pt x="0" y="306"/>
+                      <a:pt x="89" y="395"/>
+                      <a:pt x="198" y="395"/>
+                    </a:cubicBezTo>
+                    <a:cubicBezTo>
+                      <a:pt x="307" y="395"/>
+                      <a:pt x="395" y="306"/>
+                      <a:pt x="395" y="197"/>
+                    </a:cubicBezTo>
+                    <a:cubicBezTo>
+                      <a:pt x="395" y="88"/>
+                      <a:pt x="307" y="0"/>
+                      <a:pt x="198" y="0"/>
+                    </a:cubicBezTo>
+                    <a:close/>
+                    <a:moveTo>
+                      <a:pt x="198" y="17"/>
+                    </a:moveTo>
+                    <a:cubicBezTo>
+                      <a:pt x="297" y="17"/>
+                      <a:pt x="378" y="98"/>
+                      <a:pt x="378" y="197"/>
+                    </a:cubicBezTo>
+                    <a:cubicBezTo>
+                      <a:pt x="378" y="297"/>
+                      <a:pt x="297" y="377"/>
+                      <a:pt x="198" y="377"/>
+                    </a:cubicBezTo>
+                    <a:cubicBezTo>
+                      <a:pt x="98" y="377"/>
+                      <a:pt x="18" y="297"/>
+                      <a:pt x="18" y="197"/>
+                    </a:cubicBezTo>
+                    <a:cubicBezTo>
+                      <a:pt x="18" y="98"/>
+                      <a:pt x="98" y="17"/>
+                      <a:pt x="198" y="17"/>
+                    </a:cubicBezTo>
+                    <a:close/>
+                    <a:moveTo>
+                      <a:pt x="198" y="50"/>
+                    </a:moveTo>
+                    <a:cubicBezTo>
+                      <a:pt x="174" y="50"/>
+                      <a:pt x="155" y="70"/>
+                      <a:pt x="155" y="94"/>
+                    </a:cubicBezTo>
+                    <a:cubicBezTo>
+                      <a:pt x="155" y="118"/>
+                      <a:pt x="175" y="138"/>
+                      <a:pt x="198" y="138"/>
+                    </a:cubicBezTo>
+                    <a:cubicBezTo>
+                      <a:pt x="222" y="138"/>
+                      <a:pt x="240" y="118"/>
+                      <a:pt x="240" y="94"/>
+                    </a:cubicBezTo>
+                    <a:cubicBezTo>
+                      <a:pt x="240" y="70"/>
+                      <a:pt x="222" y="50"/>
+                      <a:pt x="198" y="50"/>
+                    </a:cubicBezTo>
+                    <a:close/>
+                    <a:moveTo>
+                      <a:pt x="198" y="68"/>
+                    </a:moveTo>
+                    <a:cubicBezTo>
+                      <a:pt x="212" y="68"/>
+                      <a:pt x="223" y="80"/>
+                      <a:pt x="223" y="94"/>
+                    </a:cubicBezTo>
+                    <a:cubicBezTo>
+                      <a:pt x="223" y="109"/>
+                      <a:pt x="212" y="120"/>
+                      <a:pt x="198" y="120"/>
+                    </a:cubicBezTo>
+                    <a:cubicBezTo>
+                      <a:pt x="184" y="120"/>
+                      <a:pt x="173" y="109"/>
+                      <a:pt x="173" y="94"/>
+                    </a:cubicBezTo>
+                    <a:cubicBezTo>
+                      <a:pt x="173" y="79"/>
+                      <a:pt x="184" y="68"/>
+                      <a:pt x="198" y="68"/>
+                    </a:cubicBezTo>
+                    <a:close/>
+                    <a:moveTo>
+                      <a:pt x="155" y="142"/>
+                    </a:moveTo>
+                    <a:cubicBezTo>
+                      <a:pt x="150" y="142"/>
+                      <a:pt x="144" y="143"/>
+                      <a:pt x="140" y="147"/>
+                    </a:cubicBezTo>
+                    <a:cubicBezTo>
+                      <a:pt x="137" y="151"/>
+                      <a:pt x="135" y="157"/>
+                      <a:pt x="135" y="162"/>
+                    </a:cubicBezTo>
+                    <a:lnTo>
+                      <a:pt x="135" y="184"/>
+                    </a:lnTo>
+                    <a:cubicBezTo>
+                      <a:pt x="135" y="189"/>
+                      <a:pt x="137" y="195"/>
+                      <a:pt x="141" y="199"/>
+                    </a:cubicBezTo>
+                    <a:cubicBezTo>
+                      <a:pt x="145" y="202"/>
+                      <a:pt x="150" y="203"/>
+                      <a:pt x="155" y="203"/>
+                    </a:cubicBezTo>
+                    <a:lnTo>
+                      <a:pt x="162" y="203"/>
+                    </a:lnTo>
+                    <a:lnTo>
+                      <a:pt x="162" y="282"/>
+                    </a:lnTo>
+                    <a:lnTo>
+                      <a:pt x="155" y="282"/>
+                    </a:lnTo>
+                    <a:cubicBezTo>
+                      <a:pt x="150" y="282"/>
+                      <a:pt x="144" y="283"/>
+                      <a:pt x="140" y="288"/>
+                    </a:cubicBezTo>
+                    <a:cubicBezTo>
+                      <a:pt x="137" y="292"/>
+                      <a:pt x="136" y="297"/>
+                      <a:pt x="136" y="302"/>
+                    </a:cubicBezTo>
+                    <a:lnTo>
+                      <a:pt x="136" y="324"/>
+                    </a:lnTo>
+                    <a:cubicBezTo>
+                      <a:pt x="136" y="329"/>
+                      <a:pt x="137" y="334"/>
+                      <a:pt x="140" y="338"/>
+                    </a:cubicBezTo>
+                    <a:cubicBezTo>
+                      <a:pt x="144" y="342"/>
+                      <a:pt x="150" y="344"/>
+                      <a:pt x="155" y="344"/>
+                    </a:cubicBezTo>
+                    <a:lnTo>
+                      <a:pt x="241" y="344"/>
+                    </a:lnTo>
+                    <a:cubicBezTo>
+                      <a:pt x="247" y="344"/>
+                      <a:pt x="252" y="342"/>
+                      <a:pt x="256" y="338"/>
+                    </a:cubicBezTo>
+                    <a:cubicBezTo>
+                      <a:pt x="259" y="334"/>
+                      <a:pt x="260" y="329"/>
+                      <a:pt x="260" y="324"/>
+                    </a:cubicBezTo>
+                    <a:lnTo>
+                      <a:pt x="260" y="302"/>
+                    </a:lnTo>
+                    <a:cubicBezTo>
+                      <a:pt x="260" y="297"/>
+                      <a:pt x="259" y="292"/>
+                      <a:pt x="256" y="288"/>
+                    </a:cubicBezTo>
+                    <a:cubicBezTo>
+                      <a:pt x="252" y="283"/>
+                      <a:pt x="247" y="282"/>
+                      <a:pt x="241" y="282"/>
+                    </a:cubicBezTo>
+                    <a:lnTo>
+                      <a:pt x="234" y="282"/>
+                    </a:lnTo>
+                    <a:lnTo>
+                      <a:pt x="234" y="162"/>
+                    </a:lnTo>
+                    <a:cubicBezTo>
+                      <a:pt x="234" y="157"/>
+                      <a:pt x="233" y="152"/>
+                      <a:pt x="229" y="148"/>
+                    </a:cubicBezTo>
+                    <a:cubicBezTo>
+                      <a:pt x="226" y="144"/>
+                      <a:pt x="220" y="142"/>
+                      <a:pt x="215" y="142"/>
+                    </a:cubicBezTo>
+                    <a:lnTo>
+                      <a:pt x="155" y="142"/>
+                    </a:lnTo>
+                    <a:close/>
+                    <a:moveTo>
+                      <a:pt x="215" y="160"/>
+                    </a:moveTo>
+                    <a:cubicBezTo>
+                      <a:pt x="217" y="160"/>
+                      <a:pt x="216" y="161"/>
+                      <a:pt x="216" y="162"/>
+                    </a:cubicBezTo>
+                    <a:lnTo>
+                      <a:pt x="216" y="300"/>
+                    </a:lnTo>
+                    <a:lnTo>
+                      <a:pt x="241" y="300"/>
+                    </a:lnTo>
+                    <a:cubicBezTo>
+                      <a:pt x="243" y="299"/>
+                      <a:pt x="243" y="301"/>
+                      <a:pt x="243" y="302"/>
+                    </a:cubicBezTo>
+                    <a:cubicBezTo>
+                      <a:pt x="243" y="302"/>
+                      <a:pt x="243" y="324"/>
+                      <a:pt x="243" y="325"/>
+                    </a:cubicBezTo>
+                    <a:cubicBezTo>
+                      <a:pt x="243" y="326"/>
+                      <a:pt x="242" y="326"/>
+                      <a:pt x="241" y="326"/>
+                    </a:cubicBezTo>
+                    <a:cubicBezTo>
+                      <a:pt x="241" y="326"/>
+                      <a:pt x="155" y="326"/>
+                      <a:pt x="155" y="326"/>
+                    </a:cubicBezTo>
+                    <a:cubicBezTo>
+                      <a:pt x="153" y="327"/>
+                      <a:pt x="153" y="326"/>
+                      <a:pt x="153" y="325"/>
+                    </a:cubicBezTo>
+                    <a:lnTo>
+                      <a:pt x="153" y="301"/>
+                    </a:lnTo>
+                    <a:cubicBezTo>
+                      <a:pt x="153" y="300"/>
+                      <a:pt x="153" y="300"/>
+                      <a:pt x="155" y="300"/>
+                    </a:cubicBezTo>
+                    <a:lnTo>
+                      <a:pt x="171" y="299"/>
+                    </a:lnTo>
+                    <a:lnTo>
+                      <a:pt x="180" y="300"/>
+                    </a:lnTo>
+                    <a:lnTo>
+                      <a:pt x="180" y="186"/>
+                    </a:lnTo>
+                    <a:lnTo>
+                      <a:pt x="155" y="186"/>
+                    </a:lnTo>
+                    <a:cubicBezTo>
+                      <a:pt x="153" y="186"/>
+                      <a:pt x="153" y="186"/>
+                      <a:pt x="153" y="184"/>
+                    </a:cubicBezTo>
+                    <a:lnTo>
+                      <a:pt x="153" y="162"/>
+                    </a:lnTo>
+                    <a:cubicBezTo>
+                      <a:pt x="153" y="160"/>
+                      <a:pt x="153" y="160"/>
+                      <a:pt x="155" y="160"/>
+                    </a:cubicBezTo>
+                    <a:lnTo>
+                      <a:pt x="215" y="160"/>
+                    </a:lnTo>
+                    <a:cubicBezTo>
+                      <a:pt x="215" y="160"/>
+                      <a:pt x="215" y="160"/>
+                      <a:pt x="215" y="160"/>
+                    </a:cubicBezTo>
+                    <a:close/>
+                  </a:path>
+                </a:pathLst>
+              </a:custGeom>
+              <a:solidFill>
+                <a:srgbClr val="262626"/>
+              </a:solidFill>
+              <a:ln w="0">
+                <a:noFill/>
+                <a:prstDash val="solid"/>
+                <a:round/>
+                <a:headEnd/>
+                <a:tailEnd/>
+              </a:ln>
+              <a:extLst>
+                <a:ext uri="{91240B29-F687-4F45-9708-019B960494DF}">
+                  <a14:hiddenLine xmlns:a14="http://schemas.microsoft.com/office/drawing/2010/main" w="0">
+                    <a:solidFill>
+                      <a:prstClr val="black"/>
+                    </a:solidFill>
+                    <a:prstDash val="solid"/>
+                    <a:round/>
+                    <a:headEnd/>
+                    <a:tailEnd/>
+                  </a14:hiddenLine>
+                </a:ext>
+              </a:extLst>
+            </p:spPr>
+            <p:txBody>
+              <a:bodyPr vert="horz" wrap="square" lIns="91440" tIns="45720" rIns="91440" bIns="45720" numCol="1" anchor="t" anchorCtr="0" compatLnSpc="1">
+                <a:prstTxWarp prst="textNoShape">
+                  <a:avLst/>
+                </a:prstTxWarp>
+              </a:bodyPr>
+              <a:lstStyle>
+                <a:defPPr>
+                  <a:defRPr lang="en-US"/>
+                </a:defPPr>
+                <a:lvl1pPr marL="0" algn="l" defTabSz="914400" rtl="0" eaLnBrk="1" latinLnBrk="0" hangingPunct="1">
+                  <a:defRPr sz="1800" kern="1200">
+                    <a:solidFill>
+                      <a:schemeClr val="tx1"/>
+                    </a:solidFill>
+                    <a:latin typeface="+mn-lt"/>
+                    <a:ea typeface="+mn-ea"/>
+                    <a:cs typeface="+mn-cs"/>
+                  </a:defRPr>
+                </a:lvl1pPr>
+                <a:lvl2pPr marL="457200" algn="l" defTabSz="914400" rtl="0" eaLnBrk="1" latinLnBrk="0" hangingPunct="1">
+                  <a:defRPr sz="1800" kern="1200">
+                    <a:solidFill>
+                      <a:schemeClr val="tx1"/>
+                    </a:solidFill>
+                    <a:latin typeface="+mn-lt"/>
+                    <a:ea typeface="+mn-ea"/>
+                    <a:cs typeface="+mn-cs"/>
+                  </a:defRPr>
+                </a:lvl2pPr>
+                <a:lvl3pPr marL="914400" algn="l" defTabSz="914400" rtl="0" eaLnBrk="1" latinLnBrk="0" hangingPunct="1">
+                  <a:defRPr sz="1800" kern="1200">
+                    <a:solidFill>
+                      <a:schemeClr val="tx1"/>
+                    </a:solidFill>
+                    <a:latin typeface="+mn-lt"/>
+                    <a:ea typeface="+mn-ea"/>
+                    <a:cs typeface="+mn-cs"/>
+                  </a:defRPr>
+                </a:lvl3pPr>
+                <a:lvl4pPr marL="1371600" algn="l" defTabSz="914400" rtl="0" eaLnBrk="1" latinLnBrk="0" hangingPunct="1">
+                  <a:defRPr sz="1800" kern="1200">
+                    <a:solidFill>
+                      <a:schemeClr val="tx1"/>
+                    </a:solidFill>
+                    <a:latin typeface="+mn-lt"/>
+                    <a:ea typeface="+mn-ea"/>
+                    <a:cs typeface="+mn-cs"/>
+                  </a:defRPr>
+                </a:lvl4pPr>
+                <a:lvl5pPr marL="1828800" algn="l" defTabSz="914400" rtl="0" eaLnBrk="1" latinLnBrk="0" hangingPunct="1">
+                  <a:defRPr sz="1800" kern="1200">
+                    <a:solidFill>
+                      <a:schemeClr val="tx1"/>
+                    </a:solidFill>
+                    <a:latin typeface="+mn-lt"/>
+                    <a:ea typeface="+mn-ea"/>
+                    <a:cs typeface="+mn-cs"/>
+                  </a:defRPr>
+                </a:lvl5pPr>
+                <a:lvl6pPr marL="2286000" algn="l" defTabSz="914400" rtl="0" eaLnBrk="1" latinLnBrk="0" hangingPunct="1">
+                  <a:defRPr sz="1800" kern="1200">
+                    <a:solidFill>
+                      <a:schemeClr val="tx1"/>
+                    </a:solidFill>
+                    <a:latin typeface="+mn-lt"/>
+                    <a:ea typeface="+mn-ea"/>
+                    <a:cs typeface="+mn-cs"/>
+                  </a:defRPr>
+                </a:lvl6pPr>
+                <a:lvl7pPr marL="2743200" algn="l" defTabSz="914400" rtl="0" eaLnBrk="1" latinLnBrk="0" hangingPunct="1">
+                  <a:defRPr sz="1800" kern="1200">
+                    <a:solidFill>
+                      <a:schemeClr val="tx1"/>
+                    </a:solidFill>
+                    <a:latin typeface="+mn-lt"/>
+                    <a:ea typeface="+mn-ea"/>
+                    <a:cs typeface="+mn-cs"/>
+                  </a:defRPr>
+                </a:lvl7pPr>
+                <a:lvl8pPr marL="3200400" algn="l" defTabSz="914400" rtl="0" eaLnBrk="1" latinLnBrk="0" hangingPunct="1">
+                  <a:defRPr sz="1800" kern="1200">
+                    <a:solidFill>
+                      <a:schemeClr val="tx1"/>
+                    </a:solidFill>
+                    <a:latin typeface="+mn-lt"/>
+                    <a:ea typeface="+mn-ea"/>
+                    <a:cs typeface="+mn-cs"/>
+                  </a:defRPr>
+                </a:lvl8pPr>
+                <a:lvl9pPr marL="3657600" algn="l" defTabSz="914400" rtl="0" eaLnBrk="1" latinLnBrk="0" hangingPunct="1">
+                  <a:defRPr sz="1800" kern="1200">
+                    <a:solidFill>
+                      <a:schemeClr val="tx1"/>
+                    </a:solidFill>
+                    <a:latin typeface="+mn-lt"/>
+                    <a:ea typeface="+mn-ea"/>
+                    <a:cs typeface="+mn-cs"/>
+                  </a:defRPr>
+                </a:lvl9pPr>
+              </a:lstStyle>
+              <a:p>
+                <a:endParaRPr lang="en-US" sz="900">
+                  <a:solidFill>
+                    <a:srgbClr val="262626"/>
+                  </a:solidFill>
+                  <a:latin typeface="Calibri" pitchFamily="34" charset="0"/>
+                  <a:cs typeface="Calibri" pitchFamily="34" charset="0"/>
+                </a:endParaRPr>
+              </a:p>
+            </p:txBody>
+          </p:sp>
+        </p:grpSp>
+      </p:grpSp>
+    </p:spTree>
+    <p:extLst>
+      <p:ext uri="{BB962C8B-B14F-4D97-AF65-F5344CB8AC3E}">
+        <p14:creationId xmlns:p14="http://schemas.microsoft.com/office/powerpoint/2010/main" val="1643946883"/>
+      </p:ext>
+    </p:extLst>
+  </p:cSld>
+  <p:clrMapOvr>
+    <a:masterClrMapping/>
+  </p:clrMapOvr>
+  <p:timing>
+    <p:tnLst>
+      <p:par>
+        <p:cTn id="1" dur="indefinite" restart="never" nodeType="tmRoot"/>
+      </p:par>
+    </p:tnLst>
+  </p:timing>
+</p:sld>
+</file>
+
 <file path=ppt/tags/tag1.xml><?xml version="1.0" encoding="utf-8"?>
 <p:tagLst xmlns:a="http://schemas.openxmlformats.org/drawingml/2006/main" xmlns:r="http://schemas.openxmlformats.org/officeDocument/2006/relationships" xmlns:p="http://schemas.openxmlformats.org/presentationml/2006/main">
   <p:tag name="ENABLESMARTRESIZE" val="True"/>
@@ -8284,10 +15724,181 @@
 </p:tagLst>
 </file>
 
+<file path=ppt/tags/tag10.xml><?xml version="1.0" encoding="utf-8"?>
+<p:tagLst xmlns:a="http://schemas.openxmlformats.org/drawingml/2006/main" xmlns:r="http://schemas.openxmlformats.org/officeDocument/2006/relationships" xmlns:p="http://schemas.openxmlformats.org/presentationml/2006/main">
+  <p:tag name="ANCHORLEFT" val="Absolute"/>
+  <p:tag name="ANCHORTOP" val="Absolute"/>
+  <p:tag name="ANCHORRIGHT" val="Absolute"/>
+  <p:tag name="ANCHORBOTTOM" val="Absolute"/>
+</p:tagLst>
+</file>
+
+<file path=ppt/tags/tag11.xml><?xml version="1.0" encoding="utf-8"?>
+<p:tagLst xmlns:a="http://schemas.openxmlformats.org/drawingml/2006/main" xmlns:r="http://schemas.openxmlformats.org/officeDocument/2006/relationships" xmlns:p="http://schemas.openxmlformats.org/presentationml/2006/main">
+  <p:tag name="ANCHORLEFT" val="None"/>
+  <p:tag name="ANCHORTOP" val="Absolute"/>
+  <p:tag name="ANCHORRIGHT" val="Absolute"/>
+  <p:tag name="ANCHORBOTTOM" val="None"/>
+</p:tagLst>
+</file>
+
+<file path=ppt/tags/tag12.xml><?xml version="1.0" encoding="utf-8"?>
+<p:tagLst xmlns:a="http://schemas.openxmlformats.org/drawingml/2006/main" xmlns:r="http://schemas.openxmlformats.org/officeDocument/2006/relationships" xmlns:p="http://schemas.openxmlformats.org/presentationml/2006/main">
+  <p:tag name="ANCHORLEFT" val="Absolute"/>
+  <p:tag name="ANCHORTOP" val="Absolute"/>
+  <p:tag name="ANCHORRIGHT" val="Absolute"/>
+  <p:tag name="ANCHORBOTTOM" val="Absolute"/>
+</p:tagLst>
+</file>
+
+<file path=ppt/tags/tag13.xml><?xml version="1.0" encoding="utf-8"?>
+<p:tagLst xmlns:a="http://schemas.openxmlformats.org/drawingml/2006/main" xmlns:r="http://schemas.openxmlformats.org/officeDocument/2006/relationships" xmlns:p="http://schemas.openxmlformats.org/presentationml/2006/main">
+  <p:tag name="ANCHORLEFT" val="Absolute"/>
+  <p:tag name="ANCHORTOP" val="Absolute"/>
+  <p:tag name="ANCHORRIGHT" val="None"/>
+  <p:tag name="ANCHORBOTTOM" val="None"/>
+</p:tagLst>
+</file>
+
+<file path=ppt/tags/tag14.xml><?xml version="1.0" encoding="utf-8"?>
+<p:tagLst xmlns:a="http://schemas.openxmlformats.org/drawingml/2006/main" xmlns:r="http://schemas.openxmlformats.org/officeDocument/2006/relationships" xmlns:p="http://schemas.openxmlformats.org/presentationml/2006/main">
+  <p:tag name="ANCHORLEFT" val="Absolute"/>
+  <p:tag name="ANCHORTOP" val="Absolute"/>
+  <p:tag name="ANCHORRIGHT" val="None"/>
+  <p:tag name="ANCHORBOTTOM" val="None"/>
+</p:tagLst>
+</file>
+
+<file path=ppt/tags/tag15.xml><?xml version="1.0" encoding="utf-8"?>
+<p:tagLst xmlns:a="http://schemas.openxmlformats.org/drawingml/2006/main" xmlns:r="http://schemas.openxmlformats.org/officeDocument/2006/relationships" xmlns:p="http://schemas.openxmlformats.org/presentationml/2006/main">
+  <p:tag name="ANCHORLEFT" val="Absolute"/>
+  <p:tag name="ANCHORTOP" val="Absolute"/>
+  <p:tag name="ANCHORRIGHT" val="None"/>
+  <p:tag name="ANCHORBOTTOM" val="None"/>
+</p:tagLst>
+</file>
+
+<file path=ppt/tags/tag16.xml><?xml version="1.0" encoding="utf-8"?>
+<p:tagLst xmlns:a="http://schemas.openxmlformats.org/drawingml/2006/main" xmlns:r="http://schemas.openxmlformats.org/officeDocument/2006/relationships" xmlns:p="http://schemas.openxmlformats.org/presentationml/2006/main">
+  <p:tag name="ANCHORLEFT" val="None"/>
+  <p:tag name="ANCHORTOP" val="None"/>
+  <p:tag name="ANCHORRIGHT" val="Absolute"/>
+  <p:tag name="ANCHORBOTTOM" val="Absolute"/>
+</p:tagLst>
+</file>
+
+<file path=ppt/tags/tag17.xml><?xml version="1.0" encoding="utf-8"?>
+<p:tagLst xmlns:a="http://schemas.openxmlformats.org/drawingml/2006/main" xmlns:r="http://schemas.openxmlformats.org/officeDocument/2006/relationships" xmlns:p="http://schemas.openxmlformats.org/presentationml/2006/main">
+  <p:tag name="ANCHORLEFT" val="None"/>
+  <p:tag name="ANCHORTOP" val="None"/>
+  <p:tag name="ANCHORRIGHT" val="Absolute"/>
+  <p:tag name="ANCHORBOTTOM" val="Absolute"/>
+</p:tagLst>
+</file>
+
+<file path=ppt/tags/tag18.xml><?xml version="1.0" encoding="utf-8"?>
+<p:tagLst xmlns:a="http://schemas.openxmlformats.org/drawingml/2006/main" xmlns:r="http://schemas.openxmlformats.org/officeDocument/2006/relationships" xmlns:p="http://schemas.openxmlformats.org/presentationml/2006/main">
+  <p:tag name="ANCHORLEFT" val="None"/>
+  <p:tag name="ANCHORTOP" val="None"/>
+  <p:tag name="ANCHORRIGHT" val="Absolute"/>
+  <p:tag name="ANCHORBOTTOM" val="Absolute"/>
+</p:tagLst>
+</file>
+
+<file path=ppt/tags/tag19.xml><?xml version="1.0" encoding="utf-8"?>
+<p:tagLst xmlns:a="http://schemas.openxmlformats.org/drawingml/2006/main" xmlns:r="http://schemas.openxmlformats.org/officeDocument/2006/relationships" xmlns:p="http://schemas.openxmlformats.org/presentationml/2006/main">
+  <p:tag name="ANCHORLEFT" val="Absolute"/>
+  <p:tag name="ANCHORTOP" val="Absolute"/>
+  <p:tag name="ANCHORRIGHT" val="Absolute"/>
+  <p:tag name="ANCHORBOTTOM" val="Absolute"/>
+</p:tagLst>
+</file>
+
 <file path=ppt/tags/tag2.xml><?xml version="1.0" encoding="utf-8"?>
 <p:tagLst xmlns:a="http://schemas.openxmlformats.org/drawingml/2006/main" xmlns:r="http://schemas.openxmlformats.org/officeDocument/2006/relationships" xmlns:p="http://schemas.openxmlformats.org/presentationml/2006/main">
   <p:tag name="ANCHORLEFT" val="Absolute"/>
   <p:tag name="ANCHORTOP" val="Absolute"/>
+  <p:tag name="ANCHORRIGHT" val="Absolute"/>
+  <p:tag name="ANCHORBOTTOM" val="Absolute"/>
+</p:tagLst>
+</file>
+
+<file path=ppt/tags/tag20.xml><?xml version="1.0" encoding="utf-8"?>
+<p:tagLst xmlns:a="http://schemas.openxmlformats.org/drawingml/2006/main" xmlns:r="http://schemas.openxmlformats.org/officeDocument/2006/relationships" xmlns:p="http://schemas.openxmlformats.org/presentationml/2006/main">
+  <p:tag name="ANCHORLEFT" val="Absolute"/>
+  <p:tag name="ANCHORTOP" val="Absolute"/>
+  <p:tag name="ANCHORRIGHT" val="Absolute"/>
+  <p:tag name="ANCHORBOTTOM" val="Absolute"/>
+</p:tagLst>
+</file>
+
+<file path=ppt/tags/tag21.xml><?xml version="1.0" encoding="utf-8"?>
+<p:tagLst xmlns:a="http://schemas.openxmlformats.org/drawingml/2006/main" xmlns:r="http://schemas.openxmlformats.org/officeDocument/2006/relationships" xmlns:p="http://schemas.openxmlformats.org/presentationml/2006/main">
+  <p:tag name="ANCHORLEFT" val="None"/>
+  <p:tag name="ANCHORTOP" val="Absolute"/>
+  <p:tag name="ANCHORRIGHT" val="Absolute"/>
+  <p:tag name="ANCHORBOTTOM" val="None"/>
+</p:tagLst>
+</file>
+
+<file path=ppt/tags/tag22.xml><?xml version="1.0" encoding="utf-8"?>
+<p:tagLst xmlns:a="http://schemas.openxmlformats.org/drawingml/2006/main" xmlns:r="http://schemas.openxmlformats.org/officeDocument/2006/relationships" xmlns:p="http://schemas.openxmlformats.org/presentationml/2006/main">
+  <p:tag name="ANCHORLEFT" val="Absolute"/>
+  <p:tag name="ANCHORTOP" val="Absolute"/>
+  <p:tag name="ANCHORRIGHT" val="Absolute"/>
+  <p:tag name="ANCHORBOTTOM" val="Absolute"/>
+</p:tagLst>
+</file>
+
+<file path=ppt/tags/tag23.xml><?xml version="1.0" encoding="utf-8"?>
+<p:tagLst xmlns:a="http://schemas.openxmlformats.org/drawingml/2006/main" xmlns:r="http://schemas.openxmlformats.org/officeDocument/2006/relationships" xmlns:p="http://schemas.openxmlformats.org/presentationml/2006/main">
+  <p:tag name="ANCHORLEFT" val="Absolute"/>
+  <p:tag name="ANCHORTOP" val="Absolute"/>
+  <p:tag name="ANCHORRIGHT" val="None"/>
+  <p:tag name="ANCHORBOTTOM" val="None"/>
+</p:tagLst>
+</file>
+
+<file path=ppt/tags/tag24.xml><?xml version="1.0" encoding="utf-8"?>
+<p:tagLst xmlns:a="http://schemas.openxmlformats.org/drawingml/2006/main" xmlns:r="http://schemas.openxmlformats.org/officeDocument/2006/relationships" xmlns:p="http://schemas.openxmlformats.org/presentationml/2006/main">
+  <p:tag name="ANCHORLEFT" val="Absolute"/>
+  <p:tag name="ANCHORTOP" val="Absolute"/>
+  <p:tag name="ANCHORRIGHT" val="None"/>
+  <p:tag name="ANCHORBOTTOM" val="None"/>
+</p:tagLst>
+</file>
+
+<file path=ppt/tags/tag25.xml><?xml version="1.0" encoding="utf-8"?>
+<p:tagLst xmlns:a="http://schemas.openxmlformats.org/drawingml/2006/main" xmlns:r="http://schemas.openxmlformats.org/officeDocument/2006/relationships" xmlns:p="http://schemas.openxmlformats.org/presentationml/2006/main">
+  <p:tag name="ANCHORLEFT" val="Absolute"/>
+  <p:tag name="ANCHORTOP" val="Absolute"/>
+  <p:tag name="ANCHORRIGHT" val="None"/>
+  <p:tag name="ANCHORBOTTOM" val="None"/>
+</p:tagLst>
+</file>
+
+<file path=ppt/tags/tag26.xml><?xml version="1.0" encoding="utf-8"?>
+<p:tagLst xmlns:a="http://schemas.openxmlformats.org/drawingml/2006/main" xmlns:r="http://schemas.openxmlformats.org/officeDocument/2006/relationships" xmlns:p="http://schemas.openxmlformats.org/presentationml/2006/main">
+  <p:tag name="ANCHORLEFT" val="None"/>
+  <p:tag name="ANCHORTOP" val="None"/>
+  <p:tag name="ANCHORRIGHT" val="Absolute"/>
+  <p:tag name="ANCHORBOTTOM" val="Absolute"/>
+</p:tagLst>
+</file>
+
+<file path=ppt/tags/tag27.xml><?xml version="1.0" encoding="utf-8"?>
+<p:tagLst xmlns:a="http://schemas.openxmlformats.org/drawingml/2006/main" xmlns:r="http://schemas.openxmlformats.org/officeDocument/2006/relationships" xmlns:p="http://schemas.openxmlformats.org/presentationml/2006/main">
+  <p:tag name="ANCHORLEFT" val="None"/>
+  <p:tag name="ANCHORTOP" val="None"/>
+  <p:tag name="ANCHORRIGHT" val="Absolute"/>
+  <p:tag name="ANCHORBOTTOM" val="Absolute"/>
+</p:tagLst>
+</file>
+
+<file path=ppt/tags/tag28.xml><?xml version="1.0" encoding="utf-8"?>
+<p:tagLst xmlns:a="http://schemas.openxmlformats.org/drawingml/2006/main" xmlns:r="http://schemas.openxmlformats.org/officeDocument/2006/relationships" xmlns:p="http://schemas.openxmlformats.org/presentationml/2006/main">
+  <p:tag name="ANCHORLEFT" val="None"/>
+  <p:tag name="ANCHORTOP" val="None"/>
   <p:tag name="ANCHORRIGHT" val="Absolute"/>
   <p:tag name="ANCHORBOTTOM" val="Absolute"/>
 </p:tagLst>
@@ -8326,6 +15937,31 @@
   <p:tag name="ANCHORTOP" val="Absolute"/>
   <p:tag name="ANCHORRIGHT" val="Absolute"/>
   <p:tag name="ANCHORBOTTOM" val="None"/>
+</p:tagLst>
+</file>
+
+<file path=ppt/tags/tag7.xml><?xml version="1.0" encoding="utf-8"?>
+<p:tagLst xmlns:a="http://schemas.openxmlformats.org/drawingml/2006/main" xmlns:r="http://schemas.openxmlformats.org/officeDocument/2006/relationships" xmlns:p="http://schemas.openxmlformats.org/presentationml/2006/main">
+  <p:tag name="ENABLESMARTRESIZE" val="True"/>
+  <p:tag name="MINWIDTH" val="90"/>
+  <p:tag name="MINHEIGHT" val="70"/>
+</p:tagLst>
+</file>
+
+<file path=ppt/tags/tag8.xml><?xml version="1.0" encoding="utf-8"?>
+<p:tagLst xmlns:a="http://schemas.openxmlformats.org/drawingml/2006/main" xmlns:r="http://schemas.openxmlformats.org/officeDocument/2006/relationships" xmlns:p="http://schemas.openxmlformats.org/presentationml/2006/main">
+  <p:tag name="ENABLESMARTRESIZE" val="True"/>
+  <p:tag name="MINWIDTH" val="90"/>
+  <p:tag name="MINHEIGHT" val="70"/>
+</p:tagLst>
+</file>
+
+<file path=ppt/tags/tag9.xml><?xml version="1.0" encoding="utf-8"?>
+<p:tagLst xmlns:a="http://schemas.openxmlformats.org/drawingml/2006/main" xmlns:r="http://schemas.openxmlformats.org/officeDocument/2006/relationships" xmlns:p="http://schemas.openxmlformats.org/presentationml/2006/main">
+  <p:tag name="ANCHORLEFT" val="Absolute"/>
+  <p:tag name="ANCHORTOP" val="Absolute"/>
+  <p:tag name="ANCHORRIGHT" val="Absolute"/>
+  <p:tag name="ANCHORBOTTOM" val="Absolute"/>
 </p:tagLst>
 </file>
 
